--- a/Tasks/99_課題/tips-案.pptx
+++ b/Tasks/99_課題/tips-案.pptx
@@ -6,6 +6,7 @@
   </p:sldMasterIdLst>
   <p:sldIdLst>
     <p:sldId id="260" r:id="rId2"/>
+    <p:sldId id="261" r:id="rId3"/>
   </p:sldIdLst>
   <p:sldSz cx="12192000" cy="6858000"/>
   <p:notesSz cx="6858000" cy="9144000"/>
@@ -104,6 +105,11 @@
       </a:defRPr>
     </a:lvl9pPr>
   </p:defaultTextStyle>
+  <p:extLst>
+    <p:ext uri="{EFAFB233-063F-42B5-8137-9DF3F51BA10A}">
+      <p15:sldGuideLst xmlns:p15="http://schemas.microsoft.com/office/powerpoint/2012/main"/>
+    </p:ext>
+  </p:extLst>
 </p:presentation>
 </file>
 
@@ -254,7 +260,7 @@
           <a:p>
             <a:fld id="{C7A90A07-83FF-4437-A751-8C4BD7FD35BF}" type="datetimeFigureOut">
               <a:rPr kumimoji="1" lang="ja-JP" altLang="en-US" smtClean="0"/>
-              <a:t>2023/11/6</a:t>
+              <a:t>2023/11/13</a:t>
             </a:fld>
             <a:endParaRPr kumimoji="1" lang="ja-JP" altLang="en-US"/>
           </a:p>
@@ -484,7 +490,7 @@
           <a:p>
             <a:fld id="{C7A90A07-83FF-4437-A751-8C4BD7FD35BF}" type="datetimeFigureOut">
               <a:rPr kumimoji="1" lang="ja-JP" altLang="en-US" smtClean="0"/>
-              <a:t>2023/11/6</a:t>
+              <a:t>2023/11/13</a:t>
             </a:fld>
             <a:endParaRPr kumimoji="1" lang="ja-JP" altLang="en-US"/>
           </a:p>
@@ -724,7 +730,7 @@
           <a:p>
             <a:fld id="{C7A90A07-83FF-4437-A751-8C4BD7FD35BF}" type="datetimeFigureOut">
               <a:rPr kumimoji="1" lang="ja-JP" altLang="en-US" smtClean="0"/>
-              <a:t>2023/11/6</a:t>
+              <a:t>2023/11/13</a:t>
             </a:fld>
             <a:endParaRPr kumimoji="1" lang="ja-JP" altLang="en-US"/>
           </a:p>
@@ -954,7 +960,7 @@
           <a:p>
             <a:fld id="{C7A90A07-83FF-4437-A751-8C4BD7FD35BF}" type="datetimeFigureOut">
               <a:rPr kumimoji="1" lang="ja-JP" altLang="en-US" smtClean="0"/>
-              <a:t>2023/11/6</a:t>
+              <a:t>2023/11/13</a:t>
             </a:fld>
             <a:endParaRPr kumimoji="1" lang="ja-JP" altLang="en-US"/>
           </a:p>
@@ -1229,7 +1235,7 @@
           <a:p>
             <a:fld id="{C7A90A07-83FF-4437-A751-8C4BD7FD35BF}" type="datetimeFigureOut">
               <a:rPr kumimoji="1" lang="ja-JP" altLang="en-US" smtClean="0"/>
-              <a:t>2023/11/6</a:t>
+              <a:t>2023/11/13</a:t>
             </a:fld>
             <a:endParaRPr kumimoji="1" lang="ja-JP" altLang="en-US"/>
           </a:p>
@@ -1558,7 +1564,7 @@
           <a:p>
             <a:fld id="{C7A90A07-83FF-4437-A751-8C4BD7FD35BF}" type="datetimeFigureOut">
               <a:rPr kumimoji="1" lang="ja-JP" altLang="en-US" smtClean="0"/>
-              <a:t>2023/11/6</a:t>
+              <a:t>2023/11/13</a:t>
             </a:fld>
             <a:endParaRPr kumimoji="1" lang="ja-JP" altLang="en-US"/>
           </a:p>
@@ -2034,7 +2040,7 @@
           <a:p>
             <a:fld id="{C7A90A07-83FF-4437-A751-8C4BD7FD35BF}" type="datetimeFigureOut">
               <a:rPr kumimoji="1" lang="ja-JP" altLang="en-US" smtClean="0"/>
-              <a:t>2023/11/6</a:t>
+              <a:t>2023/11/13</a:t>
             </a:fld>
             <a:endParaRPr kumimoji="1" lang="ja-JP" altLang="en-US"/>
           </a:p>
@@ -2175,7 +2181,7 @@
           <a:p>
             <a:fld id="{C7A90A07-83FF-4437-A751-8C4BD7FD35BF}" type="datetimeFigureOut">
               <a:rPr kumimoji="1" lang="ja-JP" altLang="en-US" smtClean="0"/>
-              <a:t>2023/11/6</a:t>
+              <a:t>2023/11/13</a:t>
             </a:fld>
             <a:endParaRPr kumimoji="1" lang="ja-JP" altLang="en-US"/>
           </a:p>
@@ -2288,7 +2294,7 @@
           <a:p>
             <a:fld id="{C7A90A07-83FF-4437-A751-8C4BD7FD35BF}" type="datetimeFigureOut">
               <a:rPr kumimoji="1" lang="ja-JP" altLang="en-US" smtClean="0"/>
-              <a:t>2023/11/6</a:t>
+              <a:t>2023/11/13</a:t>
             </a:fld>
             <a:endParaRPr kumimoji="1" lang="ja-JP" altLang="en-US"/>
           </a:p>
@@ -2631,7 +2637,7 @@
           <a:p>
             <a:fld id="{C7A90A07-83FF-4437-A751-8C4BD7FD35BF}" type="datetimeFigureOut">
               <a:rPr kumimoji="1" lang="ja-JP" altLang="en-US" smtClean="0"/>
-              <a:t>2023/11/6</a:t>
+              <a:t>2023/11/13</a:t>
             </a:fld>
             <a:endParaRPr kumimoji="1" lang="ja-JP" altLang="en-US"/>
           </a:p>
@@ -2919,7 +2925,7 @@
           <a:p>
             <a:fld id="{C7A90A07-83FF-4437-A751-8C4BD7FD35BF}" type="datetimeFigureOut">
               <a:rPr kumimoji="1" lang="ja-JP" altLang="en-US" smtClean="0"/>
-              <a:t>2023/11/6</a:t>
+              <a:t>2023/11/13</a:t>
             </a:fld>
             <a:endParaRPr kumimoji="1" lang="ja-JP" altLang="en-US"/>
           </a:p>
@@ -3192,7 +3198,7 @@
           <a:p>
             <a:fld id="{C7A90A07-83FF-4437-A751-8C4BD7FD35BF}" type="datetimeFigureOut">
               <a:rPr kumimoji="1" lang="ja-JP" altLang="en-US" smtClean="0"/>
-              <a:t>2023/11/6</a:t>
+              <a:t>2023/11/13</a:t>
             </a:fld>
             <a:endParaRPr kumimoji="1" lang="ja-JP" altLang="en-US"/>
           </a:p>
@@ -3966,6 +3972,96 @@
 </p:sld>
 </file>
 
+<file path=ppt/slides/slide2.xml><?xml version="1.0" encoding="utf-8"?>
+<p:sld xmlns:a="http://schemas.openxmlformats.org/drawingml/2006/main" xmlns:r="http://schemas.openxmlformats.org/officeDocument/2006/relationships" xmlns:p="http://schemas.openxmlformats.org/presentationml/2006/main">
+  <p:cSld>
+    <p:spTree>
+      <p:nvGrpSpPr>
+        <p:cNvPr id="1" name=""/>
+        <p:cNvGrpSpPr/>
+        <p:nvPr/>
+      </p:nvGrpSpPr>
+      <p:grpSpPr>
+        <a:xfrm>
+          <a:off x="0" y="0"/>
+          <a:ext cx="0" cy="0"/>
+          <a:chOff x="0" y="0"/>
+          <a:chExt cx="0" cy="0"/>
+        </a:xfrm>
+      </p:grpSpPr>
+      <p:pic>
+        <p:nvPicPr>
+          <p:cNvPr id="3" name="図 2">
+            <a:extLst>
+              <a:ext uri="{FF2B5EF4-FFF2-40B4-BE49-F238E27FC236}">
+                <a16:creationId xmlns:a16="http://schemas.microsoft.com/office/drawing/2014/main" id="{50B3B9D6-D786-8E5C-8958-9845AF969CDA}"/>
+              </a:ext>
+            </a:extLst>
+          </p:cNvPr>
+          <p:cNvPicPr>
+            <a:picLocks noChangeAspect="1"/>
+          </p:cNvPicPr>
+          <p:nvPr/>
+        </p:nvPicPr>
+        <p:blipFill>
+          <a:blip r:embed="rId2"/>
+          <a:stretch>
+            <a:fillRect/>
+          </a:stretch>
+        </p:blipFill>
+        <p:spPr>
+          <a:xfrm>
+            <a:off x="284647" y="698389"/>
+            <a:ext cx="6049219" cy="4829849"/>
+          </a:xfrm>
+          <a:prstGeom prst="rect">
+            <a:avLst/>
+          </a:prstGeom>
+        </p:spPr>
+      </p:pic>
+      <p:pic>
+        <p:nvPicPr>
+          <p:cNvPr id="5" name="図 4">
+            <a:extLst>
+              <a:ext uri="{FF2B5EF4-FFF2-40B4-BE49-F238E27FC236}">
+                <a16:creationId xmlns:a16="http://schemas.microsoft.com/office/drawing/2014/main" id="{0907D165-A57A-DD37-75E9-ACD93C11EB6A}"/>
+              </a:ext>
+            </a:extLst>
+          </p:cNvPr>
+          <p:cNvPicPr>
+            <a:picLocks noChangeAspect="1"/>
+          </p:cNvPicPr>
+          <p:nvPr/>
+        </p:nvPicPr>
+        <p:blipFill>
+          <a:blip r:embed="rId3"/>
+          <a:stretch>
+            <a:fillRect/>
+          </a:stretch>
+        </p:blipFill>
+        <p:spPr>
+          <a:xfrm>
+            <a:off x="653143" y="5611437"/>
+            <a:ext cx="12192000" cy="1096347"/>
+          </a:xfrm>
+          <a:prstGeom prst="rect">
+            <a:avLst/>
+          </a:prstGeom>
+        </p:spPr>
+      </p:pic>
+    </p:spTree>
+    <p:extLst>
+      <p:ext uri="{BB962C8B-B14F-4D97-AF65-F5344CB8AC3E}">
+        <p14:creationId xmlns:p14="http://schemas.microsoft.com/office/powerpoint/2010/main" val="1439820669"/>
+      </p:ext>
+    </p:extLst>
+  </p:cSld>
+  <p:clrMapOvr>
+    <a:masterClrMapping/>
+  </p:clrMapOvr>
+</p:sld>
+</file>
+
 <file path=ppt/theme/theme1.xml><?xml version="1.0" encoding="utf-8"?>
 <a:theme xmlns:a="http://schemas.openxmlformats.org/drawingml/2006/main" name="Office テーマ">
   <a:themeElements>

--- a/Tasks/99_課題/tips-案.pptx
+++ b/Tasks/99_課題/tips-案.pptx
@@ -2,7 +2,7 @@
 <file path=ppt/presentation.xml><?xml version="1.0" encoding="utf-8"?>
 <p:presentation xmlns:a="http://schemas.openxmlformats.org/drawingml/2006/main" xmlns:r="http://schemas.openxmlformats.org/officeDocument/2006/relationships" xmlns:p="http://schemas.openxmlformats.org/presentationml/2006/main" saveSubsetFonts="1">
   <p:sldMasterIdLst>
-    <p:sldMasterId id="2147483648" r:id="rId1"/>
+    <p:sldMasterId id="2147483672" r:id="rId1"/>
   </p:sldMasterIdLst>
   <p:sldIdLst>
     <p:sldId id="260" r:id="rId2"/>
@@ -12,10 +12,10 @@
   <p:notesSz cx="6858000" cy="9144000"/>
   <p:defaultTextStyle>
     <a:defPPr>
-      <a:defRPr lang="ja-JP"/>
+      <a:defRPr lang="en-US"/>
     </a:defPPr>
-    <a:lvl1pPr marL="0" algn="l" defTabSz="914400" rtl="0" eaLnBrk="1" latinLnBrk="0" hangingPunct="1">
-      <a:defRPr kumimoji="1" sz="1800" kern="1200">
+    <a:lvl1pPr marL="0" algn="l" defTabSz="457200" rtl="0" eaLnBrk="1" latinLnBrk="0" hangingPunct="1">
+      <a:defRPr sz="1800" kern="1200">
         <a:solidFill>
           <a:schemeClr val="tx1"/>
         </a:solidFill>
@@ -24,8 +24,8 @@
         <a:cs typeface="+mn-cs"/>
       </a:defRPr>
     </a:lvl1pPr>
-    <a:lvl2pPr marL="457200" algn="l" defTabSz="914400" rtl="0" eaLnBrk="1" latinLnBrk="0" hangingPunct="1">
-      <a:defRPr kumimoji="1" sz="1800" kern="1200">
+    <a:lvl2pPr marL="457200" algn="l" defTabSz="457200" rtl="0" eaLnBrk="1" latinLnBrk="0" hangingPunct="1">
+      <a:defRPr sz="1800" kern="1200">
         <a:solidFill>
           <a:schemeClr val="tx1"/>
         </a:solidFill>
@@ -34,8 +34,8 @@
         <a:cs typeface="+mn-cs"/>
       </a:defRPr>
     </a:lvl2pPr>
-    <a:lvl3pPr marL="914400" algn="l" defTabSz="914400" rtl="0" eaLnBrk="1" latinLnBrk="0" hangingPunct="1">
-      <a:defRPr kumimoji="1" sz="1800" kern="1200">
+    <a:lvl3pPr marL="914400" algn="l" defTabSz="457200" rtl="0" eaLnBrk="1" latinLnBrk="0" hangingPunct="1">
+      <a:defRPr sz="1800" kern="1200">
         <a:solidFill>
           <a:schemeClr val="tx1"/>
         </a:solidFill>
@@ -44,8 +44,8 @@
         <a:cs typeface="+mn-cs"/>
       </a:defRPr>
     </a:lvl3pPr>
-    <a:lvl4pPr marL="1371600" algn="l" defTabSz="914400" rtl="0" eaLnBrk="1" latinLnBrk="0" hangingPunct="1">
-      <a:defRPr kumimoji="1" sz="1800" kern="1200">
+    <a:lvl4pPr marL="1371600" algn="l" defTabSz="457200" rtl="0" eaLnBrk="1" latinLnBrk="0" hangingPunct="1">
+      <a:defRPr sz="1800" kern="1200">
         <a:solidFill>
           <a:schemeClr val="tx1"/>
         </a:solidFill>
@@ -54,8 +54,8 @@
         <a:cs typeface="+mn-cs"/>
       </a:defRPr>
     </a:lvl4pPr>
-    <a:lvl5pPr marL="1828800" algn="l" defTabSz="914400" rtl="0" eaLnBrk="1" latinLnBrk="0" hangingPunct="1">
-      <a:defRPr kumimoji="1" sz="1800" kern="1200">
+    <a:lvl5pPr marL="1828800" algn="l" defTabSz="457200" rtl="0" eaLnBrk="1" latinLnBrk="0" hangingPunct="1">
+      <a:defRPr sz="1800" kern="1200">
         <a:solidFill>
           <a:schemeClr val="tx1"/>
         </a:solidFill>
@@ -64,8 +64,8 @@
         <a:cs typeface="+mn-cs"/>
       </a:defRPr>
     </a:lvl5pPr>
-    <a:lvl6pPr marL="2286000" algn="l" defTabSz="914400" rtl="0" eaLnBrk="1" latinLnBrk="0" hangingPunct="1">
-      <a:defRPr kumimoji="1" sz="1800" kern="1200">
+    <a:lvl6pPr marL="2286000" algn="l" defTabSz="457200" rtl="0" eaLnBrk="1" latinLnBrk="0" hangingPunct="1">
+      <a:defRPr sz="1800" kern="1200">
         <a:solidFill>
           <a:schemeClr val="tx1"/>
         </a:solidFill>
@@ -74,8 +74,8 @@
         <a:cs typeface="+mn-cs"/>
       </a:defRPr>
     </a:lvl6pPr>
-    <a:lvl7pPr marL="2743200" algn="l" defTabSz="914400" rtl="0" eaLnBrk="1" latinLnBrk="0" hangingPunct="1">
-      <a:defRPr kumimoji="1" sz="1800" kern="1200">
+    <a:lvl7pPr marL="2743200" algn="l" defTabSz="457200" rtl="0" eaLnBrk="1" latinLnBrk="0" hangingPunct="1">
+      <a:defRPr sz="1800" kern="1200">
         <a:solidFill>
           <a:schemeClr val="tx1"/>
         </a:solidFill>
@@ -84,8 +84,8 @@
         <a:cs typeface="+mn-cs"/>
       </a:defRPr>
     </a:lvl7pPr>
-    <a:lvl8pPr marL="3200400" algn="l" defTabSz="914400" rtl="0" eaLnBrk="1" latinLnBrk="0" hangingPunct="1">
-      <a:defRPr kumimoji="1" sz="1800" kern="1200">
+    <a:lvl8pPr marL="3200400" algn="l" defTabSz="457200" rtl="0" eaLnBrk="1" latinLnBrk="0" hangingPunct="1">
+      <a:defRPr sz="1800" kern="1200">
         <a:solidFill>
           <a:schemeClr val="tx1"/>
         </a:solidFill>
@@ -94,8 +94,8 @@
         <a:cs typeface="+mn-cs"/>
       </a:defRPr>
     </a:lvl8pPr>
-    <a:lvl9pPr marL="3657600" algn="l" defTabSz="914400" rtl="0" eaLnBrk="1" latinLnBrk="0" hangingPunct="1">
-      <a:defRPr kumimoji="1" sz="1800" kern="1200">
+    <a:lvl9pPr marL="3657600" algn="l" defTabSz="457200" rtl="0" eaLnBrk="1" latinLnBrk="0" hangingPunct="1">
+      <a:defRPr sz="1800" kern="1200">
         <a:solidFill>
           <a:schemeClr val="tx1"/>
         </a:solidFill>
@@ -114,7 +114,7 @@
 </file>
 
 <file path=ppt/slideLayouts/slideLayout1.xml><?xml version="1.0" encoding="utf-8"?>
-<p:sldLayout xmlns:a="http://schemas.openxmlformats.org/drawingml/2006/main" xmlns:r="http://schemas.openxmlformats.org/officeDocument/2006/relationships" xmlns:p="http://schemas.openxmlformats.org/presentationml/2006/main" type="title" preserve="1">
+<p:sldLayout xmlns:a="http://schemas.openxmlformats.org/drawingml/2006/main" xmlns:r="http://schemas.openxmlformats.org/officeDocument/2006/relationships" xmlns:p="http://schemas.openxmlformats.org/presentationml/2006/main" showMasterSp="0" type="title" preserve="1">
   <p:cSld name="タイトル スライド">
     <p:spTree>
       <p:nvGrpSpPr>
@@ -132,13 +132,83 @@
       </p:grpSpPr>
       <p:sp>
         <p:nvSpPr>
-          <p:cNvPr id="2" name="タイトル 1">
-            <a:extLst>
-              <a:ext uri="{FF2B5EF4-FFF2-40B4-BE49-F238E27FC236}">
-                <a16:creationId xmlns:a16="http://schemas.microsoft.com/office/drawing/2014/main" id="{D21F5266-CC6C-04DA-7222-CE3BAFDB14AE}"/>
-              </a:ext>
-            </a:extLst>
-          </p:cNvPr>
+          <p:cNvPr id="7" name="Rectangle 6"/>
+          <p:cNvSpPr/>
+          <p:nvPr/>
+        </p:nvSpPr>
+        <p:spPr>
+          <a:xfrm>
+            <a:off x="3175" y="6400800"/>
+            <a:ext cx="12188825" cy="457200"/>
+          </a:xfrm>
+          <a:prstGeom prst="rect">
+            <a:avLst/>
+          </a:prstGeom>
+          <a:solidFill>
+            <a:schemeClr val="accent2"/>
+          </a:solidFill>
+          <a:ln>
+            <a:noFill/>
+          </a:ln>
+        </p:spPr>
+        <p:style>
+          <a:lnRef idx="2">
+            <a:schemeClr val="accent1">
+              <a:shade val="50000"/>
+            </a:schemeClr>
+          </a:lnRef>
+          <a:fillRef idx="1">
+            <a:schemeClr val="accent1"/>
+          </a:fillRef>
+          <a:effectRef idx="0">
+            <a:schemeClr val="accent1"/>
+          </a:effectRef>
+          <a:fontRef idx="minor">
+            <a:schemeClr val="lt1"/>
+          </a:fontRef>
+        </p:style>
+      </p:sp>
+      <p:sp>
+        <p:nvSpPr>
+          <p:cNvPr id="8" name="Rectangle 7"/>
+          <p:cNvSpPr/>
+          <p:nvPr/>
+        </p:nvSpPr>
+        <p:spPr>
+          <a:xfrm>
+            <a:off x="15" y="6334316"/>
+            <a:ext cx="12188825" cy="64008"/>
+          </a:xfrm>
+          <a:prstGeom prst="rect">
+            <a:avLst/>
+          </a:prstGeom>
+          <a:solidFill>
+            <a:schemeClr val="accent1"/>
+          </a:solidFill>
+          <a:ln>
+            <a:noFill/>
+          </a:ln>
+        </p:spPr>
+        <p:style>
+          <a:lnRef idx="2">
+            <a:schemeClr val="accent1">
+              <a:shade val="50000"/>
+            </a:schemeClr>
+          </a:lnRef>
+          <a:fillRef idx="1">
+            <a:schemeClr val="accent1"/>
+          </a:fillRef>
+          <a:effectRef idx="0">
+            <a:schemeClr val="accent1"/>
+          </a:effectRef>
+          <a:fontRef idx="minor">
+            <a:schemeClr val="lt1"/>
+          </a:fontRef>
+        </p:style>
+      </p:sp>
+      <p:sp>
+        <p:nvSpPr>
+          <p:cNvPr id="2" name="Title 1"/>
           <p:cNvSpPr>
             <a:spLocks noGrp="1"/>
           </p:cNvSpPr>
@@ -148,34 +218,41 @@
         </p:nvSpPr>
         <p:spPr>
           <a:xfrm>
-            <a:off x="1524000" y="1122363"/>
-            <a:ext cx="9144000" cy="2387600"/>
-          </a:xfrm>
-        </p:spPr>
-        <p:txBody>
-          <a:bodyPr anchor="b"/>
+            <a:off x="1097280" y="758952"/>
+            <a:ext cx="10058400" cy="3566160"/>
+          </a:xfrm>
+        </p:spPr>
+        <p:txBody>
+          <a:bodyPr anchor="b">
+            <a:normAutofit/>
+          </a:bodyPr>
           <a:lstStyle>
-            <a:lvl1pPr algn="ctr">
-              <a:defRPr sz="6000"/>
+            <a:lvl1pPr algn="l">
+              <a:lnSpc>
+                <a:spcPct val="85000"/>
+              </a:lnSpc>
+              <a:defRPr sz="8000" spc="-50" baseline="0">
+                <a:solidFill>
+                  <a:schemeClr val="tx1">
+                    <a:lumMod val="85000"/>
+                    <a:lumOff val="15000"/>
+                  </a:schemeClr>
+                </a:solidFill>
+              </a:defRPr>
             </a:lvl1pPr>
           </a:lstStyle>
           <a:p>
             <a:r>
-              <a:rPr kumimoji="1" lang="ja-JP" altLang="en-US"/>
+              <a:rPr lang="ja-JP" altLang="en-US"/>
               <a:t>マスター タイトルの書式設定</a:t>
             </a:r>
-          </a:p>
-        </p:txBody>
-      </p:sp>
-      <p:sp>
-        <p:nvSpPr>
-          <p:cNvPr id="3" name="字幕 2">
-            <a:extLst>
-              <a:ext uri="{FF2B5EF4-FFF2-40B4-BE49-F238E27FC236}">
-                <a16:creationId xmlns:a16="http://schemas.microsoft.com/office/drawing/2014/main" id="{CB5BD14F-D80D-065D-2671-D6749D9F5028}"/>
-              </a:ext>
-            </a:extLst>
-          </p:cNvPr>
+            <a:endParaRPr lang="en-US" dirty="0"/>
+          </a:p>
+        </p:txBody>
+      </p:sp>
+      <p:sp>
+        <p:nvSpPr>
+          <p:cNvPr id="3" name="Subtitle 2"/>
           <p:cNvSpPr>
             <a:spLocks noGrp="1"/>
           </p:cNvSpPr>
@@ -185,67 +262,69 @@
         </p:nvSpPr>
         <p:spPr>
           <a:xfrm>
-            <a:off x="1524000" y="3602038"/>
-            <a:ext cx="9144000" cy="1655762"/>
-          </a:xfrm>
-        </p:spPr>
-        <p:txBody>
-          <a:bodyPr/>
+            <a:off x="1100051" y="4455620"/>
+            <a:ext cx="10058400" cy="1143000"/>
+          </a:xfrm>
+        </p:spPr>
+        <p:txBody>
+          <a:bodyPr lIns="91440" rIns="91440">
+            <a:normAutofit/>
+          </a:bodyPr>
           <a:lstStyle>
-            <a:lvl1pPr marL="0" indent="0" algn="ctr">
-              <a:buNone/>
-              <a:defRPr sz="2400"/>
+            <a:lvl1pPr marL="0" indent="0" algn="l">
+              <a:buNone/>
+              <a:defRPr sz="2400" cap="all" spc="200" baseline="0">
+                <a:solidFill>
+                  <a:schemeClr val="tx2"/>
+                </a:solidFill>
+                <a:latin typeface="+mj-lt"/>
+              </a:defRPr>
             </a:lvl1pPr>
             <a:lvl2pPr marL="457200" indent="0" algn="ctr">
               <a:buNone/>
-              <a:defRPr sz="2000"/>
+              <a:defRPr sz="2400"/>
             </a:lvl2pPr>
             <a:lvl3pPr marL="914400" indent="0" algn="ctr">
               <a:buNone/>
-              <a:defRPr sz="1800"/>
+              <a:defRPr sz="2400"/>
             </a:lvl3pPr>
             <a:lvl4pPr marL="1371600" indent="0" algn="ctr">
               <a:buNone/>
-              <a:defRPr sz="1600"/>
+              <a:defRPr sz="2000"/>
             </a:lvl4pPr>
             <a:lvl5pPr marL="1828800" indent="0" algn="ctr">
               <a:buNone/>
-              <a:defRPr sz="1600"/>
+              <a:defRPr sz="2000"/>
             </a:lvl5pPr>
             <a:lvl6pPr marL="2286000" indent="0" algn="ctr">
               <a:buNone/>
-              <a:defRPr sz="1600"/>
+              <a:defRPr sz="2000"/>
             </a:lvl6pPr>
             <a:lvl7pPr marL="2743200" indent="0" algn="ctr">
               <a:buNone/>
-              <a:defRPr sz="1600"/>
+              <a:defRPr sz="2000"/>
             </a:lvl7pPr>
             <a:lvl8pPr marL="3200400" indent="0" algn="ctr">
               <a:buNone/>
-              <a:defRPr sz="1600"/>
+              <a:defRPr sz="2000"/>
             </a:lvl8pPr>
             <a:lvl9pPr marL="3657600" indent="0" algn="ctr">
               <a:buNone/>
-              <a:defRPr sz="1600"/>
+              <a:defRPr sz="2000"/>
             </a:lvl9pPr>
           </a:lstStyle>
           <a:p>
             <a:r>
-              <a:rPr kumimoji="1" lang="ja-JP" altLang="en-US"/>
+              <a:rPr lang="ja-JP" altLang="en-US"/>
               <a:t>マスター サブタイトルの書式設定</a:t>
             </a:r>
-          </a:p>
-        </p:txBody>
-      </p:sp>
-      <p:sp>
-        <p:nvSpPr>
-          <p:cNvPr id="4" name="日付プレースホルダー 3">
-            <a:extLst>
-              <a:ext uri="{FF2B5EF4-FFF2-40B4-BE49-F238E27FC236}">
-                <a16:creationId xmlns:a16="http://schemas.microsoft.com/office/drawing/2014/main" id="{F0086265-D5F4-633A-76D9-B54BF7597E5F}"/>
-              </a:ext>
-            </a:extLst>
-          </p:cNvPr>
+            <a:endParaRPr lang="en-US" dirty="0"/>
+          </a:p>
+        </p:txBody>
+      </p:sp>
+      <p:sp>
+        <p:nvSpPr>
+          <p:cNvPr id="4" name="Date Placeholder 3"/>
           <p:cNvSpPr>
             <a:spLocks noGrp="1"/>
           </p:cNvSpPr>
@@ -260,7 +339,7 @@
           <a:p>
             <a:fld id="{C7A90A07-83FF-4437-A751-8C4BD7FD35BF}" type="datetimeFigureOut">
               <a:rPr kumimoji="1" lang="ja-JP" altLang="en-US" smtClean="0"/>
-              <a:t>2023/11/13</a:t>
+              <a:t>2023/11/20</a:t>
             </a:fld>
             <a:endParaRPr kumimoji="1" lang="ja-JP" altLang="en-US"/>
           </a:p>
@@ -268,13 +347,7 @@
       </p:sp>
       <p:sp>
         <p:nvSpPr>
-          <p:cNvPr id="5" name="フッター プレースホルダー 4">
-            <a:extLst>
-              <a:ext uri="{FF2B5EF4-FFF2-40B4-BE49-F238E27FC236}">
-                <a16:creationId xmlns:a16="http://schemas.microsoft.com/office/drawing/2014/main" id="{9366B67B-1D2F-6591-B98B-16CB885C317E}"/>
-              </a:ext>
-            </a:extLst>
-          </p:cNvPr>
+          <p:cNvPr id="5" name="Footer Placeholder 4"/>
           <p:cNvSpPr>
             <a:spLocks noGrp="1"/>
           </p:cNvSpPr>
@@ -293,13 +366,7 @@
       </p:sp>
       <p:sp>
         <p:nvSpPr>
-          <p:cNvPr id="6" name="スライド番号プレースホルダー 5">
-            <a:extLst>
-              <a:ext uri="{FF2B5EF4-FFF2-40B4-BE49-F238E27FC236}">
-                <a16:creationId xmlns:a16="http://schemas.microsoft.com/office/drawing/2014/main" id="{A8BC46BA-C685-806D-0ACB-F1DB133E9059}"/>
-              </a:ext>
-            </a:extLst>
-          </p:cNvPr>
+          <p:cNvPr id="6" name="Slide Number Placeholder 5"/>
           <p:cNvSpPr>
             <a:spLocks noGrp="1"/>
           </p:cNvSpPr>
@@ -320,10 +387,48 @@
           </a:p>
         </p:txBody>
       </p:sp>
+      <p:cxnSp>
+        <p:nvCxnSpPr>
+          <p:cNvPr id="9" name="Straight Connector 8"/>
+          <p:cNvCxnSpPr/>
+          <p:nvPr/>
+        </p:nvCxnSpPr>
+        <p:spPr>
+          <a:xfrm>
+            <a:off x="1207658" y="4343400"/>
+            <a:ext cx="9875520" cy="0"/>
+          </a:xfrm>
+          <a:prstGeom prst="line">
+            <a:avLst/>
+          </a:prstGeom>
+          <a:ln w="6350">
+            <a:solidFill>
+              <a:schemeClr val="tx1">
+                <a:lumMod val="50000"/>
+                <a:lumOff val="50000"/>
+              </a:schemeClr>
+            </a:solidFill>
+          </a:ln>
+        </p:spPr>
+        <p:style>
+          <a:lnRef idx="1">
+            <a:schemeClr val="accent1"/>
+          </a:lnRef>
+          <a:fillRef idx="0">
+            <a:schemeClr val="accent1"/>
+          </a:fillRef>
+          <a:effectRef idx="0">
+            <a:schemeClr val="accent1"/>
+          </a:effectRef>
+          <a:fontRef idx="minor">
+            <a:schemeClr val="tx1"/>
+          </a:fontRef>
+        </p:style>
+      </p:cxnSp>
     </p:spTree>
     <p:extLst>
       <p:ext uri="{BB962C8B-B14F-4D97-AF65-F5344CB8AC3E}">
-        <p14:creationId xmlns:p14="http://schemas.microsoft.com/office/powerpoint/2010/main" val="1927985611"/>
+        <p14:creationId xmlns:p14="http://schemas.microsoft.com/office/powerpoint/2010/main" val="2098970452"/>
       </p:ext>
     </p:extLst>
   </p:cSld>
@@ -352,13 +457,7 @@
       </p:grpSpPr>
       <p:sp>
         <p:nvSpPr>
-          <p:cNvPr id="2" name="タイトル 1">
-            <a:extLst>
-              <a:ext uri="{FF2B5EF4-FFF2-40B4-BE49-F238E27FC236}">
-                <a16:creationId xmlns:a16="http://schemas.microsoft.com/office/drawing/2014/main" id="{ABA2794D-EB22-ED63-8C8E-A5C9C1284A76}"/>
-              </a:ext>
-            </a:extLst>
-          </p:cNvPr>
+          <p:cNvPr id="2" name="Title 1"/>
           <p:cNvSpPr>
             <a:spLocks noGrp="1"/>
           </p:cNvSpPr>
@@ -372,21 +471,16 @@
           <a:lstStyle/>
           <a:p>
             <a:r>
-              <a:rPr kumimoji="1" lang="ja-JP" altLang="en-US"/>
+              <a:rPr lang="ja-JP" altLang="en-US"/>
               <a:t>マスター タイトルの書式設定</a:t>
             </a:r>
-          </a:p>
-        </p:txBody>
-      </p:sp>
-      <p:sp>
-        <p:nvSpPr>
-          <p:cNvPr id="3" name="縦書きテキスト プレースホルダー 2">
-            <a:extLst>
-              <a:ext uri="{FF2B5EF4-FFF2-40B4-BE49-F238E27FC236}">
-                <a16:creationId xmlns:a16="http://schemas.microsoft.com/office/drawing/2014/main" id="{867A914B-170E-4AB8-2381-0A3FF4342763}"/>
-              </a:ext>
-            </a:extLst>
-          </p:cNvPr>
+            <a:endParaRPr lang="en-US" dirty="0"/>
+          </a:p>
+        </p:txBody>
+      </p:sp>
+      <p:sp>
+        <p:nvSpPr>
+          <p:cNvPr id="3" name="Vertical Text Placeholder 2"/>
           <p:cNvSpPr>
             <a:spLocks noGrp="1"/>
           </p:cNvSpPr>
@@ -396,86 +490,81 @@
         </p:nvSpPr>
         <p:spPr/>
         <p:txBody>
-          <a:bodyPr vert="eaVert"/>
+          <a:bodyPr vert="eaVert" lIns="45720" tIns="0" rIns="45720" bIns="0"/>
           <a:lstStyle/>
           <a:p>
             <a:pPr lvl="0"/>
             <a:r>
-              <a:rPr kumimoji="1" lang="ja-JP" altLang="en-US"/>
+              <a:rPr lang="ja-JP" altLang="en-US"/>
               <a:t>マスター テキストの書式設定</a:t>
             </a:r>
           </a:p>
           <a:p>
             <a:pPr lvl="1"/>
             <a:r>
-              <a:rPr kumimoji="1" lang="ja-JP" altLang="en-US"/>
+              <a:rPr lang="ja-JP" altLang="en-US"/>
               <a:t>第 </a:t>
             </a:r>
             <a:r>
-              <a:rPr kumimoji="1" lang="en-US" altLang="ja-JP"/>
+              <a:rPr lang="en-US" altLang="ja-JP"/>
               <a:t>2 </a:t>
             </a:r>
             <a:r>
-              <a:rPr kumimoji="1" lang="ja-JP" altLang="en-US"/>
+              <a:rPr lang="ja-JP" altLang="en-US"/>
               <a:t>レベル</a:t>
             </a:r>
           </a:p>
           <a:p>
             <a:pPr lvl="2"/>
             <a:r>
-              <a:rPr kumimoji="1" lang="ja-JP" altLang="en-US"/>
+              <a:rPr lang="ja-JP" altLang="en-US"/>
               <a:t>第 </a:t>
             </a:r>
             <a:r>
-              <a:rPr kumimoji="1" lang="en-US" altLang="ja-JP"/>
+              <a:rPr lang="en-US" altLang="ja-JP"/>
               <a:t>3 </a:t>
             </a:r>
             <a:r>
-              <a:rPr kumimoji="1" lang="ja-JP" altLang="en-US"/>
+              <a:rPr lang="ja-JP" altLang="en-US"/>
               <a:t>レベル</a:t>
             </a:r>
           </a:p>
           <a:p>
             <a:pPr lvl="3"/>
             <a:r>
-              <a:rPr kumimoji="1" lang="ja-JP" altLang="en-US"/>
+              <a:rPr lang="ja-JP" altLang="en-US"/>
               <a:t>第 </a:t>
             </a:r>
             <a:r>
-              <a:rPr kumimoji="1" lang="en-US" altLang="ja-JP"/>
+              <a:rPr lang="en-US" altLang="ja-JP"/>
               <a:t>4 </a:t>
             </a:r>
             <a:r>
-              <a:rPr kumimoji="1" lang="ja-JP" altLang="en-US"/>
+              <a:rPr lang="ja-JP" altLang="en-US"/>
               <a:t>レベル</a:t>
             </a:r>
           </a:p>
           <a:p>
             <a:pPr lvl="4"/>
             <a:r>
-              <a:rPr kumimoji="1" lang="ja-JP" altLang="en-US"/>
+              <a:rPr lang="ja-JP" altLang="en-US"/>
               <a:t>第 </a:t>
             </a:r>
             <a:r>
-              <a:rPr kumimoji="1" lang="en-US" altLang="ja-JP"/>
+              <a:rPr lang="en-US" altLang="ja-JP"/>
               <a:t>5 </a:t>
             </a:r>
             <a:r>
-              <a:rPr kumimoji="1" lang="ja-JP" altLang="en-US"/>
+              <a:rPr lang="ja-JP" altLang="en-US"/>
               <a:t>レベル</a:t>
             </a:r>
-          </a:p>
-        </p:txBody>
-      </p:sp>
-      <p:sp>
-        <p:nvSpPr>
-          <p:cNvPr id="4" name="日付プレースホルダー 3">
-            <a:extLst>
-              <a:ext uri="{FF2B5EF4-FFF2-40B4-BE49-F238E27FC236}">
-                <a16:creationId xmlns:a16="http://schemas.microsoft.com/office/drawing/2014/main" id="{132B4F96-D682-AF8E-82F4-15F20F1AD091}"/>
-              </a:ext>
-            </a:extLst>
-          </p:cNvPr>
+            <a:endParaRPr lang="en-US" dirty="0"/>
+          </a:p>
+        </p:txBody>
+      </p:sp>
+      <p:sp>
+        <p:nvSpPr>
+          <p:cNvPr id="4" name="Date Placeholder 3"/>
           <p:cNvSpPr>
             <a:spLocks noGrp="1"/>
           </p:cNvSpPr>
@@ -490,7 +579,7 @@
           <a:p>
             <a:fld id="{C7A90A07-83FF-4437-A751-8C4BD7FD35BF}" type="datetimeFigureOut">
               <a:rPr kumimoji="1" lang="ja-JP" altLang="en-US" smtClean="0"/>
-              <a:t>2023/11/13</a:t>
+              <a:t>2023/11/20</a:t>
             </a:fld>
             <a:endParaRPr kumimoji="1" lang="ja-JP" altLang="en-US"/>
           </a:p>
@@ -498,13 +587,7 @@
       </p:sp>
       <p:sp>
         <p:nvSpPr>
-          <p:cNvPr id="5" name="フッター プレースホルダー 4">
-            <a:extLst>
-              <a:ext uri="{FF2B5EF4-FFF2-40B4-BE49-F238E27FC236}">
-                <a16:creationId xmlns:a16="http://schemas.microsoft.com/office/drawing/2014/main" id="{509C6483-CE59-3160-7C6F-D199A64056CC}"/>
-              </a:ext>
-            </a:extLst>
-          </p:cNvPr>
+          <p:cNvPr id="5" name="Footer Placeholder 4"/>
           <p:cNvSpPr>
             <a:spLocks noGrp="1"/>
           </p:cNvSpPr>
@@ -523,13 +606,7 @@
       </p:sp>
       <p:sp>
         <p:nvSpPr>
-          <p:cNvPr id="6" name="スライド番号プレースホルダー 5">
-            <a:extLst>
-              <a:ext uri="{FF2B5EF4-FFF2-40B4-BE49-F238E27FC236}">
-                <a16:creationId xmlns:a16="http://schemas.microsoft.com/office/drawing/2014/main" id="{02C76E42-3EDD-55A0-6C02-62BD7B1DAC04}"/>
-              </a:ext>
-            </a:extLst>
-          </p:cNvPr>
+          <p:cNvPr id="6" name="Slide Number Placeholder 5"/>
           <p:cNvSpPr>
             <a:spLocks noGrp="1"/>
           </p:cNvSpPr>
@@ -553,7 +630,7 @@
     </p:spTree>
     <p:extLst>
       <p:ext uri="{BB962C8B-B14F-4D97-AF65-F5344CB8AC3E}">
-        <p14:creationId xmlns:p14="http://schemas.microsoft.com/office/powerpoint/2010/main" val="3292102409"/>
+        <p14:creationId xmlns:p14="http://schemas.microsoft.com/office/powerpoint/2010/main" val="2478296869"/>
       </p:ext>
     </p:extLst>
   </p:cSld>
@@ -564,7 +641,7 @@
 </file>
 
 <file path=ppt/slideLayouts/slideLayout11.xml><?xml version="1.0" encoding="utf-8"?>
-<p:sldLayout xmlns:a="http://schemas.openxmlformats.org/drawingml/2006/main" xmlns:r="http://schemas.openxmlformats.org/officeDocument/2006/relationships" xmlns:p="http://schemas.openxmlformats.org/presentationml/2006/main" type="vertTitleAndTx" preserve="1">
+<p:sldLayout xmlns:a="http://schemas.openxmlformats.org/drawingml/2006/main" xmlns:r="http://schemas.openxmlformats.org/officeDocument/2006/relationships" xmlns:p="http://schemas.openxmlformats.org/presentationml/2006/main" showMasterSp="0" type="vertTitleAndTx" preserve="1">
   <p:cSld name="縦書きタイトルと&#10;縦書きテキスト">
     <p:spTree>
       <p:nvGrpSpPr>
@@ -582,13 +659,83 @@
       </p:grpSpPr>
       <p:sp>
         <p:nvSpPr>
-          <p:cNvPr id="2" name="縦書きタイトル 1">
-            <a:extLst>
-              <a:ext uri="{FF2B5EF4-FFF2-40B4-BE49-F238E27FC236}">
-                <a16:creationId xmlns:a16="http://schemas.microsoft.com/office/drawing/2014/main" id="{ADD3FADC-9E2D-3DD3-E688-29BAC9D29E2E}"/>
-              </a:ext>
-            </a:extLst>
-          </p:cNvPr>
+          <p:cNvPr id="7" name="Rectangle 6"/>
+          <p:cNvSpPr/>
+          <p:nvPr/>
+        </p:nvSpPr>
+        <p:spPr>
+          <a:xfrm>
+            <a:off x="3175" y="6400800"/>
+            <a:ext cx="12188825" cy="457200"/>
+          </a:xfrm>
+          <a:prstGeom prst="rect">
+            <a:avLst/>
+          </a:prstGeom>
+          <a:solidFill>
+            <a:schemeClr val="accent2"/>
+          </a:solidFill>
+          <a:ln>
+            <a:noFill/>
+          </a:ln>
+        </p:spPr>
+        <p:style>
+          <a:lnRef idx="2">
+            <a:schemeClr val="accent1">
+              <a:shade val="50000"/>
+            </a:schemeClr>
+          </a:lnRef>
+          <a:fillRef idx="1">
+            <a:schemeClr val="accent1"/>
+          </a:fillRef>
+          <a:effectRef idx="0">
+            <a:schemeClr val="accent1"/>
+          </a:effectRef>
+          <a:fontRef idx="minor">
+            <a:schemeClr val="lt1"/>
+          </a:fontRef>
+        </p:style>
+      </p:sp>
+      <p:sp>
+        <p:nvSpPr>
+          <p:cNvPr id="8" name="Rectangle 7"/>
+          <p:cNvSpPr/>
+          <p:nvPr/>
+        </p:nvSpPr>
+        <p:spPr>
+          <a:xfrm>
+            <a:off x="15" y="6334316"/>
+            <a:ext cx="12188825" cy="64008"/>
+          </a:xfrm>
+          <a:prstGeom prst="rect">
+            <a:avLst/>
+          </a:prstGeom>
+          <a:solidFill>
+            <a:schemeClr val="accent1"/>
+          </a:solidFill>
+          <a:ln>
+            <a:noFill/>
+          </a:ln>
+        </p:spPr>
+        <p:style>
+          <a:lnRef idx="2">
+            <a:schemeClr val="accent1">
+              <a:shade val="50000"/>
+            </a:schemeClr>
+          </a:lnRef>
+          <a:fillRef idx="1">
+            <a:schemeClr val="accent1"/>
+          </a:fillRef>
+          <a:effectRef idx="0">
+            <a:schemeClr val="accent1"/>
+          </a:effectRef>
+          <a:fontRef idx="minor">
+            <a:schemeClr val="lt1"/>
+          </a:fontRef>
+        </p:style>
+      </p:sp>
+      <p:sp>
+        <p:nvSpPr>
+          <p:cNvPr id="2" name="Vertical Title 1"/>
           <p:cNvSpPr>
             <a:spLocks noGrp="1"/>
           </p:cNvSpPr>
@@ -598,8 +745,8 @@
         </p:nvSpPr>
         <p:spPr>
           <a:xfrm>
-            <a:off x="8724900" y="365125"/>
-            <a:ext cx="2628900" cy="5811838"/>
+            <a:off x="8724900" y="414778"/>
+            <a:ext cx="2628900" cy="5757421"/>
           </a:xfrm>
         </p:spPr>
         <p:txBody>
@@ -607,21 +754,16 @@
           <a:lstStyle/>
           <a:p>
             <a:r>
-              <a:rPr kumimoji="1" lang="ja-JP" altLang="en-US"/>
+              <a:rPr lang="ja-JP" altLang="en-US"/>
               <a:t>マスター タイトルの書式設定</a:t>
             </a:r>
-          </a:p>
-        </p:txBody>
-      </p:sp>
-      <p:sp>
-        <p:nvSpPr>
-          <p:cNvPr id="3" name="縦書きテキスト プレースホルダー 2">
-            <a:extLst>
-              <a:ext uri="{FF2B5EF4-FFF2-40B4-BE49-F238E27FC236}">
-                <a16:creationId xmlns:a16="http://schemas.microsoft.com/office/drawing/2014/main" id="{207FB383-D2E1-35EE-7C3C-1BBF86DF5739}"/>
-              </a:ext>
-            </a:extLst>
-          </p:cNvPr>
+            <a:endParaRPr lang="en-US" dirty="0"/>
+          </a:p>
+        </p:txBody>
+      </p:sp>
+      <p:sp>
+        <p:nvSpPr>
+          <p:cNvPr id="3" name="Vertical Text Placeholder 2"/>
           <p:cNvSpPr>
             <a:spLocks noGrp="1"/>
           </p:cNvSpPr>
@@ -631,91 +773,86 @@
         </p:nvSpPr>
         <p:spPr>
           <a:xfrm>
-            <a:off x="838200" y="365125"/>
-            <a:ext cx="7734300" cy="5811838"/>
-          </a:xfrm>
-        </p:spPr>
-        <p:txBody>
-          <a:bodyPr vert="eaVert"/>
+            <a:off x="838200" y="414778"/>
+            <a:ext cx="7734300" cy="5757422"/>
+          </a:xfrm>
+        </p:spPr>
+        <p:txBody>
+          <a:bodyPr vert="eaVert" lIns="45720" tIns="0" rIns="45720" bIns="0"/>
           <a:lstStyle/>
           <a:p>
             <a:pPr lvl="0"/>
             <a:r>
-              <a:rPr kumimoji="1" lang="ja-JP" altLang="en-US"/>
+              <a:rPr lang="ja-JP" altLang="en-US"/>
               <a:t>マスター テキストの書式設定</a:t>
             </a:r>
           </a:p>
           <a:p>
             <a:pPr lvl="1"/>
             <a:r>
-              <a:rPr kumimoji="1" lang="ja-JP" altLang="en-US"/>
+              <a:rPr lang="ja-JP" altLang="en-US"/>
               <a:t>第 </a:t>
             </a:r>
             <a:r>
-              <a:rPr kumimoji="1" lang="en-US" altLang="ja-JP"/>
+              <a:rPr lang="en-US" altLang="ja-JP"/>
               <a:t>2 </a:t>
             </a:r>
             <a:r>
-              <a:rPr kumimoji="1" lang="ja-JP" altLang="en-US"/>
+              <a:rPr lang="ja-JP" altLang="en-US"/>
               <a:t>レベル</a:t>
             </a:r>
           </a:p>
           <a:p>
             <a:pPr lvl="2"/>
             <a:r>
-              <a:rPr kumimoji="1" lang="ja-JP" altLang="en-US"/>
+              <a:rPr lang="ja-JP" altLang="en-US"/>
               <a:t>第 </a:t>
             </a:r>
             <a:r>
-              <a:rPr kumimoji="1" lang="en-US" altLang="ja-JP"/>
+              <a:rPr lang="en-US" altLang="ja-JP"/>
               <a:t>3 </a:t>
             </a:r>
             <a:r>
-              <a:rPr kumimoji="1" lang="ja-JP" altLang="en-US"/>
+              <a:rPr lang="ja-JP" altLang="en-US"/>
               <a:t>レベル</a:t>
             </a:r>
           </a:p>
           <a:p>
             <a:pPr lvl="3"/>
             <a:r>
-              <a:rPr kumimoji="1" lang="ja-JP" altLang="en-US"/>
+              <a:rPr lang="ja-JP" altLang="en-US"/>
               <a:t>第 </a:t>
             </a:r>
             <a:r>
-              <a:rPr kumimoji="1" lang="en-US" altLang="ja-JP"/>
+              <a:rPr lang="en-US" altLang="ja-JP"/>
               <a:t>4 </a:t>
             </a:r>
             <a:r>
-              <a:rPr kumimoji="1" lang="ja-JP" altLang="en-US"/>
+              <a:rPr lang="ja-JP" altLang="en-US"/>
               <a:t>レベル</a:t>
             </a:r>
           </a:p>
           <a:p>
             <a:pPr lvl="4"/>
             <a:r>
-              <a:rPr kumimoji="1" lang="ja-JP" altLang="en-US"/>
+              <a:rPr lang="ja-JP" altLang="en-US"/>
               <a:t>第 </a:t>
             </a:r>
             <a:r>
-              <a:rPr kumimoji="1" lang="en-US" altLang="ja-JP"/>
+              <a:rPr lang="en-US" altLang="ja-JP"/>
               <a:t>5 </a:t>
             </a:r>
             <a:r>
-              <a:rPr kumimoji="1" lang="ja-JP" altLang="en-US"/>
+              <a:rPr lang="ja-JP" altLang="en-US"/>
               <a:t>レベル</a:t>
             </a:r>
-          </a:p>
-        </p:txBody>
-      </p:sp>
-      <p:sp>
-        <p:nvSpPr>
-          <p:cNvPr id="4" name="日付プレースホルダー 3">
-            <a:extLst>
-              <a:ext uri="{FF2B5EF4-FFF2-40B4-BE49-F238E27FC236}">
-                <a16:creationId xmlns:a16="http://schemas.microsoft.com/office/drawing/2014/main" id="{46E73DF9-0C21-6DDD-2685-106707DBF83A}"/>
-              </a:ext>
-            </a:extLst>
-          </p:cNvPr>
+            <a:endParaRPr lang="en-US" dirty="0"/>
+          </a:p>
+        </p:txBody>
+      </p:sp>
+      <p:sp>
+        <p:nvSpPr>
+          <p:cNvPr id="4" name="Date Placeholder 3"/>
           <p:cNvSpPr>
             <a:spLocks noGrp="1"/>
           </p:cNvSpPr>
@@ -730,7 +867,7 @@
           <a:p>
             <a:fld id="{C7A90A07-83FF-4437-A751-8C4BD7FD35BF}" type="datetimeFigureOut">
               <a:rPr kumimoji="1" lang="ja-JP" altLang="en-US" smtClean="0"/>
-              <a:t>2023/11/13</a:t>
+              <a:t>2023/11/20</a:t>
             </a:fld>
             <a:endParaRPr kumimoji="1" lang="ja-JP" altLang="en-US"/>
           </a:p>
@@ -738,13 +875,7 @@
       </p:sp>
       <p:sp>
         <p:nvSpPr>
-          <p:cNvPr id="5" name="フッター プレースホルダー 4">
-            <a:extLst>
-              <a:ext uri="{FF2B5EF4-FFF2-40B4-BE49-F238E27FC236}">
-                <a16:creationId xmlns:a16="http://schemas.microsoft.com/office/drawing/2014/main" id="{BC1A094B-3D71-D14A-5EFD-8BE4FD7CCFDD}"/>
-              </a:ext>
-            </a:extLst>
-          </p:cNvPr>
+          <p:cNvPr id="5" name="Footer Placeholder 4"/>
           <p:cNvSpPr>
             <a:spLocks noGrp="1"/>
           </p:cNvSpPr>
@@ -763,13 +894,7 @@
       </p:sp>
       <p:sp>
         <p:nvSpPr>
-          <p:cNvPr id="6" name="スライド番号プレースホルダー 5">
-            <a:extLst>
-              <a:ext uri="{FF2B5EF4-FFF2-40B4-BE49-F238E27FC236}">
-                <a16:creationId xmlns:a16="http://schemas.microsoft.com/office/drawing/2014/main" id="{66E66067-23EF-9AFC-6BF0-C8880D51BD3F}"/>
-              </a:ext>
-            </a:extLst>
-          </p:cNvPr>
+          <p:cNvPr id="6" name="Slide Number Placeholder 5"/>
           <p:cNvSpPr>
             <a:spLocks noGrp="1"/>
           </p:cNvSpPr>
@@ -793,7 +918,7 @@
     </p:spTree>
     <p:extLst>
       <p:ext uri="{BB962C8B-B14F-4D97-AF65-F5344CB8AC3E}">
-        <p14:creationId xmlns:p14="http://schemas.microsoft.com/office/powerpoint/2010/main" val="451771123"/>
+        <p14:creationId xmlns:p14="http://schemas.microsoft.com/office/powerpoint/2010/main" val="1614343413"/>
       </p:ext>
     </p:extLst>
   </p:cSld>
@@ -822,18 +947,39 @@
       </p:grpSpPr>
       <p:sp>
         <p:nvSpPr>
-          <p:cNvPr id="2" name="タイトル 1">
-            <a:extLst>
-              <a:ext uri="{FF2B5EF4-FFF2-40B4-BE49-F238E27FC236}">
-                <a16:creationId xmlns:a16="http://schemas.microsoft.com/office/drawing/2014/main" id="{36CFB5FD-5FF0-F88B-A819-6F07825D4ABF}"/>
-              </a:ext>
-            </a:extLst>
-          </p:cNvPr>
+          <p:cNvPr id="2" name="Title 1"/>
           <p:cNvSpPr>
             <a:spLocks noGrp="1"/>
           </p:cNvSpPr>
           <p:nvPr>
             <p:ph type="title"/>
+          </p:nvPr>
+        </p:nvSpPr>
+        <p:spPr/>
+        <p:txBody>
+          <a:bodyPr/>
+          <a:lstStyle>
+            <a:lvl1pPr marL="0">
+              <a:defRPr/>
+            </a:lvl1pPr>
+          </a:lstStyle>
+          <a:p>
+            <a:r>
+              <a:rPr lang="ja-JP" altLang="en-US"/>
+              <a:t>マスター タイトルの書式設定</a:t>
+            </a:r>
+            <a:endParaRPr lang="en-US" dirty="0"/>
+          </a:p>
+        </p:txBody>
+      </p:sp>
+      <p:sp>
+        <p:nvSpPr>
+          <p:cNvPr id="3" name="Content Placeholder 2"/>
+          <p:cNvSpPr>
+            <a:spLocks noGrp="1"/>
+          </p:cNvSpPr>
+          <p:nvPr>
+            <p:ph idx="1"/>
           </p:nvPr>
         </p:nvSpPr>
         <p:spPr/>
@@ -841,27 +987,83 @@
           <a:bodyPr/>
           <a:lstStyle/>
           <a:p>
-            <a:r>
-              <a:rPr kumimoji="1" lang="ja-JP" altLang="en-US"/>
-              <a:t>マスター タイトルの書式設定</a:t>
-            </a:r>
-          </a:p>
-        </p:txBody>
-      </p:sp>
-      <p:sp>
-        <p:nvSpPr>
-          <p:cNvPr id="3" name="コンテンツ プレースホルダー 2">
-            <a:extLst>
-              <a:ext uri="{FF2B5EF4-FFF2-40B4-BE49-F238E27FC236}">
-                <a16:creationId xmlns:a16="http://schemas.microsoft.com/office/drawing/2014/main" id="{06CE7048-C3D9-2E85-B530-3E366DD60D07}"/>
-              </a:ext>
-            </a:extLst>
-          </p:cNvPr>
-          <p:cNvSpPr>
-            <a:spLocks noGrp="1"/>
-          </p:cNvSpPr>
-          <p:nvPr>
-            <p:ph idx="1"/>
+            <a:pPr lvl="0"/>
+            <a:r>
+              <a:rPr lang="ja-JP" altLang="en-US"/>
+              <a:t>マスター テキストの書式設定</a:t>
+            </a:r>
+          </a:p>
+          <a:p>
+            <a:pPr lvl="1"/>
+            <a:r>
+              <a:rPr lang="ja-JP" altLang="en-US"/>
+              <a:t>第 </a:t>
+            </a:r>
+            <a:r>
+              <a:rPr lang="en-US" altLang="ja-JP"/>
+              <a:t>2 </a:t>
+            </a:r>
+            <a:r>
+              <a:rPr lang="ja-JP" altLang="en-US"/>
+              <a:t>レベル</a:t>
+            </a:r>
+          </a:p>
+          <a:p>
+            <a:pPr lvl="2"/>
+            <a:r>
+              <a:rPr lang="ja-JP" altLang="en-US"/>
+              <a:t>第 </a:t>
+            </a:r>
+            <a:r>
+              <a:rPr lang="en-US" altLang="ja-JP"/>
+              <a:t>3 </a:t>
+            </a:r>
+            <a:r>
+              <a:rPr lang="ja-JP" altLang="en-US"/>
+              <a:t>レベル</a:t>
+            </a:r>
+          </a:p>
+          <a:p>
+            <a:pPr lvl="3"/>
+            <a:r>
+              <a:rPr lang="ja-JP" altLang="en-US"/>
+              <a:t>第 </a:t>
+            </a:r>
+            <a:r>
+              <a:rPr lang="en-US" altLang="ja-JP"/>
+              <a:t>4 </a:t>
+            </a:r>
+            <a:r>
+              <a:rPr lang="ja-JP" altLang="en-US"/>
+              <a:t>レベル</a:t>
+            </a:r>
+          </a:p>
+          <a:p>
+            <a:pPr lvl="4"/>
+            <a:r>
+              <a:rPr lang="ja-JP" altLang="en-US"/>
+              <a:t>第 </a:t>
+            </a:r>
+            <a:r>
+              <a:rPr lang="en-US" altLang="ja-JP"/>
+              <a:t>5 </a:t>
+            </a:r>
+            <a:r>
+              <a:rPr lang="ja-JP" altLang="en-US"/>
+              <a:t>レベル</a:t>
+            </a:r>
+            <a:endParaRPr lang="en-US" dirty="0"/>
+          </a:p>
+        </p:txBody>
+      </p:sp>
+      <p:sp>
+        <p:nvSpPr>
+          <p:cNvPr id="4" name="Date Placeholder 3"/>
+          <p:cNvSpPr>
+            <a:spLocks noGrp="1"/>
+          </p:cNvSpPr>
+          <p:nvPr>
+            <p:ph type="dt" sz="half" idx="10"/>
           </p:nvPr>
         </p:nvSpPr>
         <p:spPr/>
@@ -869,88 +1071,22 @@
           <a:bodyPr/>
           <a:lstStyle/>
           <a:p>
-            <a:pPr lvl="0"/>
-            <a:r>
-              <a:rPr kumimoji="1" lang="ja-JP" altLang="en-US"/>
-              <a:t>マスター テキストの書式設定</a:t>
-            </a:r>
-          </a:p>
-          <a:p>
-            <a:pPr lvl="1"/>
-            <a:r>
-              <a:rPr kumimoji="1" lang="ja-JP" altLang="en-US"/>
-              <a:t>第 </a:t>
-            </a:r>
-            <a:r>
-              <a:rPr kumimoji="1" lang="en-US" altLang="ja-JP"/>
-              <a:t>2 </a:t>
-            </a:r>
-            <a:r>
-              <a:rPr kumimoji="1" lang="ja-JP" altLang="en-US"/>
-              <a:t>レベル</a:t>
-            </a:r>
-          </a:p>
-          <a:p>
-            <a:pPr lvl="2"/>
-            <a:r>
-              <a:rPr kumimoji="1" lang="ja-JP" altLang="en-US"/>
-              <a:t>第 </a:t>
-            </a:r>
-            <a:r>
-              <a:rPr kumimoji="1" lang="en-US" altLang="ja-JP"/>
-              <a:t>3 </a:t>
-            </a:r>
-            <a:r>
-              <a:rPr kumimoji="1" lang="ja-JP" altLang="en-US"/>
-              <a:t>レベル</a:t>
-            </a:r>
-          </a:p>
-          <a:p>
-            <a:pPr lvl="3"/>
-            <a:r>
-              <a:rPr kumimoji="1" lang="ja-JP" altLang="en-US"/>
-              <a:t>第 </a:t>
-            </a:r>
-            <a:r>
-              <a:rPr kumimoji="1" lang="en-US" altLang="ja-JP"/>
-              <a:t>4 </a:t>
-            </a:r>
-            <a:r>
-              <a:rPr kumimoji="1" lang="ja-JP" altLang="en-US"/>
-              <a:t>レベル</a:t>
-            </a:r>
-          </a:p>
-          <a:p>
-            <a:pPr lvl="4"/>
-            <a:r>
-              <a:rPr kumimoji="1" lang="ja-JP" altLang="en-US"/>
-              <a:t>第 </a:t>
-            </a:r>
-            <a:r>
-              <a:rPr kumimoji="1" lang="en-US" altLang="ja-JP"/>
-              <a:t>5 </a:t>
-            </a:r>
-            <a:r>
-              <a:rPr kumimoji="1" lang="ja-JP" altLang="en-US"/>
-              <a:t>レベル</a:t>
-            </a:r>
-          </a:p>
-        </p:txBody>
-      </p:sp>
-      <p:sp>
-        <p:nvSpPr>
-          <p:cNvPr id="4" name="日付プレースホルダー 3">
-            <a:extLst>
-              <a:ext uri="{FF2B5EF4-FFF2-40B4-BE49-F238E27FC236}">
-                <a16:creationId xmlns:a16="http://schemas.microsoft.com/office/drawing/2014/main" id="{7C3FAF59-712A-0A74-EC54-0FA5809C6460}"/>
-              </a:ext>
-            </a:extLst>
-          </p:cNvPr>
-          <p:cNvSpPr>
-            <a:spLocks noGrp="1"/>
-          </p:cNvSpPr>
-          <p:nvPr>
-            <p:ph type="dt" sz="half" idx="10"/>
+            <a:fld id="{C7A90A07-83FF-4437-A751-8C4BD7FD35BF}" type="datetimeFigureOut">
+              <a:rPr kumimoji="1" lang="ja-JP" altLang="en-US" smtClean="0"/>
+              <a:t>2023/11/20</a:t>
+            </a:fld>
+            <a:endParaRPr kumimoji="1" lang="ja-JP" altLang="en-US"/>
+          </a:p>
+        </p:txBody>
+      </p:sp>
+      <p:sp>
+        <p:nvSpPr>
+          <p:cNvPr id="5" name="Footer Placeholder 4"/>
+          <p:cNvSpPr>
+            <a:spLocks noGrp="1"/>
+          </p:cNvSpPr>
+          <p:nvPr>
+            <p:ph type="ftr" sz="quarter" idx="11"/>
           </p:nvPr>
         </p:nvSpPr>
         <p:spPr/>
@@ -958,48 +1094,13 @@
           <a:bodyPr/>
           <a:lstStyle/>
           <a:p>
-            <a:fld id="{C7A90A07-83FF-4437-A751-8C4BD7FD35BF}" type="datetimeFigureOut">
-              <a:rPr kumimoji="1" lang="ja-JP" altLang="en-US" smtClean="0"/>
-              <a:t>2023/11/13</a:t>
-            </a:fld>
             <a:endParaRPr kumimoji="1" lang="ja-JP" altLang="en-US"/>
           </a:p>
         </p:txBody>
       </p:sp>
       <p:sp>
         <p:nvSpPr>
-          <p:cNvPr id="5" name="フッター プレースホルダー 4">
-            <a:extLst>
-              <a:ext uri="{FF2B5EF4-FFF2-40B4-BE49-F238E27FC236}">
-                <a16:creationId xmlns:a16="http://schemas.microsoft.com/office/drawing/2014/main" id="{3DE4ED24-8747-6CF4-5AC3-FBBCFEC35951}"/>
-              </a:ext>
-            </a:extLst>
-          </p:cNvPr>
-          <p:cNvSpPr>
-            <a:spLocks noGrp="1"/>
-          </p:cNvSpPr>
-          <p:nvPr>
-            <p:ph type="ftr" sz="quarter" idx="11"/>
-          </p:nvPr>
-        </p:nvSpPr>
-        <p:spPr/>
-        <p:txBody>
-          <a:bodyPr/>
-          <a:lstStyle/>
-          <a:p>
-            <a:endParaRPr kumimoji="1" lang="ja-JP" altLang="en-US"/>
-          </a:p>
-        </p:txBody>
-      </p:sp>
-      <p:sp>
-        <p:nvSpPr>
-          <p:cNvPr id="6" name="スライド番号プレースホルダー 5">
-            <a:extLst>
-              <a:ext uri="{FF2B5EF4-FFF2-40B4-BE49-F238E27FC236}">
-                <a16:creationId xmlns:a16="http://schemas.microsoft.com/office/drawing/2014/main" id="{1FC14683-4FE1-74D4-DB04-BE83F1375D96}"/>
-              </a:ext>
-            </a:extLst>
-          </p:cNvPr>
+          <p:cNvPr id="6" name="Slide Number Placeholder 5"/>
           <p:cNvSpPr>
             <a:spLocks noGrp="1"/>
           </p:cNvSpPr>
@@ -1023,7 +1124,7 @@
     </p:spTree>
     <p:extLst>
       <p:ext uri="{BB962C8B-B14F-4D97-AF65-F5344CB8AC3E}">
-        <p14:creationId xmlns:p14="http://schemas.microsoft.com/office/powerpoint/2010/main" val="3372594550"/>
+        <p14:creationId xmlns:p14="http://schemas.microsoft.com/office/powerpoint/2010/main" val="1483775922"/>
       </p:ext>
     </p:extLst>
   </p:cSld>
@@ -1034,8 +1135,16 @@
 </file>
 
 <file path=ppt/slideLayouts/slideLayout3.xml><?xml version="1.0" encoding="utf-8"?>
-<p:sldLayout xmlns:a="http://schemas.openxmlformats.org/drawingml/2006/main" xmlns:r="http://schemas.openxmlformats.org/officeDocument/2006/relationships" xmlns:p="http://schemas.openxmlformats.org/presentationml/2006/main" type="secHead" preserve="1">
+<p:sldLayout xmlns:a="http://schemas.openxmlformats.org/drawingml/2006/main" xmlns:r="http://schemas.openxmlformats.org/officeDocument/2006/relationships" xmlns:p="http://schemas.openxmlformats.org/presentationml/2006/main" showMasterSp="0" type="secHead" preserve="1">
   <p:cSld name="セクション見出し">
+    <p:bg>
+      <p:bgPr>
+        <a:solidFill>
+          <a:schemeClr val="bg1"/>
+        </a:solidFill>
+        <a:effectLst/>
+      </p:bgPr>
+    </p:bg>
     <p:spTree>
       <p:nvGrpSpPr>
         <p:cNvPr id="1" name=""/>
@@ -1052,13 +1161,83 @@
       </p:grpSpPr>
       <p:sp>
         <p:nvSpPr>
-          <p:cNvPr id="2" name="タイトル 1">
-            <a:extLst>
-              <a:ext uri="{FF2B5EF4-FFF2-40B4-BE49-F238E27FC236}">
-                <a16:creationId xmlns:a16="http://schemas.microsoft.com/office/drawing/2014/main" id="{928BAC76-9269-B04F-1363-FD375E3401CB}"/>
-              </a:ext>
-            </a:extLst>
-          </p:cNvPr>
+          <p:cNvPr id="7" name="Rectangle 6"/>
+          <p:cNvSpPr/>
+          <p:nvPr/>
+        </p:nvSpPr>
+        <p:spPr>
+          <a:xfrm>
+            <a:off x="3175" y="6400800"/>
+            <a:ext cx="12188825" cy="457200"/>
+          </a:xfrm>
+          <a:prstGeom prst="rect">
+            <a:avLst/>
+          </a:prstGeom>
+          <a:solidFill>
+            <a:schemeClr val="accent2"/>
+          </a:solidFill>
+          <a:ln>
+            <a:noFill/>
+          </a:ln>
+        </p:spPr>
+        <p:style>
+          <a:lnRef idx="2">
+            <a:schemeClr val="accent1">
+              <a:shade val="50000"/>
+            </a:schemeClr>
+          </a:lnRef>
+          <a:fillRef idx="1">
+            <a:schemeClr val="accent1"/>
+          </a:fillRef>
+          <a:effectRef idx="0">
+            <a:schemeClr val="accent1"/>
+          </a:effectRef>
+          <a:fontRef idx="minor">
+            <a:schemeClr val="lt1"/>
+          </a:fontRef>
+        </p:style>
+      </p:sp>
+      <p:sp>
+        <p:nvSpPr>
+          <p:cNvPr id="8" name="Rectangle 7"/>
+          <p:cNvSpPr/>
+          <p:nvPr/>
+        </p:nvSpPr>
+        <p:spPr>
+          <a:xfrm>
+            <a:off x="15" y="6334316"/>
+            <a:ext cx="12188825" cy="64008"/>
+          </a:xfrm>
+          <a:prstGeom prst="rect">
+            <a:avLst/>
+          </a:prstGeom>
+          <a:solidFill>
+            <a:schemeClr val="accent1"/>
+          </a:solidFill>
+          <a:ln>
+            <a:noFill/>
+          </a:ln>
+        </p:spPr>
+        <p:style>
+          <a:lnRef idx="2">
+            <a:schemeClr val="accent1">
+              <a:shade val="50000"/>
+            </a:schemeClr>
+          </a:lnRef>
+          <a:fillRef idx="1">
+            <a:schemeClr val="accent1"/>
+          </a:fillRef>
+          <a:effectRef idx="0">
+            <a:schemeClr val="accent1"/>
+          </a:effectRef>
+          <a:fontRef idx="minor">
+            <a:schemeClr val="lt1"/>
+          </a:fontRef>
+        </p:style>
+      </p:sp>
+      <p:sp>
+        <p:nvSpPr>
+          <p:cNvPr id="2" name="Title 1"/>
           <p:cNvSpPr>
             <a:spLocks noGrp="1"/>
           </p:cNvSpPr>
@@ -1068,63 +1247,71 @@
         </p:nvSpPr>
         <p:spPr>
           <a:xfrm>
-            <a:off x="831850" y="1709738"/>
-            <a:ext cx="10515600" cy="2852737"/>
-          </a:xfrm>
-        </p:spPr>
-        <p:txBody>
-          <a:bodyPr anchor="b"/>
+            <a:off x="1097280" y="758952"/>
+            <a:ext cx="10058400" cy="3566160"/>
+          </a:xfrm>
+        </p:spPr>
+        <p:txBody>
+          <a:bodyPr anchor="b" anchorCtr="0">
+            <a:normAutofit/>
+          </a:bodyPr>
           <a:lstStyle>
             <a:lvl1pPr>
-              <a:defRPr sz="6000"/>
-            </a:lvl1pPr>
-          </a:lstStyle>
-          <a:p>
-            <a:r>
-              <a:rPr kumimoji="1" lang="ja-JP" altLang="en-US"/>
-              <a:t>マスター タイトルの書式設定</a:t>
-            </a:r>
-          </a:p>
-        </p:txBody>
-      </p:sp>
-      <p:sp>
-        <p:nvSpPr>
-          <p:cNvPr id="3" name="テキスト プレースホルダー 2">
-            <a:extLst>
-              <a:ext uri="{FF2B5EF4-FFF2-40B4-BE49-F238E27FC236}">
-                <a16:creationId xmlns:a16="http://schemas.microsoft.com/office/drawing/2014/main" id="{B8719396-417D-A20C-A890-AC3F5EA07317}"/>
-              </a:ext>
-            </a:extLst>
-          </p:cNvPr>
-          <p:cNvSpPr>
-            <a:spLocks noGrp="1"/>
-          </p:cNvSpPr>
-          <p:nvPr>
-            <p:ph type="body" idx="1"/>
-          </p:nvPr>
-        </p:nvSpPr>
-        <p:spPr>
-          <a:xfrm>
-            <a:off x="831850" y="4589463"/>
-            <a:ext cx="10515600" cy="1500187"/>
-          </a:xfrm>
-        </p:spPr>
-        <p:txBody>
-          <a:bodyPr/>
-          <a:lstStyle>
-            <a:lvl1pPr marL="0" indent="0">
-              <a:buNone/>
-              <a:defRPr sz="2400">
+              <a:lnSpc>
+                <a:spcPct val="85000"/>
+              </a:lnSpc>
+              <a:defRPr sz="8000" b="0">
                 <a:solidFill>
                   <a:schemeClr val="tx1">
-                    <a:tint val="75000"/>
+                    <a:lumMod val="85000"/>
+                    <a:lumOff val="15000"/>
                   </a:schemeClr>
                 </a:solidFill>
               </a:defRPr>
             </a:lvl1pPr>
+          </a:lstStyle>
+          <a:p>
+            <a:r>
+              <a:rPr lang="ja-JP" altLang="en-US"/>
+              <a:t>マスター タイトルの書式設定</a:t>
+            </a:r>
+            <a:endParaRPr lang="en-US" dirty="0"/>
+          </a:p>
+        </p:txBody>
+      </p:sp>
+      <p:sp>
+        <p:nvSpPr>
+          <p:cNvPr id="3" name="Text Placeholder 2"/>
+          <p:cNvSpPr>
+            <a:spLocks noGrp="1"/>
+          </p:cNvSpPr>
+          <p:nvPr>
+            <p:ph type="body" idx="1"/>
+          </p:nvPr>
+        </p:nvSpPr>
+        <p:spPr>
+          <a:xfrm>
+            <a:off x="1097280" y="4453128"/>
+            <a:ext cx="10058400" cy="1143000"/>
+          </a:xfrm>
+        </p:spPr>
+        <p:txBody>
+          <a:bodyPr lIns="91440" rIns="91440" anchor="t" anchorCtr="0">
+            <a:normAutofit/>
+          </a:bodyPr>
+          <a:lstStyle>
+            <a:lvl1pPr marL="0" indent="0">
+              <a:buNone/>
+              <a:defRPr sz="2400" cap="all" spc="200" baseline="0">
+                <a:solidFill>
+                  <a:schemeClr val="tx2"/>
+                </a:solidFill>
+                <a:latin typeface="+mj-lt"/>
+              </a:defRPr>
+            </a:lvl1pPr>
             <a:lvl2pPr marL="457200" indent="0">
               <a:buNone/>
-              <a:defRPr sz="2000">
+              <a:defRPr sz="1800">
                 <a:solidFill>
                   <a:schemeClr val="tx1">
                     <a:tint val="75000"/>
@@ -1134,7 +1321,7 @@
             </a:lvl2pPr>
             <a:lvl3pPr marL="914400" indent="0">
               <a:buNone/>
-              <a:defRPr sz="1800">
+              <a:defRPr sz="1600">
                 <a:solidFill>
                   <a:schemeClr val="tx1">
                     <a:tint val="75000"/>
@@ -1144,7 +1331,7 @@
             </a:lvl3pPr>
             <a:lvl4pPr marL="1371600" indent="0">
               <a:buNone/>
-              <a:defRPr sz="1600">
+              <a:defRPr sz="1400">
                 <a:solidFill>
                   <a:schemeClr val="tx1">
                     <a:tint val="75000"/>
@@ -1154,7 +1341,7 @@
             </a:lvl4pPr>
             <a:lvl5pPr marL="1828800" indent="0">
               <a:buNone/>
-              <a:defRPr sz="1600">
+              <a:defRPr sz="1400">
                 <a:solidFill>
                   <a:schemeClr val="tx1">
                     <a:tint val="75000"/>
@@ -1164,7 +1351,7 @@
             </a:lvl5pPr>
             <a:lvl6pPr marL="2286000" indent="0">
               <a:buNone/>
-              <a:defRPr sz="1600">
+              <a:defRPr sz="1400">
                 <a:solidFill>
                   <a:schemeClr val="tx1">
                     <a:tint val="75000"/>
@@ -1174,7 +1361,7 @@
             </a:lvl6pPr>
             <a:lvl7pPr marL="2743200" indent="0">
               <a:buNone/>
-              <a:defRPr sz="1600">
+              <a:defRPr sz="1400">
                 <a:solidFill>
                   <a:schemeClr val="tx1">
                     <a:tint val="75000"/>
@@ -1184,7 +1371,7 @@
             </a:lvl7pPr>
             <a:lvl8pPr marL="3200400" indent="0">
               <a:buNone/>
-              <a:defRPr sz="1600">
+              <a:defRPr sz="1400">
                 <a:solidFill>
                   <a:schemeClr val="tx1">
                     <a:tint val="75000"/>
@@ -1194,7 +1381,7 @@
             </a:lvl8pPr>
             <a:lvl9pPr marL="3657600" indent="0">
               <a:buNone/>
-              <a:defRPr sz="1600">
+              <a:defRPr sz="1400">
                 <a:solidFill>
                   <a:schemeClr val="tx1">
                     <a:tint val="75000"/>
@@ -1206,7 +1393,7 @@
           <a:p>
             <a:pPr lvl="0"/>
             <a:r>
-              <a:rPr kumimoji="1" lang="ja-JP" altLang="en-US"/>
+              <a:rPr lang="ja-JP" altLang="en-US"/>
               <a:t>マスター テキストの書式設定</a:t>
             </a:r>
           </a:p>
@@ -1214,13 +1401,7 @@
       </p:sp>
       <p:sp>
         <p:nvSpPr>
-          <p:cNvPr id="4" name="日付プレースホルダー 3">
-            <a:extLst>
-              <a:ext uri="{FF2B5EF4-FFF2-40B4-BE49-F238E27FC236}">
-                <a16:creationId xmlns:a16="http://schemas.microsoft.com/office/drawing/2014/main" id="{0800F67B-BC6E-82FD-949C-D48016AD5799}"/>
-              </a:ext>
-            </a:extLst>
-          </p:cNvPr>
+          <p:cNvPr id="4" name="Date Placeholder 3"/>
           <p:cNvSpPr>
             <a:spLocks noGrp="1"/>
           </p:cNvSpPr>
@@ -1235,7 +1416,7 @@
           <a:p>
             <a:fld id="{C7A90A07-83FF-4437-A751-8C4BD7FD35BF}" type="datetimeFigureOut">
               <a:rPr kumimoji="1" lang="ja-JP" altLang="en-US" smtClean="0"/>
-              <a:t>2023/11/13</a:t>
+              <a:t>2023/11/20</a:t>
             </a:fld>
             <a:endParaRPr kumimoji="1" lang="ja-JP" altLang="en-US"/>
           </a:p>
@@ -1243,13 +1424,7 @@
       </p:sp>
       <p:sp>
         <p:nvSpPr>
-          <p:cNvPr id="5" name="フッター プレースホルダー 4">
-            <a:extLst>
-              <a:ext uri="{FF2B5EF4-FFF2-40B4-BE49-F238E27FC236}">
-                <a16:creationId xmlns:a16="http://schemas.microsoft.com/office/drawing/2014/main" id="{AB76AF41-4FAA-1B60-8B9F-B148473EE960}"/>
-              </a:ext>
-            </a:extLst>
-          </p:cNvPr>
+          <p:cNvPr id="5" name="Footer Placeholder 4"/>
           <p:cNvSpPr>
             <a:spLocks noGrp="1"/>
           </p:cNvSpPr>
@@ -1268,13 +1443,7 @@
       </p:sp>
       <p:sp>
         <p:nvSpPr>
-          <p:cNvPr id="6" name="スライド番号プレースホルダー 5">
-            <a:extLst>
-              <a:ext uri="{FF2B5EF4-FFF2-40B4-BE49-F238E27FC236}">
-                <a16:creationId xmlns:a16="http://schemas.microsoft.com/office/drawing/2014/main" id="{64D7066B-5594-B6AA-1607-1560883B5C9C}"/>
-              </a:ext>
-            </a:extLst>
-          </p:cNvPr>
+          <p:cNvPr id="6" name="Slide Number Placeholder 5"/>
           <p:cNvSpPr>
             <a:spLocks noGrp="1"/>
           </p:cNvSpPr>
@@ -1295,10 +1464,48 @@
           </a:p>
         </p:txBody>
       </p:sp>
+      <p:cxnSp>
+        <p:nvCxnSpPr>
+          <p:cNvPr id="9" name="Straight Connector 8"/>
+          <p:cNvCxnSpPr/>
+          <p:nvPr/>
+        </p:nvCxnSpPr>
+        <p:spPr>
+          <a:xfrm>
+            <a:off x="1207658" y="4343400"/>
+            <a:ext cx="9875520" cy="0"/>
+          </a:xfrm>
+          <a:prstGeom prst="line">
+            <a:avLst/>
+          </a:prstGeom>
+          <a:ln w="6350">
+            <a:solidFill>
+              <a:schemeClr val="tx1">
+                <a:lumMod val="50000"/>
+                <a:lumOff val="50000"/>
+              </a:schemeClr>
+            </a:solidFill>
+          </a:ln>
+        </p:spPr>
+        <p:style>
+          <a:lnRef idx="1">
+            <a:schemeClr val="accent1"/>
+          </a:lnRef>
+          <a:fillRef idx="0">
+            <a:schemeClr val="accent1"/>
+          </a:fillRef>
+          <a:effectRef idx="0">
+            <a:schemeClr val="accent1"/>
+          </a:effectRef>
+          <a:fontRef idx="minor">
+            <a:schemeClr val="tx1"/>
+          </a:fontRef>
+        </p:style>
+      </p:cxnSp>
     </p:spTree>
     <p:extLst>
       <p:ext uri="{BB962C8B-B14F-4D97-AF65-F5344CB8AC3E}">
-        <p14:creationId xmlns:p14="http://schemas.microsoft.com/office/powerpoint/2010/main" val="3078135134"/>
+        <p14:creationId xmlns:p14="http://schemas.microsoft.com/office/powerpoint/2010/main" val="1372965364"/>
       </p:ext>
     </p:extLst>
   </p:cSld>
@@ -1327,13 +1534,7 @@
       </p:grpSpPr>
       <p:sp>
         <p:nvSpPr>
-          <p:cNvPr id="2" name="タイトル 1">
-            <a:extLst>
-              <a:ext uri="{FF2B5EF4-FFF2-40B4-BE49-F238E27FC236}">
-                <a16:creationId xmlns:a16="http://schemas.microsoft.com/office/drawing/2014/main" id="{284BEC81-46C1-DA40-B90C-4D751B7C276D}"/>
-              </a:ext>
-            </a:extLst>
-          </p:cNvPr>
+          <p:cNvPr id="8" name="Title 7"/>
           <p:cNvSpPr>
             <a:spLocks noGrp="1"/>
           </p:cNvSpPr>
@@ -1341,27 +1542,27 @@
             <p:ph type="title"/>
           </p:nvPr>
         </p:nvSpPr>
-        <p:spPr/>
+        <p:spPr>
+          <a:xfrm>
+            <a:off x="1097280" y="286603"/>
+            <a:ext cx="10058400" cy="1450757"/>
+          </a:xfrm>
+        </p:spPr>
         <p:txBody>
           <a:bodyPr/>
           <a:lstStyle/>
           <a:p>
             <a:r>
-              <a:rPr kumimoji="1" lang="ja-JP" altLang="en-US"/>
+              <a:rPr lang="ja-JP" altLang="en-US"/>
               <a:t>マスター タイトルの書式設定</a:t>
             </a:r>
-          </a:p>
-        </p:txBody>
-      </p:sp>
-      <p:sp>
-        <p:nvSpPr>
-          <p:cNvPr id="3" name="コンテンツ プレースホルダー 2">
-            <a:extLst>
-              <a:ext uri="{FF2B5EF4-FFF2-40B4-BE49-F238E27FC236}">
-                <a16:creationId xmlns:a16="http://schemas.microsoft.com/office/drawing/2014/main" id="{C232288B-CBEF-D90C-A822-F10A730DB540}"/>
-              </a:ext>
-            </a:extLst>
-          </p:cNvPr>
+            <a:endParaRPr lang="en-US" dirty="0"/>
+          </a:p>
+        </p:txBody>
+      </p:sp>
+      <p:sp>
+        <p:nvSpPr>
+          <p:cNvPr id="3" name="Content Placeholder 2"/>
           <p:cNvSpPr>
             <a:spLocks noGrp="1"/>
           </p:cNvSpPr>
@@ -1371,8 +1572,8 @@
         </p:nvSpPr>
         <p:spPr>
           <a:xfrm>
-            <a:off x="838200" y="1825625"/>
-            <a:ext cx="5181600" cy="4351338"/>
+            <a:off x="1097279" y="1845734"/>
+            <a:ext cx="4937760" cy="4023360"/>
           </a:xfrm>
         </p:spPr>
         <p:txBody>
@@ -1381,81 +1582,76 @@
           <a:p>
             <a:pPr lvl="0"/>
             <a:r>
-              <a:rPr kumimoji="1" lang="ja-JP" altLang="en-US"/>
+              <a:rPr lang="ja-JP" altLang="en-US"/>
               <a:t>マスター テキストの書式設定</a:t>
             </a:r>
           </a:p>
           <a:p>
             <a:pPr lvl="1"/>
             <a:r>
-              <a:rPr kumimoji="1" lang="ja-JP" altLang="en-US"/>
+              <a:rPr lang="ja-JP" altLang="en-US"/>
               <a:t>第 </a:t>
             </a:r>
             <a:r>
-              <a:rPr kumimoji="1" lang="en-US" altLang="ja-JP"/>
+              <a:rPr lang="en-US" altLang="ja-JP"/>
               <a:t>2 </a:t>
             </a:r>
             <a:r>
-              <a:rPr kumimoji="1" lang="ja-JP" altLang="en-US"/>
+              <a:rPr lang="ja-JP" altLang="en-US"/>
               <a:t>レベル</a:t>
             </a:r>
           </a:p>
           <a:p>
             <a:pPr lvl="2"/>
             <a:r>
-              <a:rPr kumimoji="1" lang="ja-JP" altLang="en-US"/>
+              <a:rPr lang="ja-JP" altLang="en-US"/>
               <a:t>第 </a:t>
             </a:r>
             <a:r>
-              <a:rPr kumimoji="1" lang="en-US" altLang="ja-JP"/>
+              <a:rPr lang="en-US" altLang="ja-JP"/>
               <a:t>3 </a:t>
             </a:r>
             <a:r>
-              <a:rPr kumimoji="1" lang="ja-JP" altLang="en-US"/>
+              <a:rPr lang="ja-JP" altLang="en-US"/>
               <a:t>レベル</a:t>
             </a:r>
           </a:p>
           <a:p>
             <a:pPr lvl="3"/>
             <a:r>
-              <a:rPr kumimoji="1" lang="ja-JP" altLang="en-US"/>
+              <a:rPr lang="ja-JP" altLang="en-US"/>
               <a:t>第 </a:t>
             </a:r>
             <a:r>
-              <a:rPr kumimoji="1" lang="en-US" altLang="ja-JP"/>
+              <a:rPr lang="en-US" altLang="ja-JP"/>
               <a:t>4 </a:t>
             </a:r>
             <a:r>
-              <a:rPr kumimoji="1" lang="ja-JP" altLang="en-US"/>
+              <a:rPr lang="ja-JP" altLang="en-US"/>
               <a:t>レベル</a:t>
             </a:r>
           </a:p>
           <a:p>
             <a:pPr lvl="4"/>
             <a:r>
-              <a:rPr kumimoji="1" lang="ja-JP" altLang="en-US"/>
+              <a:rPr lang="ja-JP" altLang="en-US"/>
               <a:t>第 </a:t>
             </a:r>
             <a:r>
-              <a:rPr kumimoji="1" lang="en-US" altLang="ja-JP"/>
+              <a:rPr lang="en-US" altLang="ja-JP"/>
               <a:t>5 </a:t>
             </a:r>
             <a:r>
-              <a:rPr kumimoji="1" lang="ja-JP" altLang="en-US"/>
+              <a:rPr lang="ja-JP" altLang="en-US"/>
               <a:t>レベル</a:t>
             </a:r>
-          </a:p>
-        </p:txBody>
-      </p:sp>
-      <p:sp>
-        <p:nvSpPr>
-          <p:cNvPr id="4" name="コンテンツ プレースホルダー 3">
-            <a:extLst>
-              <a:ext uri="{FF2B5EF4-FFF2-40B4-BE49-F238E27FC236}">
-                <a16:creationId xmlns:a16="http://schemas.microsoft.com/office/drawing/2014/main" id="{89BE8B03-F6D5-74CE-79D6-D2D9738F3D2C}"/>
-              </a:ext>
-            </a:extLst>
-          </p:cNvPr>
+            <a:endParaRPr lang="en-US" dirty="0"/>
+          </a:p>
+        </p:txBody>
+      </p:sp>
+      <p:sp>
+        <p:nvSpPr>
+          <p:cNvPr id="4" name="Content Placeholder 3"/>
           <p:cNvSpPr>
             <a:spLocks noGrp="1"/>
           </p:cNvSpPr>
@@ -1465,8 +1661,8 @@
         </p:nvSpPr>
         <p:spPr>
           <a:xfrm>
-            <a:off x="6172200" y="1825625"/>
-            <a:ext cx="5181600" cy="4351338"/>
+            <a:off x="6217920" y="1845735"/>
+            <a:ext cx="4937760" cy="4023360"/>
           </a:xfrm>
         </p:spPr>
         <p:txBody>
@@ -1475,81 +1671,76 @@
           <a:p>
             <a:pPr lvl="0"/>
             <a:r>
-              <a:rPr kumimoji="1" lang="ja-JP" altLang="en-US"/>
+              <a:rPr lang="ja-JP" altLang="en-US"/>
               <a:t>マスター テキストの書式設定</a:t>
             </a:r>
           </a:p>
           <a:p>
             <a:pPr lvl="1"/>
             <a:r>
-              <a:rPr kumimoji="1" lang="ja-JP" altLang="en-US"/>
+              <a:rPr lang="ja-JP" altLang="en-US"/>
               <a:t>第 </a:t>
             </a:r>
             <a:r>
-              <a:rPr kumimoji="1" lang="en-US" altLang="ja-JP"/>
+              <a:rPr lang="en-US" altLang="ja-JP"/>
               <a:t>2 </a:t>
             </a:r>
             <a:r>
-              <a:rPr kumimoji="1" lang="ja-JP" altLang="en-US"/>
+              <a:rPr lang="ja-JP" altLang="en-US"/>
               <a:t>レベル</a:t>
             </a:r>
           </a:p>
           <a:p>
             <a:pPr lvl="2"/>
             <a:r>
-              <a:rPr kumimoji="1" lang="ja-JP" altLang="en-US"/>
+              <a:rPr lang="ja-JP" altLang="en-US"/>
               <a:t>第 </a:t>
             </a:r>
             <a:r>
-              <a:rPr kumimoji="1" lang="en-US" altLang="ja-JP"/>
+              <a:rPr lang="en-US" altLang="ja-JP"/>
               <a:t>3 </a:t>
             </a:r>
             <a:r>
-              <a:rPr kumimoji="1" lang="ja-JP" altLang="en-US"/>
+              <a:rPr lang="ja-JP" altLang="en-US"/>
               <a:t>レベル</a:t>
             </a:r>
           </a:p>
           <a:p>
             <a:pPr lvl="3"/>
             <a:r>
-              <a:rPr kumimoji="1" lang="ja-JP" altLang="en-US"/>
+              <a:rPr lang="ja-JP" altLang="en-US"/>
               <a:t>第 </a:t>
             </a:r>
             <a:r>
-              <a:rPr kumimoji="1" lang="en-US" altLang="ja-JP"/>
+              <a:rPr lang="en-US" altLang="ja-JP"/>
               <a:t>4 </a:t>
             </a:r>
             <a:r>
-              <a:rPr kumimoji="1" lang="ja-JP" altLang="en-US"/>
+              <a:rPr lang="ja-JP" altLang="en-US"/>
               <a:t>レベル</a:t>
             </a:r>
           </a:p>
           <a:p>
             <a:pPr lvl="4"/>
             <a:r>
-              <a:rPr kumimoji="1" lang="ja-JP" altLang="en-US"/>
+              <a:rPr lang="ja-JP" altLang="en-US"/>
               <a:t>第 </a:t>
             </a:r>
             <a:r>
-              <a:rPr kumimoji="1" lang="en-US" altLang="ja-JP"/>
+              <a:rPr lang="en-US" altLang="ja-JP"/>
               <a:t>5 </a:t>
             </a:r>
             <a:r>
-              <a:rPr kumimoji="1" lang="ja-JP" altLang="en-US"/>
+              <a:rPr lang="ja-JP" altLang="en-US"/>
               <a:t>レベル</a:t>
             </a:r>
-          </a:p>
-        </p:txBody>
-      </p:sp>
-      <p:sp>
-        <p:nvSpPr>
-          <p:cNvPr id="5" name="日付プレースホルダー 4">
-            <a:extLst>
-              <a:ext uri="{FF2B5EF4-FFF2-40B4-BE49-F238E27FC236}">
-                <a16:creationId xmlns:a16="http://schemas.microsoft.com/office/drawing/2014/main" id="{D85428F5-83D9-79F2-6228-E7360BD27721}"/>
-              </a:ext>
-            </a:extLst>
-          </p:cNvPr>
+            <a:endParaRPr lang="en-US" dirty="0"/>
+          </a:p>
+        </p:txBody>
+      </p:sp>
+      <p:sp>
+        <p:nvSpPr>
+          <p:cNvPr id="5" name="Date Placeholder 4"/>
           <p:cNvSpPr>
             <a:spLocks noGrp="1"/>
           </p:cNvSpPr>
@@ -1564,7 +1755,7 @@
           <a:p>
             <a:fld id="{C7A90A07-83FF-4437-A751-8C4BD7FD35BF}" type="datetimeFigureOut">
               <a:rPr kumimoji="1" lang="ja-JP" altLang="en-US" smtClean="0"/>
-              <a:t>2023/11/13</a:t>
+              <a:t>2023/11/20</a:t>
             </a:fld>
             <a:endParaRPr kumimoji="1" lang="ja-JP" altLang="en-US"/>
           </a:p>
@@ -1572,13 +1763,7 @@
       </p:sp>
       <p:sp>
         <p:nvSpPr>
-          <p:cNvPr id="6" name="フッター プレースホルダー 5">
-            <a:extLst>
-              <a:ext uri="{FF2B5EF4-FFF2-40B4-BE49-F238E27FC236}">
-                <a16:creationId xmlns:a16="http://schemas.microsoft.com/office/drawing/2014/main" id="{B19F446C-ED39-DCB8-CE77-50451125819E}"/>
-              </a:ext>
-            </a:extLst>
-          </p:cNvPr>
+          <p:cNvPr id="6" name="Footer Placeholder 5"/>
           <p:cNvSpPr>
             <a:spLocks noGrp="1"/>
           </p:cNvSpPr>
@@ -1597,13 +1782,7 @@
       </p:sp>
       <p:sp>
         <p:nvSpPr>
-          <p:cNvPr id="7" name="スライド番号プレースホルダー 6">
-            <a:extLst>
-              <a:ext uri="{FF2B5EF4-FFF2-40B4-BE49-F238E27FC236}">
-                <a16:creationId xmlns:a16="http://schemas.microsoft.com/office/drawing/2014/main" id="{5CFED42C-0D2D-939E-EA2B-65D27A487B10}"/>
-              </a:ext>
-            </a:extLst>
-          </p:cNvPr>
+          <p:cNvPr id="7" name="Slide Number Placeholder 6"/>
           <p:cNvSpPr>
             <a:spLocks noGrp="1"/>
           </p:cNvSpPr>
@@ -1627,7 +1806,7 @@
     </p:spTree>
     <p:extLst>
       <p:ext uri="{BB962C8B-B14F-4D97-AF65-F5344CB8AC3E}">
-        <p14:creationId xmlns:p14="http://schemas.microsoft.com/office/powerpoint/2010/main" val="3637296396"/>
+        <p14:creationId xmlns:p14="http://schemas.microsoft.com/office/powerpoint/2010/main" val="1584101004"/>
       </p:ext>
     </p:extLst>
   </p:cSld>
@@ -1656,13 +1835,7 @@
       </p:grpSpPr>
       <p:sp>
         <p:nvSpPr>
-          <p:cNvPr id="2" name="タイトル 1">
-            <a:extLst>
-              <a:ext uri="{FF2B5EF4-FFF2-40B4-BE49-F238E27FC236}">
-                <a16:creationId xmlns:a16="http://schemas.microsoft.com/office/drawing/2014/main" id="{31D08CA3-12C1-8C4A-F0E1-433DDC63EEA6}"/>
-              </a:ext>
-            </a:extLst>
-          </p:cNvPr>
+          <p:cNvPr id="10" name="Title 9"/>
           <p:cNvSpPr>
             <a:spLocks noGrp="1"/>
           </p:cNvSpPr>
@@ -1672,8 +1845,8 @@
         </p:nvSpPr>
         <p:spPr>
           <a:xfrm>
-            <a:off x="839788" y="365125"/>
-            <a:ext cx="10515600" cy="1325563"/>
+            <a:off x="1097280" y="286603"/>
+            <a:ext cx="10058400" cy="1450757"/>
           </a:xfrm>
         </p:spPr>
         <p:txBody>
@@ -1681,21 +1854,16 @@
           <a:lstStyle/>
           <a:p>
             <a:r>
-              <a:rPr kumimoji="1" lang="ja-JP" altLang="en-US"/>
+              <a:rPr lang="ja-JP" altLang="en-US"/>
               <a:t>マスター タイトルの書式設定</a:t>
             </a:r>
-          </a:p>
-        </p:txBody>
-      </p:sp>
-      <p:sp>
-        <p:nvSpPr>
-          <p:cNvPr id="3" name="テキスト プレースホルダー 2">
-            <a:extLst>
-              <a:ext uri="{FF2B5EF4-FFF2-40B4-BE49-F238E27FC236}">
-                <a16:creationId xmlns:a16="http://schemas.microsoft.com/office/drawing/2014/main" id="{921DCDBD-DE30-3B11-E4F6-24D8A6F219C3}"/>
-              </a:ext>
-            </a:extLst>
-          </p:cNvPr>
+            <a:endParaRPr lang="en-US" dirty="0"/>
+          </a:p>
+        </p:txBody>
+      </p:sp>
+      <p:sp>
+        <p:nvSpPr>
+          <p:cNvPr id="3" name="Text Placeholder 2"/>
           <p:cNvSpPr>
             <a:spLocks noGrp="1"/>
           </p:cNvSpPr>
@@ -1705,16 +1873,22 @@
         </p:nvSpPr>
         <p:spPr>
           <a:xfrm>
-            <a:off x="839788" y="1681163"/>
-            <a:ext cx="5157787" cy="823912"/>
-          </a:xfrm>
-        </p:spPr>
-        <p:txBody>
-          <a:bodyPr anchor="b"/>
+            <a:off x="1097280" y="1846052"/>
+            <a:ext cx="4937760" cy="736282"/>
+          </a:xfrm>
+        </p:spPr>
+        <p:txBody>
+          <a:bodyPr lIns="91440" rIns="91440" anchor="ctr">
+            <a:normAutofit/>
+          </a:bodyPr>
           <a:lstStyle>
             <a:lvl1pPr marL="0" indent="0">
               <a:buNone/>
-              <a:defRPr sz="2400" b="1"/>
+              <a:defRPr sz="2000" b="0" cap="all" baseline="0">
+                <a:solidFill>
+                  <a:schemeClr val="tx2"/>
+                </a:solidFill>
+              </a:defRPr>
             </a:lvl1pPr>
             <a:lvl2pPr marL="457200" indent="0">
               <a:buNone/>
@@ -1752,7 +1926,7 @@
           <a:p>
             <a:pPr lvl="0"/>
             <a:r>
-              <a:rPr kumimoji="1" lang="ja-JP" altLang="en-US"/>
+              <a:rPr lang="ja-JP" altLang="en-US"/>
               <a:t>マスター テキストの書式設定</a:t>
             </a:r>
           </a:p>
@@ -1760,13 +1934,7 @@
       </p:sp>
       <p:sp>
         <p:nvSpPr>
-          <p:cNvPr id="4" name="コンテンツ プレースホルダー 3">
-            <a:extLst>
-              <a:ext uri="{FF2B5EF4-FFF2-40B4-BE49-F238E27FC236}">
-                <a16:creationId xmlns:a16="http://schemas.microsoft.com/office/drawing/2014/main" id="{38938126-F175-51D5-82F6-4F828D6905EE}"/>
-              </a:ext>
-            </a:extLst>
-          </p:cNvPr>
+          <p:cNvPr id="4" name="Content Placeholder 3"/>
           <p:cNvSpPr>
             <a:spLocks noGrp="1"/>
           </p:cNvSpPr>
@@ -1776,8 +1944,8 @@
         </p:nvSpPr>
         <p:spPr>
           <a:xfrm>
-            <a:off x="839788" y="2505075"/>
-            <a:ext cx="5157787" cy="3684588"/>
+            <a:off x="1097280" y="2582334"/>
+            <a:ext cx="4937760" cy="3378200"/>
           </a:xfrm>
         </p:spPr>
         <p:txBody>
@@ -1786,81 +1954,76 @@
           <a:p>
             <a:pPr lvl="0"/>
             <a:r>
-              <a:rPr kumimoji="1" lang="ja-JP" altLang="en-US"/>
+              <a:rPr lang="ja-JP" altLang="en-US"/>
               <a:t>マスター テキストの書式設定</a:t>
             </a:r>
           </a:p>
           <a:p>
             <a:pPr lvl="1"/>
             <a:r>
-              <a:rPr kumimoji="1" lang="ja-JP" altLang="en-US"/>
+              <a:rPr lang="ja-JP" altLang="en-US"/>
               <a:t>第 </a:t>
             </a:r>
             <a:r>
-              <a:rPr kumimoji="1" lang="en-US" altLang="ja-JP"/>
+              <a:rPr lang="en-US" altLang="ja-JP"/>
               <a:t>2 </a:t>
             </a:r>
             <a:r>
-              <a:rPr kumimoji="1" lang="ja-JP" altLang="en-US"/>
+              <a:rPr lang="ja-JP" altLang="en-US"/>
               <a:t>レベル</a:t>
             </a:r>
           </a:p>
           <a:p>
             <a:pPr lvl="2"/>
             <a:r>
-              <a:rPr kumimoji="1" lang="ja-JP" altLang="en-US"/>
+              <a:rPr lang="ja-JP" altLang="en-US"/>
               <a:t>第 </a:t>
             </a:r>
             <a:r>
-              <a:rPr kumimoji="1" lang="en-US" altLang="ja-JP"/>
+              <a:rPr lang="en-US" altLang="ja-JP"/>
               <a:t>3 </a:t>
             </a:r>
             <a:r>
-              <a:rPr kumimoji="1" lang="ja-JP" altLang="en-US"/>
+              <a:rPr lang="ja-JP" altLang="en-US"/>
               <a:t>レベル</a:t>
             </a:r>
           </a:p>
           <a:p>
             <a:pPr lvl="3"/>
             <a:r>
-              <a:rPr kumimoji="1" lang="ja-JP" altLang="en-US"/>
+              <a:rPr lang="ja-JP" altLang="en-US"/>
               <a:t>第 </a:t>
             </a:r>
             <a:r>
-              <a:rPr kumimoji="1" lang="en-US" altLang="ja-JP"/>
+              <a:rPr lang="en-US" altLang="ja-JP"/>
               <a:t>4 </a:t>
             </a:r>
             <a:r>
-              <a:rPr kumimoji="1" lang="ja-JP" altLang="en-US"/>
+              <a:rPr lang="ja-JP" altLang="en-US"/>
               <a:t>レベル</a:t>
             </a:r>
           </a:p>
           <a:p>
             <a:pPr lvl="4"/>
             <a:r>
-              <a:rPr kumimoji="1" lang="ja-JP" altLang="en-US"/>
+              <a:rPr lang="ja-JP" altLang="en-US"/>
               <a:t>第 </a:t>
             </a:r>
             <a:r>
-              <a:rPr kumimoji="1" lang="en-US" altLang="ja-JP"/>
+              <a:rPr lang="en-US" altLang="ja-JP"/>
               <a:t>5 </a:t>
             </a:r>
             <a:r>
-              <a:rPr kumimoji="1" lang="ja-JP" altLang="en-US"/>
+              <a:rPr lang="ja-JP" altLang="en-US"/>
               <a:t>レベル</a:t>
             </a:r>
-          </a:p>
-        </p:txBody>
-      </p:sp>
-      <p:sp>
-        <p:nvSpPr>
-          <p:cNvPr id="5" name="テキスト プレースホルダー 4">
-            <a:extLst>
-              <a:ext uri="{FF2B5EF4-FFF2-40B4-BE49-F238E27FC236}">
-                <a16:creationId xmlns:a16="http://schemas.microsoft.com/office/drawing/2014/main" id="{71F254BE-88B4-B966-088B-055550A4F5FC}"/>
-              </a:ext>
-            </a:extLst>
-          </p:cNvPr>
+            <a:endParaRPr lang="en-US" dirty="0"/>
+          </a:p>
+        </p:txBody>
+      </p:sp>
+      <p:sp>
+        <p:nvSpPr>
+          <p:cNvPr id="5" name="Text Placeholder 4"/>
           <p:cNvSpPr>
             <a:spLocks noGrp="1"/>
           </p:cNvSpPr>
@@ -1870,16 +2033,22 @@
         </p:nvSpPr>
         <p:spPr>
           <a:xfrm>
-            <a:off x="6172200" y="1681163"/>
-            <a:ext cx="5183188" cy="823912"/>
-          </a:xfrm>
-        </p:spPr>
-        <p:txBody>
-          <a:bodyPr anchor="b"/>
+            <a:off x="6217920" y="1846052"/>
+            <a:ext cx="4937760" cy="736282"/>
+          </a:xfrm>
+        </p:spPr>
+        <p:txBody>
+          <a:bodyPr lIns="91440" rIns="91440" anchor="ctr">
+            <a:normAutofit/>
+          </a:bodyPr>
           <a:lstStyle>
             <a:lvl1pPr marL="0" indent="0">
               <a:buNone/>
-              <a:defRPr sz="2400" b="1"/>
+              <a:defRPr sz="2000" b="0" cap="all" baseline="0">
+                <a:solidFill>
+                  <a:schemeClr val="tx2"/>
+                </a:solidFill>
+              </a:defRPr>
             </a:lvl1pPr>
             <a:lvl2pPr marL="457200" indent="0">
               <a:buNone/>
@@ -1917,7 +2086,7 @@
           <a:p>
             <a:pPr lvl="0"/>
             <a:r>
-              <a:rPr kumimoji="1" lang="ja-JP" altLang="en-US"/>
+              <a:rPr lang="ja-JP" altLang="en-US"/>
               <a:t>マスター テキストの書式設定</a:t>
             </a:r>
           </a:p>
@@ -1925,13 +2094,7 @@
       </p:sp>
       <p:sp>
         <p:nvSpPr>
-          <p:cNvPr id="6" name="コンテンツ プレースホルダー 5">
-            <a:extLst>
-              <a:ext uri="{FF2B5EF4-FFF2-40B4-BE49-F238E27FC236}">
-                <a16:creationId xmlns:a16="http://schemas.microsoft.com/office/drawing/2014/main" id="{CB7C4A09-001D-7BD1-3FCD-1A4557A28A0A}"/>
-              </a:ext>
-            </a:extLst>
-          </p:cNvPr>
+          <p:cNvPr id="6" name="Content Placeholder 5"/>
           <p:cNvSpPr>
             <a:spLocks noGrp="1"/>
           </p:cNvSpPr>
@@ -1941,8 +2104,8 @@
         </p:nvSpPr>
         <p:spPr>
           <a:xfrm>
-            <a:off x="6172200" y="2505075"/>
-            <a:ext cx="5183188" cy="3684588"/>
+            <a:off x="6217920" y="2582334"/>
+            <a:ext cx="4937760" cy="3378200"/>
           </a:xfrm>
         </p:spPr>
         <p:txBody>
@@ -1951,81 +2114,76 @@
           <a:p>
             <a:pPr lvl="0"/>
             <a:r>
-              <a:rPr kumimoji="1" lang="ja-JP" altLang="en-US"/>
+              <a:rPr lang="ja-JP" altLang="en-US"/>
               <a:t>マスター テキストの書式設定</a:t>
             </a:r>
           </a:p>
           <a:p>
             <a:pPr lvl="1"/>
             <a:r>
-              <a:rPr kumimoji="1" lang="ja-JP" altLang="en-US"/>
+              <a:rPr lang="ja-JP" altLang="en-US"/>
               <a:t>第 </a:t>
             </a:r>
             <a:r>
-              <a:rPr kumimoji="1" lang="en-US" altLang="ja-JP"/>
+              <a:rPr lang="en-US" altLang="ja-JP"/>
               <a:t>2 </a:t>
             </a:r>
             <a:r>
-              <a:rPr kumimoji="1" lang="ja-JP" altLang="en-US"/>
+              <a:rPr lang="ja-JP" altLang="en-US"/>
               <a:t>レベル</a:t>
             </a:r>
           </a:p>
           <a:p>
             <a:pPr lvl="2"/>
             <a:r>
-              <a:rPr kumimoji="1" lang="ja-JP" altLang="en-US"/>
+              <a:rPr lang="ja-JP" altLang="en-US"/>
               <a:t>第 </a:t>
             </a:r>
             <a:r>
-              <a:rPr kumimoji="1" lang="en-US" altLang="ja-JP"/>
+              <a:rPr lang="en-US" altLang="ja-JP"/>
               <a:t>3 </a:t>
             </a:r>
             <a:r>
-              <a:rPr kumimoji="1" lang="ja-JP" altLang="en-US"/>
+              <a:rPr lang="ja-JP" altLang="en-US"/>
               <a:t>レベル</a:t>
             </a:r>
           </a:p>
           <a:p>
             <a:pPr lvl="3"/>
             <a:r>
-              <a:rPr kumimoji="1" lang="ja-JP" altLang="en-US"/>
+              <a:rPr lang="ja-JP" altLang="en-US"/>
               <a:t>第 </a:t>
             </a:r>
             <a:r>
-              <a:rPr kumimoji="1" lang="en-US" altLang="ja-JP"/>
+              <a:rPr lang="en-US" altLang="ja-JP"/>
               <a:t>4 </a:t>
             </a:r>
             <a:r>
-              <a:rPr kumimoji="1" lang="ja-JP" altLang="en-US"/>
+              <a:rPr lang="ja-JP" altLang="en-US"/>
               <a:t>レベル</a:t>
             </a:r>
           </a:p>
           <a:p>
             <a:pPr lvl="4"/>
             <a:r>
-              <a:rPr kumimoji="1" lang="ja-JP" altLang="en-US"/>
+              <a:rPr lang="ja-JP" altLang="en-US"/>
               <a:t>第 </a:t>
             </a:r>
             <a:r>
-              <a:rPr kumimoji="1" lang="en-US" altLang="ja-JP"/>
+              <a:rPr lang="en-US" altLang="ja-JP"/>
               <a:t>5 </a:t>
             </a:r>
             <a:r>
-              <a:rPr kumimoji="1" lang="ja-JP" altLang="en-US"/>
+              <a:rPr lang="ja-JP" altLang="en-US"/>
               <a:t>レベル</a:t>
             </a:r>
-          </a:p>
-        </p:txBody>
-      </p:sp>
-      <p:sp>
-        <p:nvSpPr>
-          <p:cNvPr id="7" name="日付プレースホルダー 6">
-            <a:extLst>
-              <a:ext uri="{FF2B5EF4-FFF2-40B4-BE49-F238E27FC236}">
-                <a16:creationId xmlns:a16="http://schemas.microsoft.com/office/drawing/2014/main" id="{66134333-3079-9082-4F2A-36D9C05FFB1E}"/>
-              </a:ext>
-            </a:extLst>
-          </p:cNvPr>
+            <a:endParaRPr lang="en-US" dirty="0"/>
+          </a:p>
+        </p:txBody>
+      </p:sp>
+      <p:sp>
+        <p:nvSpPr>
+          <p:cNvPr id="7" name="Date Placeholder 6"/>
           <p:cNvSpPr>
             <a:spLocks noGrp="1"/>
           </p:cNvSpPr>
@@ -2040,7 +2198,7 @@
           <a:p>
             <a:fld id="{C7A90A07-83FF-4437-A751-8C4BD7FD35BF}" type="datetimeFigureOut">
               <a:rPr kumimoji="1" lang="ja-JP" altLang="en-US" smtClean="0"/>
-              <a:t>2023/11/13</a:t>
+              <a:t>2023/11/20</a:t>
             </a:fld>
             <a:endParaRPr kumimoji="1" lang="ja-JP" altLang="en-US"/>
           </a:p>
@@ -2048,13 +2206,7 @@
       </p:sp>
       <p:sp>
         <p:nvSpPr>
-          <p:cNvPr id="8" name="フッター プレースホルダー 7">
-            <a:extLst>
-              <a:ext uri="{FF2B5EF4-FFF2-40B4-BE49-F238E27FC236}">
-                <a16:creationId xmlns:a16="http://schemas.microsoft.com/office/drawing/2014/main" id="{08FFDFE5-50E7-0139-7932-06FD2C54DC8A}"/>
-              </a:ext>
-            </a:extLst>
-          </p:cNvPr>
+          <p:cNvPr id="8" name="Footer Placeholder 7"/>
           <p:cNvSpPr>
             <a:spLocks noGrp="1"/>
           </p:cNvSpPr>
@@ -2073,13 +2225,7 @@
       </p:sp>
       <p:sp>
         <p:nvSpPr>
-          <p:cNvPr id="9" name="スライド番号プレースホルダー 8">
-            <a:extLst>
-              <a:ext uri="{FF2B5EF4-FFF2-40B4-BE49-F238E27FC236}">
-                <a16:creationId xmlns:a16="http://schemas.microsoft.com/office/drawing/2014/main" id="{2D09726B-6343-197F-8074-48A2679EB88F}"/>
-              </a:ext>
-            </a:extLst>
-          </p:cNvPr>
+          <p:cNvPr id="9" name="Slide Number Placeholder 8"/>
           <p:cNvSpPr>
             <a:spLocks noGrp="1"/>
           </p:cNvSpPr>
@@ -2103,7 +2249,7 @@
     </p:spTree>
     <p:extLst>
       <p:ext uri="{BB962C8B-B14F-4D97-AF65-F5344CB8AC3E}">
-        <p14:creationId xmlns:p14="http://schemas.microsoft.com/office/powerpoint/2010/main" val="1287533054"/>
+        <p14:creationId xmlns:p14="http://schemas.microsoft.com/office/powerpoint/2010/main" val="2932623809"/>
       </p:ext>
     </p:extLst>
   </p:cSld>
@@ -2132,13 +2278,7 @@
       </p:grpSpPr>
       <p:sp>
         <p:nvSpPr>
-          <p:cNvPr id="2" name="タイトル 1">
-            <a:extLst>
-              <a:ext uri="{FF2B5EF4-FFF2-40B4-BE49-F238E27FC236}">
-                <a16:creationId xmlns:a16="http://schemas.microsoft.com/office/drawing/2014/main" id="{9EB6DB98-ACC0-237C-15C4-A57C4D115811}"/>
-              </a:ext>
-            </a:extLst>
-          </p:cNvPr>
+          <p:cNvPr id="2" name="Title 1"/>
           <p:cNvSpPr>
             <a:spLocks noGrp="1"/>
           </p:cNvSpPr>
@@ -2152,21 +2292,16 @@
           <a:lstStyle/>
           <a:p>
             <a:r>
-              <a:rPr kumimoji="1" lang="ja-JP" altLang="en-US"/>
+              <a:rPr lang="ja-JP" altLang="en-US"/>
               <a:t>マスター タイトルの書式設定</a:t>
             </a:r>
-          </a:p>
-        </p:txBody>
-      </p:sp>
-      <p:sp>
-        <p:nvSpPr>
-          <p:cNvPr id="3" name="日付プレースホルダー 2">
-            <a:extLst>
-              <a:ext uri="{FF2B5EF4-FFF2-40B4-BE49-F238E27FC236}">
-                <a16:creationId xmlns:a16="http://schemas.microsoft.com/office/drawing/2014/main" id="{59EEDB21-4E32-E395-40A1-0FBD8ABE0729}"/>
-              </a:ext>
-            </a:extLst>
-          </p:cNvPr>
+            <a:endParaRPr lang="en-US" dirty="0"/>
+          </a:p>
+        </p:txBody>
+      </p:sp>
+      <p:sp>
+        <p:nvSpPr>
+          <p:cNvPr id="3" name="Date Placeholder 2"/>
           <p:cNvSpPr>
             <a:spLocks noGrp="1"/>
           </p:cNvSpPr>
@@ -2181,7 +2316,7 @@
           <a:p>
             <a:fld id="{C7A90A07-83FF-4437-A751-8C4BD7FD35BF}" type="datetimeFigureOut">
               <a:rPr kumimoji="1" lang="ja-JP" altLang="en-US" smtClean="0"/>
-              <a:t>2023/11/13</a:t>
+              <a:t>2023/11/20</a:t>
             </a:fld>
             <a:endParaRPr kumimoji="1" lang="ja-JP" altLang="en-US"/>
           </a:p>
@@ -2189,13 +2324,7 @@
       </p:sp>
       <p:sp>
         <p:nvSpPr>
-          <p:cNvPr id="4" name="フッター プレースホルダー 3">
-            <a:extLst>
-              <a:ext uri="{FF2B5EF4-FFF2-40B4-BE49-F238E27FC236}">
-                <a16:creationId xmlns:a16="http://schemas.microsoft.com/office/drawing/2014/main" id="{2EB11CFB-4722-1A50-1F9E-F16E8E9CB7E4}"/>
-              </a:ext>
-            </a:extLst>
-          </p:cNvPr>
+          <p:cNvPr id="4" name="Footer Placeholder 3"/>
           <p:cNvSpPr>
             <a:spLocks noGrp="1"/>
           </p:cNvSpPr>
@@ -2214,13 +2343,7 @@
       </p:sp>
       <p:sp>
         <p:nvSpPr>
-          <p:cNvPr id="5" name="スライド番号プレースホルダー 4">
-            <a:extLst>
-              <a:ext uri="{FF2B5EF4-FFF2-40B4-BE49-F238E27FC236}">
-                <a16:creationId xmlns:a16="http://schemas.microsoft.com/office/drawing/2014/main" id="{B201D2DA-E9BF-B762-AEE8-278332CE5378}"/>
-              </a:ext>
-            </a:extLst>
-          </p:cNvPr>
+          <p:cNvPr id="5" name="Slide Number Placeholder 4"/>
           <p:cNvSpPr>
             <a:spLocks noGrp="1"/>
           </p:cNvSpPr>
@@ -2244,7 +2367,7 @@
     </p:spTree>
     <p:extLst>
       <p:ext uri="{BB962C8B-B14F-4D97-AF65-F5344CB8AC3E}">
-        <p14:creationId xmlns:p14="http://schemas.microsoft.com/office/powerpoint/2010/main" val="738525562"/>
+        <p14:creationId xmlns:p14="http://schemas.microsoft.com/office/powerpoint/2010/main" val="376883074"/>
       </p:ext>
     </p:extLst>
   </p:cSld>
@@ -2255,7 +2378,7 @@
 </file>
 
 <file path=ppt/slideLayouts/slideLayout7.xml><?xml version="1.0" encoding="utf-8"?>
-<p:sldLayout xmlns:a="http://schemas.openxmlformats.org/drawingml/2006/main" xmlns:r="http://schemas.openxmlformats.org/officeDocument/2006/relationships" xmlns:p="http://schemas.openxmlformats.org/presentationml/2006/main" type="blank" preserve="1">
+<p:sldLayout xmlns:a="http://schemas.openxmlformats.org/drawingml/2006/main" xmlns:r="http://schemas.openxmlformats.org/officeDocument/2006/relationships" xmlns:p="http://schemas.openxmlformats.org/presentationml/2006/main" showMasterSp="0" type="blank" preserve="1">
   <p:cSld name="白紙">
     <p:spTree>
       <p:nvGrpSpPr>
@@ -2273,13 +2396,83 @@
       </p:grpSpPr>
       <p:sp>
         <p:nvSpPr>
-          <p:cNvPr id="2" name="日付プレースホルダー 1">
-            <a:extLst>
-              <a:ext uri="{FF2B5EF4-FFF2-40B4-BE49-F238E27FC236}">
-                <a16:creationId xmlns:a16="http://schemas.microsoft.com/office/drawing/2014/main" id="{49517382-A9E9-4136-0A80-126DD4E2999D}"/>
-              </a:ext>
-            </a:extLst>
-          </p:cNvPr>
+          <p:cNvPr id="5" name="Rectangle 4"/>
+          <p:cNvSpPr/>
+          <p:nvPr/>
+        </p:nvSpPr>
+        <p:spPr>
+          <a:xfrm>
+            <a:off x="3175" y="6400800"/>
+            <a:ext cx="12188825" cy="457200"/>
+          </a:xfrm>
+          <a:prstGeom prst="rect">
+            <a:avLst/>
+          </a:prstGeom>
+          <a:solidFill>
+            <a:schemeClr val="accent2"/>
+          </a:solidFill>
+          <a:ln>
+            <a:noFill/>
+          </a:ln>
+        </p:spPr>
+        <p:style>
+          <a:lnRef idx="2">
+            <a:schemeClr val="accent1">
+              <a:shade val="50000"/>
+            </a:schemeClr>
+          </a:lnRef>
+          <a:fillRef idx="1">
+            <a:schemeClr val="accent1"/>
+          </a:fillRef>
+          <a:effectRef idx="0">
+            <a:schemeClr val="accent1"/>
+          </a:effectRef>
+          <a:fontRef idx="minor">
+            <a:schemeClr val="lt1"/>
+          </a:fontRef>
+        </p:style>
+      </p:sp>
+      <p:sp>
+        <p:nvSpPr>
+          <p:cNvPr id="6" name="Rectangle 5"/>
+          <p:cNvSpPr/>
+          <p:nvPr/>
+        </p:nvSpPr>
+        <p:spPr>
+          <a:xfrm>
+            <a:off x="15" y="6334316"/>
+            <a:ext cx="12188825" cy="64008"/>
+          </a:xfrm>
+          <a:prstGeom prst="rect">
+            <a:avLst/>
+          </a:prstGeom>
+          <a:solidFill>
+            <a:schemeClr val="accent1"/>
+          </a:solidFill>
+          <a:ln>
+            <a:noFill/>
+          </a:ln>
+        </p:spPr>
+        <p:style>
+          <a:lnRef idx="2">
+            <a:schemeClr val="accent1">
+              <a:shade val="50000"/>
+            </a:schemeClr>
+          </a:lnRef>
+          <a:fillRef idx="1">
+            <a:schemeClr val="accent1"/>
+          </a:fillRef>
+          <a:effectRef idx="0">
+            <a:schemeClr val="accent1"/>
+          </a:effectRef>
+          <a:fontRef idx="minor">
+            <a:schemeClr val="lt1"/>
+          </a:fontRef>
+        </p:style>
+      </p:sp>
+      <p:sp>
+        <p:nvSpPr>
+          <p:cNvPr id="7" name="Date Placeholder 6"/>
           <p:cNvSpPr>
             <a:spLocks noGrp="1"/>
           </p:cNvSpPr>
@@ -2294,7 +2487,7 @@
           <a:p>
             <a:fld id="{C7A90A07-83FF-4437-A751-8C4BD7FD35BF}" type="datetimeFigureOut">
               <a:rPr kumimoji="1" lang="ja-JP" altLang="en-US" smtClean="0"/>
-              <a:t>2023/11/13</a:t>
+              <a:t>2023/11/20</a:t>
             </a:fld>
             <a:endParaRPr kumimoji="1" lang="ja-JP" altLang="en-US"/>
           </a:p>
@@ -2302,13 +2495,7 @@
       </p:sp>
       <p:sp>
         <p:nvSpPr>
-          <p:cNvPr id="3" name="フッター プレースホルダー 2">
-            <a:extLst>
-              <a:ext uri="{FF2B5EF4-FFF2-40B4-BE49-F238E27FC236}">
-                <a16:creationId xmlns:a16="http://schemas.microsoft.com/office/drawing/2014/main" id="{57AA5588-3CB4-D440-7B6E-9F112A8BB2CC}"/>
-              </a:ext>
-            </a:extLst>
-          </p:cNvPr>
+          <p:cNvPr id="8" name="Footer Placeholder 7"/>
           <p:cNvSpPr>
             <a:spLocks noGrp="1"/>
           </p:cNvSpPr>
@@ -2319,7 +2506,15 @@
         <p:spPr/>
         <p:txBody>
           <a:bodyPr/>
-          <a:lstStyle/>
+          <a:lstStyle>
+            <a:lvl1pPr>
+              <a:defRPr>
+                <a:solidFill>
+                  <a:srgbClr val="FFFFFF"/>
+                </a:solidFill>
+              </a:defRPr>
+            </a:lvl1pPr>
+          </a:lstStyle>
           <a:p>
             <a:endParaRPr kumimoji="1" lang="ja-JP" altLang="en-US"/>
           </a:p>
@@ -2327,13 +2522,7 @@
       </p:sp>
       <p:sp>
         <p:nvSpPr>
-          <p:cNvPr id="4" name="スライド番号プレースホルダー 3">
-            <a:extLst>
-              <a:ext uri="{FF2B5EF4-FFF2-40B4-BE49-F238E27FC236}">
-                <a16:creationId xmlns:a16="http://schemas.microsoft.com/office/drawing/2014/main" id="{D11ED9F9-38F3-B863-1B3E-EA8C91B9014A}"/>
-              </a:ext>
-            </a:extLst>
-          </p:cNvPr>
+          <p:cNvPr id="9" name="Slide Number Placeholder 8"/>
           <p:cNvSpPr>
             <a:spLocks noGrp="1"/>
           </p:cNvSpPr>
@@ -2357,7 +2546,7 @@
     </p:spTree>
     <p:extLst>
       <p:ext uri="{BB962C8B-B14F-4D97-AF65-F5344CB8AC3E}">
-        <p14:creationId xmlns:p14="http://schemas.microsoft.com/office/powerpoint/2010/main" val="1301141670"/>
+        <p14:creationId xmlns:p14="http://schemas.microsoft.com/office/powerpoint/2010/main" val="2318090873"/>
       </p:ext>
     </p:extLst>
   </p:cSld>
@@ -2368,7 +2557,7 @@
 </file>
 
 <file path=ppt/slideLayouts/slideLayout8.xml><?xml version="1.0" encoding="utf-8"?>
-<p:sldLayout xmlns:a="http://schemas.openxmlformats.org/drawingml/2006/main" xmlns:r="http://schemas.openxmlformats.org/officeDocument/2006/relationships" xmlns:p="http://schemas.openxmlformats.org/presentationml/2006/main" type="objTx" preserve="1">
+<p:sldLayout xmlns:a="http://schemas.openxmlformats.org/drawingml/2006/main" xmlns:r="http://schemas.openxmlformats.org/officeDocument/2006/relationships" xmlns:p="http://schemas.openxmlformats.org/presentationml/2006/main" showMasterSp="0" type="objTx" preserve="1">
   <p:cSld name="タイトル付きのコンテンツ">
     <p:spTree>
       <p:nvGrpSpPr>
@@ -2386,13 +2575,83 @@
       </p:grpSpPr>
       <p:sp>
         <p:nvSpPr>
-          <p:cNvPr id="2" name="タイトル 1">
-            <a:extLst>
-              <a:ext uri="{FF2B5EF4-FFF2-40B4-BE49-F238E27FC236}">
-                <a16:creationId xmlns:a16="http://schemas.microsoft.com/office/drawing/2014/main" id="{D2E542C9-A61D-0B69-B75D-E6C727295C53}"/>
-              </a:ext>
-            </a:extLst>
-          </p:cNvPr>
+          <p:cNvPr id="8" name="Rectangle 7"/>
+          <p:cNvSpPr/>
+          <p:nvPr/>
+        </p:nvSpPr>
+        <p:spPr>
+          <a:xfrm>
+            <a:off x="16" y="0"/>
+            <a:ext cx="4050791" cy="6858000"/>
+          </a:xfrm>
+          <a:prstGeom prst="rect">
+            <a:avLst/>
+          </a:prstGeom>
+          <a:solidFill>
+            <a:schemeClr val="accent2"/>
+          </a:solidFill>
+          <a:ln>
+            <a:noFill/>
+          </a:ln>
+        </p:spPr>
+        <p:style>
+          <a:lnRef idx="2">
+            <a:schemeClr val="accent1">
+              <a:shade val="50000"/>
+            </a:schemeClr>
+          </a:lnRef>
+          <a:fillRef idx="1">
+            <a:schemeClr val="accent1"/>
+          </a:fillRef>
+          <a:effectRef idx="0">
+            <a:schemeClr val="accent1"/>
+          </a:effectRef>
+          <a:fontRef idx="minor">
+            <a:schemeClr val="lt1"/>
+          </a:fontRef>
+        </p:style>
+      </p:sp>
+      <p:sp>
+        <p:nvSpPr>
+          <p:cNvPr id="9" name="Rectangle 8"/>
+          <p:cNvSpPr/>
+          <p:nvPr/>
+        </p:nvSpPr>
+        <p:spPr>
+          <a:xfrm>
+            <a:off x="4040071" y="0"/>
+            <a:ext cx="64008" cy="6858000"/>
+          </a:xfrm>
+          <a:prstGeom prst="rect">
+            <a:avLst/>
+          </a:prstGeom>
+          <a:solidFill>
+            <a:schemeClr val="accent1"/>
+          </a:solidFill>
+          <a:ln>
+            <a:noFill/>
+          </a:ln>
+        </p:spPr>
+        <p:style>
+          <a:lnRef idx="2">
+            <a:schemeClr val="accent1">
+              <a:shade val="50000"/>
+            </a:schemeClr>
+          </a:lnRef>
+          <a:fillRef idx="1">
+            <a:schemeClr val="accent1"/>
+          </a:fillRef>
+          <a:effectRef idx="0">
+            <a:schemeClr val="accent1"/>
+          </a:effectRef>
+          <a:fontRef idx="minor">
+            <a:schemeClr val="lt1"/>
+          </a:fontRef>
+        </p:style>
+      </p:sp>
+      <p:sp>
+        <p:nvSpPr>
+          <p:cNvPr id="2" name="Title 1"/>
           <p:cNvSpPr>
             <a:spLocks noGrp="1"/>
           </p:cNvSpPr>
@@ -2402,34 +2661,35 @@
         </p:nvSpPr>
         <p:spPr>
           <a:xfrm>
-            <a:off x="839788" y="457200"/>
-            <a:ext cx="3932237" cy="1600200"/>
-          </a:xfrm>
-        </p:spPr>
-        <p:txBody>
-          <a:bodyPr anchor="b"/>
+            <a:off x="457200" y="594359"/>
+            <a:ext cx="3200400" cy="2286000"/>
+          </a:xfrm>
+        </p:spPr>
+        <p:txBody>
+          <a:bodyPr anchor="b">
+            <a:normAutofit/>
+          </a:bodyPr>
           <a:lstStyle>
             <a:lvl1pPr>
-              <a:defRPr sz="3200"/>
+              <a:defRPr sz="3600" b="0">
+                <a:solidFill>
+                  <a:srgbClr val="FFFFFF"/>
+                </a:solidFill>
+              </a:defRPr>
             </a:lvl1pPr>
           </a:lstStyle>
           <a:p>
             <a:r>
-              <a:rPr kumimoji="1" lang="ja-JP" altLang="en-US"/>
+              <a:rPr lang="ja-JP" altLang="en-US"/>
               <a:t>マスター タイトルの書式設定</a:t>
             </a:r>
-          </a:p>
-        </p:txBody>
-      </p:sp>
-      <p:sp>
-        <p:nvSpPr>
-          <p:cNvPr id="3" name="コンテンツ プレースホルダー 2">
-            <a:extLst>
-              <a:ext uri="{FF2B5EF4-FFF2-40B4-BE49-F238E27FC236}">
-                <a16:creationId xmlns:a16="http://schemas.microsoft.com/office/drawing/2014/main" id="{152305B7-CEEE-3BBC-F6A0-0DA58AC8CA21}"/>
-              </a:ext>
-            </a:extLst>
-          </p:cNvPr>
+            <a:endParaRPr lang="en-US" dirty="0"/>
+          </a:p>
+        </p:txBody>
+      </p:sp>
+      <p:sp>
+        <p:nvSpPr>
+          <p:cNvPr id="3" name="Content Placeholder 2"/>
           <p:cNvSpPr>
             <a:spLocks noGrp="1"/>
           </p:cNvSpPr>
@@ -2439,255 +2699,240 @@
         </p:nvSpPr>
         <p:spPr>
           <a:xfrm>
-            <a:off x="5183188" y="987425"/>
-            <a:ext cx="6172200" cy="4873625"/>
-          </a:xfrm>
-        </p:spPr>
+            <a:off x="4800600" y="731520"/>
+            <a:ext cx="6492240" cy="5257800"/>
+          </a:xfrm>
+        </p:spPr>
+        <p:txBody>
+          <a:bodyPr/>
+          <a:lstStyle/>
+          <a:p>
+            <a:pPr lvl="0"/>
+            <a:r>
+              <a:rPr lang="ja-JP" altLang="en-US"/>
+              <a:t>マスター テキストの書式設定</a:t>
+            </a:r>
+          </a:p>
+          <a:p>
+            <a:pPr lvl="1"/>
+            <a:r>
+              <a:rPr lang="ja-JP" altLang="en-US"/>
+              <a:t>第 </a:t>
+            </a:r>
+            <a:r>
+              <a:rPr lang="en-US" altLang="ja-JP"/>
+              <a:t>2 </a:t>
+            </a:r>
+            <a:r>
+              <a:rPr lang="ja-JP" altLang="en-US"/>
+              <a:t>レベル</a:t>
+            </a:r>
+          </a:p>
+          <a:p>
+            <a:pPr lvl="2"/>
+            <a:r>
+              <a:rPr lang="ja-JP" altLang="en-US"/>
+              <a:t>第 </a:t>
+            </a:r>
+            <a:r>
+              <a:rPr lang="en-US" altLang="ja-JP"/>
+              <a:t>3 </a:t>
+            </a:r>
+            <a:r>
+              <a:rPr lang="ja-JP" altLang="en-US"/>
+              <a:t>レベル</a:t>
+            </a:r>
+          </a:p>
+          <a:p>
+            <a:pPr lvl="3"/>
+            <a:r>
+              <a:rPr lang="ja-JP" altLang="en-US"/>
+              <a:t>第 </a:t>
+            </a:r>
+            <a:r>
+              <a:rPr lang="en-US" altLang="ja-JP"/>
+              <a:t>4 </a:t>
+            </a:r>
+            <a:r>
+              <a:rPr lang="ja-JP" altLang="en-US"/>
+              <a:t>レベル</a:t>
+            </a:r>
+          </a:p>
+          <a:p>
+            <a:pPr lvl="4"/>
+            <a:r>
+              <a:rPr lang="ja-JP" altLang="en-US"/>
+              <a:t>第 </a:t>
+            </a:r>
+            <a:r>
+              <a:rPr lang="en-US" altLang="ja-JP"/>
+              <a:t>5 </a:t>
+            </a:r>
+            <a:r>
+              <a:rPr lang="ja-JP" altLang="en-US"/>
+              <a:t>レベル</a:t>
+            </a:r>
+            <a:endParaRPr lang="en-US" dirty="0"/>
+          </a:p>
+        </p:txBody>
+      </p:sp>
+      <p:sp>
+        <p:nvSpPr>
+          <p:cNvPr id="4" name="Text Placeholder 3"/>
+          <p:cNvSpPr>
+            <a:spLocks noGrp="1"/>
+          </p:cNvSpPr>
+          <p:nvPr>
+            <p:ph type="body" sz="half" idx="2"/>
+          </p:nvPr>
+        </p:nvSpPr>
+        <p:spPr>
+          <a:xfrm>
+            <a:off x="457200" y="2926080"/>
+            <a:ext cx="3200400" cy="3379124"/>
+          </a:xfrm>
+        </p:spPr>
+        <p:txBody>
+          <a:bodyPr lIns="91440" rIns="91440">
+            <a:normAutofit/>
+          </a:bodyPr>
+          <a:lstStyle>
+            <a:lvl1pPr marL="0" indent="0">
+              <a:buNone/>
+              <a:defRPr sz="1500">
+                <a:solidFill>
+                  <a:srgbClr val="FFFFFF"/>
+                </a:solidFill>
+              </a:defRPr>
+            </a:lvl1pPr>
+            <a:lvl2pPr marL="457200" indent="0">
+              <a:buNone/>
+              <a:defRPr sz="1200"/>
+            </a:lvl2pPr>
+            <a:lvl3pPr marL="914400" indent="0">
+              <a:buNone/>
+              <a:defRPr sz="1000"/>
+            </a:lvl3pPr>
+            <a:lvl4pPr marL="1371600" indent="0">
+              <a:buNone/>
+              <a:defRPr sz="900"/>
+            </a:lvl4pPr>
+            <a:lvl5pPr marL="1828800" indent="0">
+              <a:buNone/>
+              <a:defRPr sz="900"/>
+            </a:lvl5pPr>
+            <a:lvl6pPr marL="2286000" indent="0">
+              <a:buNone/>
+              <a:defRPr sz="900"/>
+            </a:lvl6pPr>
+            <a:lvl7pPr marL="2743200" indent="0">
+              <a:buNone/>
+              <a:defRPr sz="900"/>
+            </a:lvl7pPr>
+            <a:lvl8pPr marL="3200400" indent="0">
+              <a:buNone/>
+              <a:defRPr sz="900"/>
+            </a:lvl8pPr>
+            <a:lvl9pPr marL="3657600" indent="0">
+              <a:buNone/>
+              <a:defRPr sz="900"/>
+            </a:lvl9pPr>
+          </a:lstStyle>
+          <a:p>
+            <a:pPr lvl="0"/>
+            <a:r>
+              <a:rPr lang="ja-JP" altLang="en-US"/>
+              <a:t>マスター テキストの書式設定</a:t>
+            </a:r>
+          </a:p>
+        </p:txBody>
+      </p:sp>
+      <p:sp>
+        <p:nvSpPr>
+          <p:cNvPr id="5" name="Date Placeholder 4"/>
+          <p:cNvSpPr>
+            <a:spLocks noGrp="1"/>
+          </p:cNvSpPr>
+          <p:nvPr>
+            <p:ph type="dt" sz="half" idx="10"/>
+          </p:nvPr>
+        </p:nvSpPr>
+        <p:spPr>
+          <a:xfrm>
+            <a:off x="465512" y="6459785"/>
+            <a:ext cx="2618510" cy="365125"/>
+          </a:xfrm>
+        </p:spPr>
+        <p:txBody>
+          <a:bodyPr/>
+          <a:lstStyle>
+            <a:lvl1pPr algn="l">
+              <a:defRPr/>
+            </a:lvl1pPr>
+          </a:lstStyle>
+          <a:p>
+            <a:fld id="{C7A90A07-83FF-4437-A751-8C4BD7FD35BF}" type="datetimeFigureOut">
+              <a:rPr kumimoji="1" lang="ja-JP" altLang="en-US" smtClean="0"/>
+              <a:t>2023/11/20</a:t>
+            </a:fld>
+            <a:endParaRPr kumimoji="1" lang="ja-JP" altLang="en-US"/>
+          </a:p>
+        </p:txBody>
+      </p:sp>
+      <p:sp>
+        <p:nvSpPr>
+          <p:cNvPr id="6" name="Footer Placeholder 5"/>
+          <p:cNvSpPr>
+            <a:spLocks noGrp="1"/>
+          </p:cNvSpPr>
+          <p:nvPr>
+            <p:ph type="ftr" sz="quarter" idx="11"/>
+          </p:nvPr>
+        </p:nvSpPr>
+        <p:spPr>
+          <a:xfrm>
+            <a:off x="4800600" y="6459785"/>
+            <a:ext cx="4648200" cy="365125"/>
+          </a:xfrm>
+        </p:spPr>
+        <p:txBody>
+          <a:bodyPr/>
+          <a:lstStyle>
+            <a:lvl1pPr algn="l">
+              <a:defRPr>
+                <a:solidFill>
+                  <a:schemeClr val="tx2"/>
+                </a:solidFill>
+              </a:defRPr>
+            </a:lvl1pPr>
+          </a:lstStyle>
+          <a:p>
+            <a:endParaRPr kumimoji="1" lang="ja-JP" altLang="en-US"/>
+          </a:p>
+        </p:txBody>
+      </p:sp>
+      <p:sp>
+        <p:nvSpPr>
+          <p:cNvPr id="7" name="Slide Number Placeholder 6"/>
+          <p:cNvSpPr>
+            <a:spLocks noGrp="1"/>
+          </p:cNvSpPr>
+          <p:nvPr>
+            <p:ph type="sldNum" sz="quarter" idx="12"/>
+          </p:nvPr>
+        </p:nvSpPr>
+        <p:spPr/>
         <p:txBody>
           <a:bodyPr/>
           <a:lstStyle>
             <a:lvl1pPr>
-              <a:defRPr sz="3200"/>
+              <a:defRPr>
+                <a:solidFill>
+                  <a:schemeClr val="tx2"/>
+                </a:solidFill>
+              </a:defRPr>
             </a:lvl1pPr>
-            <a:lvl2pPr>
-              <a:defRPr sz="2800"/>
-            </a:lvl2pPr>
-            <a:lvl3pPr>
-              <a:defRPr sz="2400"/>
-            </a:lvl3pPr>
-            <a:lvl4pPr>
-              <a:defRPr sz="2000"/>
-            </a:lvl4pPr>
-            <a:lvl5pPr>
-              <a:defRPr sz="2000"/>
-            </a:lvl5pPr>
-            <a:lvl6pPr>
-              <a:defRPr sz="2000"/>
-            </a:lvl6pPr>
-            <a:lvl7pPr>
-              <a:defRPr sz="2000"/>
-            </a:lvl7pPr>
-            <a:lvl8pPr>
-              <a:defRPr sz="2000"/>
-            </a:lvl8pPr>
-            <a:lvl9pPr>
-              <a:defRPr sz="2000"/>
-            </a:lvl9pPr>
           </a:lstStyle>
-          <a:p>
-            <a:pPr lvl="0"/>
-            <a:r>
-              <a:rPr kumimoji="1" lang="ja-JP" altLang="en-US"/>
-              <a:t>マスター テキストの書式設定</a:t>
-            </a:r>
-          </a:p>
-          <a:p>
-            <a:pPr lvl="1"/>
-            <a:r>
-              <a:rPr kumimoji="1" lang="ja-JP" altLang="en-US"/>
-              <a:t>第 </a:t>
-            </a:r>
-            <a:r>
-              <a:rPr kumimoji="1" lang="en-US" altLang="ja-JP"/>
-              <a:t>2 </a:t>
-            </a:r>
-            <a:r>
-              <a:rPr kumimoji="1" lang="ja-JP" altLang="en-US"/>
-              <a:t>レベル</a:t>
-            </a:r>
-          </a:p>
-          <a:p>
-            <a:pPr lvl="2"/>
-            <a:r>
-              <a:rPr kumimoji="1" lang="ja-JP" altLang="en-US"/>
-              <a:t>第 </a:t>
-            </a:r>
-            <a:r>
-              <a:rPr kumimoji="1" lang="en-US" altLang="ja-JP"/>
-              <a:t>3 </a:t>
-            </a:r>
-            <a:r>
-              <a:rPr kumimoji="1" lang="ja-JP" altLang="en-US"/>
-              <a:t>レベル</a:t>
-            </a:r>
-          </a:p>
-          <a:p>
-            <a:pPr lvl="3"/>
-            <a:r>
-              <a:rPr kumimoji="1" lang="ja-JP" altLang="en-US"/>
-              <a:t>第 </a:t>
-            </a:r>
-            <a:r>
-              <a:rPr kumimoji="1" lang="en-US" altLang="ja-JP"/>
-              <a:t>4 </a:t>
-            </a:r>
-            <a:r>
-              <a:rPr kumimoji="1" lang="ja-JP" altLang="en-US"/>
-              <a:t>レベル</a:t>
-            </a:r>
-          </a:p>
-          <a:p>
-            <a:pPr lvl="4"/>
-            <a:r>
-              <a:rPr kumimoji="1" lang="ja-JP" altLang="en-US"/>
-              <a:t>第 </a:t>
-            </a:r>
-            <a:r>
-              <a:rPr kumimoji="1" lang="en-US" altLang="ja-JP"/>
-              <a:t>5 </a:t>
-            </a:r>
-            <a:r>
-              <a:rPr kumimoji="1" lang="ja-JP" altLang="en-US"/>
-              <a:t>レベル</a:t>
-            </a:r>
-          </a:p>
-        </p:txBody>
-      </p:sp>
-      <p:sp>
-        <p:nvSpPr>
-          <p:cNvPr id="4" name="テキスト プレースホルダー 3">
-            <a:extLst>
-              <a:ext uri="{FF2B5EF4-FFF2-40B4-BE49-F238E27FC236}">
-                <a16:creationId xmlns:a16="http://schemas.microsoft.com/office/drawing/2014/main" id="{5BBF8897-76A4-D682-84E6-4A32B2404E93}"/>
-              </a:ext>
-            </a:extLst>
-          </p:cNvPr>
-          <p:cNvSpPr>
-            <a:spLocks noGrp="1"/>
-          </p:cNvSpPr>
-          <p:nvPr>
-            <p:ph type="body" sz="half" idx="2"/>
-          </p:nvPr>
-        </p:nvSpPr>
-        <p:spPr>
-          <a:xfrm>
-            <a:off x="839788" y="2057400"/>
-            <a:ext cx="3932237" cy="3811588"/>
-          </a:xfrm>
-        </p:spPr>
-        <p:txBody>
-          <a:bodyPr/>
-          <a:lstStyle>
-            <a:lvl1pPr marL="0" indent="0">
-              <a:buNone/>
-              <a:defRPr sz="1600"/>
-            </a:lvl1pPr>
-            <a:lvl2pPr marL="457200" indent="0">
-              <a:buNone/>
-              <a:defRPr sz="1400"/>
-            </a:lvl2pPr>
-            <a:lvl3pPr marL="914400" indent="0">
-              <a:buNone/>
-              <a:defRPr sz="1200"/>
-            </a:lvl3pPr>
-            <a:lvl4pPr marL="1371600" indent="0">
-              <a:buNone/>
-              <a:defRPr sz="1000"/>
-            </a:lvl4pPr>
-            <a:lvl5pPr marL="1828800" indent="0">
-              <a:buNone/>
-              <a:defRPr sz="1000"/>
-            </a:lvl5pPr>
-            <a:lvl6pPr marL="2286000" indent="0">
-              <a:buNone/>
-              <a:defRPr sz="1000"/>
-            </a:lvl6pPr>
-            <a:lvl7pPr marL="2743200" indent="0">
-              <a:buNone/>
-              <a:defRPr sz="1000"/>
-            </a:lvl7pPr>
-            <a:lvl8pPr marL="3200400" indent="0">
-              <a:buNone/>
-              <a:defRPr sz="1000"/>
-            </a:lvl8pPr>
-            <a:lvl9pPr marL="3657600" indent="0">
-              <a:buNone/>
-              <a:defRPr sz="1000"/>
-            </a:lvl9pPr>
-          </a:lstStyle>
-          <a:p>
-            <a:pPr lvl="0"/>
-            <a:r>
-              <a:rPr kumimoji="1" lang="ja-JP" altLang="en-US"/>
-              <a:t>マスター テキストの書式設定</a:t>
-            </a:r>
-          </a:p>
-        </p:txBody>
-      </p:sp>
-      <p:sp>
-        <p:nvSpPr>
-          <p:cNvPr id="5" name="日付プレースホルダー 4">
-            <a:extLst>
-              <a:ext uri="{FF2B5EF4-FFF2-40B4-BE49-F238E27FC236}">
-                <a16:creationId xmlns:a16="http://schemas.microsoft.com/office/drawing/2014/main" id="{7139801E-F4DE-356D-618E-033DBFFFB375}"/>
-              </a:ext>
-            </a:extLst>
-          </p:cNvPr>
-          <p:cNvSpPr>
-            <a:spLocks noGrp="1"/>
-          </p:cNvSpPr>
-          <p:nvPr>
-            <p:ph type="dt" sz="half" idx="10"/>
-          </p:nvPr>
-        </p:nvSpPr>
-        <p:spPr/>
-        <p:txBody>
-          <a:bodyPr/>
-          <a:lstStyle/>
-          <a:p>
-            <a:fld id="{C7A90A07-83FF-4437-A751-8C4BD7FD35BF}" type="datetimeFigureOut">
-              <a:rPr kumimoji="1" lang="ja-JP" altLang="en-US" smtClean="0"/>
-              <a:t>2023/11/13</a:t>
-            </a:fld>
-            <a:endParaRPr kumimoji="1" lang="ja-JP" altLang="en-US"/>
-          </a:p>
-        </p:txBody>
-      </p:sp>
-      <p:sp>
-        <p:nvSpPr>
-          <p:cNvPr id="6" name="フッター プレースホルダー 5">
-            <a:extLst>
-              <a:ext uri="{FF2B5EF4-FFF2-40B4-BE49-F238E27FC236}">
-                <a16:creationId xmlns:a16="http://schemas.microsoft.com/office/drawing/2014/main" id="{54FDB510-FCAA-B2CD-A89B-1D8114223102}"/>
-              </a:ext>
-            </a:extLst>
-          </p:cNvPr>
-          <p:cNvSpPr>
-            <a:spLocks noGrp="1"/>
-          </p:cNvSpPr>
-          <p:nvPr>
-            <p:ph type="ftr" sz="quarter" idx="11"/>
-          </p:nvPr>
-        </p:nvSpPr>
-        <p:spPr/>
-        <p:txBody>
-          <a:bodyPr/>
-          <a:lstStyle/>
-          <a:p>
-            <a:endParaRPr kumimoji="1" lang="ja-JP" altLang="en-US"/>
-          </a:p>
-        </p:txBody>
-      </p:sp>
-      <p:sp>
-        <p:nvSpPr>
-          <p:cNvPr id="7" name="スライド番号プレースホルダー 6">
-            <a:extLst>
-              <a:ext uri="{FF2B5EF4-FFF2-40B4-BE49-F238E27FC236}">
-                <a16:creationId xmlns:a16="http://schemas.microsoft.com/office/drawing/2014/main" id="{AE56FCE9-1C76-450C-1B0B-7287DE994E2C}"/>
-              </a:ext>
-            </a:extLst>
-          </p:cNvPr>
-          <p:cNvSpPr>
-            <a:spLocks noGrp="1"/>
-          </p:cNvSpPr>
-          <p:nvPr>
-            <p:ph type="sldNum" sz="quarter" idx="12"/>
-          </p:nvPr>
-        </p:nvSpPr>
-        <p:spPr/>
-        <p:txBody>
-          <a:bodyPr/>
-          <a:lstStyle/>
           <a:p>
             <a:fld id="{13F5F265-87D3-422F-8011-B27D917D5303}" type="slidenum">
               <a:rPr kumimoji="1" lang="ja-JP" altLang="en-US" smtClean="0"/>
@@ -2700,7 +2945,7 @@
     </p:spTree>
     <p:extLst>
       <p:ext uri="{BB962C8B-B14F-4D97-AF65-F5344CB8AC3E}">
-        <p14:creationId xmlns:p14="http://schemas.microsoft.com/office/powerpoint/2010/main" val="589754083"/>
+        <p14:creationId xmlns:p14="http://schemas.microsoft.com/office/powerpoint/2010/main" val="3427042091"/>
       </p:ext>
     </p:extLst>
   </p:cSld>
@@ -2711,7 +2956,7 @@
 </file>
 
 <file path=ppt/slideLayouts/slideLayout9.xml><?xml version="1.0" encoding="utf-8"?>
-<p:sldLayout xmlns:a="http://schemas.openxmlformats.org/drawingml/2006/main" xmlns:r="http://schemas.openxmlformats.org/officeDocument/2006/relationships" xmlns:p="http://schemas.openxmlformats.org/presentationml/2006/main" type="picTx" preserve="1">
+<p:sldLayout xmlns:a="http://schemas.openxmlformats.org/drawingml/2006/main" xmlns:r="http://schemas.openxmlformats.org/officeDocument/2006/relationships" xmlns:p="http://schemas.openxmlformats.org/presentationml/2006/main" showMasterSp="0" type="picTx" preserve="1">
   <p:cSld name="タイトル付きの図">
     <p:spTree>
       <p:nvGrpSpPr>
@@ -2729,13 +2974,83 @@
       </p:grpSpPr>
       <p:sp>
         <p:nvSpPr>
-          <p:cNvPr id="2" name="タイトル 1">
-            <a:extLst>
-              <a:ext uri="{FF2B5EF4-FFF2-40B4-BE49-F238E27FC236}">
-                <a16:creationId xmlns:a16="http://schemas.microsoft.com/office/drawing/2014/main" id="{BA9519B4-0BA8-0547-5699-606BF6D3B463}"/>
-              </a:ext>
-            </a:extLst>
-          </p:cNvPr>
+          <p:cNvPr id="8" name="Rectangle 7"/>
+          <p:cNvSpPr/>
+          <p:nvPr/>
+        </p:nvSpPr>
+        <p:spPr>
+          <a:xfrm>
+            <a:off x="0" y="4953000"/>
+            <a:ext cx="12188825" cy="1905000"/>
+          </a:xfrm>
+          <a:prstGeom prst="rect">
+            <a:avLst/>
+          </a:prstGeom>
+          <a:solidFill>
+            <a:schemeClr val="accent2"/>
+          </a:solidFill>
+          <a:ln>
+            <a:noFill/>
+          </a:ln>
+        </p:spPr>
+        <p:style>
+          <a:lnRef idx="2">
+            <a:schemeClr val="accent1">
+              <a:shade val="50000"/>
+            </a:schemeClr>
+          </a:lnRef>
+          <a:fillRef idx="1">
+            <a:schemeClr val="accent1"/>
+          </a:fillRef>
+          <a:effectRef idx="0">
+            <a:schemeClr val="accent1"/>
+          </a:effectRef>
+          <a:fontRef idx="minor">
+            <a:schemeClr val="lt1"/>
+          </a:fontRef>
+        </p:style>
+      </p:sp>
+      <p:sp>
+        <p:nvSpPr>
+          <p:cNvPr id="9" name="Rectangle 8"/>
+          <p:cNvSpPr/>
+          <p:nvPr/>
+        </p:nvSpPr>
+        <p:spPr>
+          <a:xfrm>
+            <a:off x="15" y="4915076"/>
+            <a:ext cx="12188825" cy="64008"/>
+          </a:xfrm>
+          <a:prstGeom prst="rect">
+            <a:avLst/>
+          </a:prstGeom>
+          <a:solidFill>
+            <a:schemeClr val="accent1"/>
+          </a:solidFill>
+          <a:ln>
+            <a:noFill/>
+          </a:ln>
+        </p:spPr>
+        <p:style>
+          <a:lnRef idx="2">
+            <a:schemeClr val="accent1">
+              <a:shade val="50000"/>
+            </a:schemeClr>
+          </a:lnRef>
+          <a:fillRef idx="1">
+            <a:schemeClr val="accent1"/>
+          </a:fillRef>
+          <a:effectRef idx="0">
+            <a:schemeClr val="accent1"/>
+          </a:effectRef>
+          <a:fontRef idx="minor">
+            <a:schemeClr val="lt1"/>
+          </a:fontRef>
+        </p:style>
+      </p:sp>
+      <p:sp>
+        <p:nvSpPr>
+          <p:cNvPr id="2" name="Title 1"/>
           <p:cNvSpPr>
             <a:spLocks noGrp="1"/>
           </p:cNvSpPr>
@@ -2745,36 +3060,37 @@
         </p:nvSpPr>
         <p:spPr>
           <a:xfrm>
-            <a:off x="839788" y="457200"/>
-            <a:ext cx="3932237" cy="1600200"/>
-          </a:xfrm>
-        </p:spPr>
-        <p:txBody>
-          <a:bodyPr anchor="b"/>
+            <a:off x="1097280" y="5074920"/>
+            <a:ext cx="10113264" cy="822960"/>
+          </a:xfrm>
+        </p:spPr>
+        <p:txBody>
+          <a:bodyPr lIns="91440" tIns="0" rIns="91440" bIns="0" anchor="b">
+            <a:noAutofit/>
+          </a:bodyPr>
           <a:lstStyle>
             <a:lvl1pPr>
-              <a:defRPr sz="3200"/>
+              <a:defRPr sz="3600" b="0">
+                <a:solidFill>
+                  <a:srgbClr val="FFFFFF"/>
+                </a:solidFill>
+              </a:defRPr>
             </a:lvl1pPr>
           </a:lstStyle>
           <a:p>
             <a:r>
-              <a:rPr kumimoji="1" lang="ja-JP" altLang="en-US"/>
+              <a:rPr lang="ja-JP" altLang="en-US"/>
               <a:t>マスター タイトルの書式設定</a:t>
             </a:r>
-          </a:p>
-        </p:txBody>
-      </p:sp>
-      <p:sp>
-        <p:nvSpPr>
-          <p:cNvPr id="3" name="図プレースホルダー 2">
-            <a:extLst>
-              <a:ext uri="{FF2B5EF4-FFF2-40B4-BE49-F238E27FC236}">
-                <a16:creationId xmlns:a16="http://schemas.microsoft.com/office/drawing/2014/main" id="{62E34F94-D5A9-CBC0-3750-84A8AB24C234}"/>
-              </a:ext>
-            </a:extLst>
-          </p:cNvPr>
-          <p:cNvSpPr>
-            <a:spLocks noGrp="1"/>
+            <a:endParaRPr lang="en-US" dirty="0"/>
+          </a:p>
+        </p:txBody>
+      </p:sp>
+      <p:sp>
+        <p:nvSpPr>
+          <p:cNvPr id="3" name="Picture Placeholder 2"/>
+          <p:cNvSpPr>
+            <a:spLocks noGrp="1" noChangeAspect="1"/>
           </p:cNvSpPr>
           <p:nvPr>
             <p:ph type="pic" idx="1"/>
@@ -2782,16 +3098,26 @@
         </p:nvSpPr>
         <p:spPr>
           <a:xfrm>
-            <a:off x="5183188" y="987425"/>
-            <a:ext cx="6172200" cy="4873625"/>
-          </a:xfrm>
-        </p:spPr>
-        <p:txBody>
-          <a:bodyPr/>
+            <a:off x="15" y="0"/>
+            <a:ext cx="12191985" cy="4915076"/>
+          </a:xfrm>
+          <a:blipFill>
+            <a:blip r:embed="rId2"/>
+            <a:stretch>
+              <a:fillRect/>
+            </a:stretch>
+          </a:blipFill>
+        </p:spPr>
+        <p:txBody>
+          <a:bodyPr lIns="457200" tIns="457200" anchor="t"/>
           <a:lstStyle>
             <a:lvl1pPr marL="0" indent="0">
               <a:buNone/>
-              <a:defRPr sz="3200"/>
+              <a:defRPr sz="3200">
+                <a:solidFill>
+                  <a:schemeClr val="bg1"/>
+                </a:solidFill>
+              </a:defRPr>
             </a:lvl1pPr>
             <a:lvl2pPr marL="457200" indent="0">
               <a:buNone/>
@@ -2827,19 +3153,17 @@
             </a:lvl9pPr>
           </a:lstStyle>
           <a:p>
-            <a:endParaRPr kumimoji="1" lang="ja-JP" altLang="en-US"/>
-          </a:p>
-        </p:txBody>
-      </p:sp>
-      <p:sp>
-        <p:nvSpPr>
-          <p:cNvPr id="4" name="テキスト プレースホルダー 3">
-            <a:extLst>
-              <a:ext uri="{FF2B5EF4-FFF2-40B4-BE49-F238E27FC236}">
-                <a16:creationId xmlns:a16="http://schemas.microsoft.com/office/drawing/2014/main" id="{E5129442-4974-6B77-63F3-3B4246C16358}"/>
-              </a:ext>
-            </a:extLst>
-          </p:cNvPr>
+            <a:r>
+              <a:rPr lang="ja-JP" altLang="en-US"/>
+              <a:t>アイコンをクリックして図を追加</a:t>
+            </a:r>
+            <a:endParaRPr lang="en-US" dirty="0"/>
+          </a:p>
+        </p:txBody>
+      </p:sp>
+      <p:sp>
+        <p:nvSpPr>
+          <p:cNvPr id="4" name="Text Placeholder 3"/>
           <p:cNvSpPr>
             <a:spLocks noGrp="1"/>
           </p:cNvSpPr>
@@ -2849,54 +3173,66 @@
         </p:nvSpPr>
         <p:spPr>
           <a:xfrm>
-            <a:off x="839788" y="2057400"/>
-            <a:ext cx="3932237" cy="3811588"/>
-          </a:xfrm>
-        </p:spPr>
-        <p:txBody>
-          <a:bodyPr/>
+            <a:off x="1097280" y="5907023"/>
+            <a:ext cx="10113264" cy="594360"/>
+          </a:xfrm>
+        </p:spPr>
+        <p:txBody>
+          <a:bodyPr lIns="91440" tIns="0" rIns="91440" bIns="0">
+            <a:normAutofit/>
+          </a:bodyPr>
           <a:lstStyle>
             <a:lvl1pPr marL="0" indent="0">
-              <a:buNone/>
-              <a:defRPr sz="1600"/>
+              <a:spcBef>
+                <a:spcPts val="0"/>
+              </a:spcBef>
+              <a:spcAft>
+                <a:spcPts val="600"/>
+              </a:spcAft>
+              <a:buNone/>
+              <a:defRPr sz="1500">
+                <a:solidFill>
+                  <a:srgbClr val="FFFFFF"/>
+                </a:solidFill>
+              </a:defRPr>
             </a:lvl1pPr>
             <a:lvl2pPr marL="457200" indent="0">
               <a:buNone/>
-              <a:defRPr sz="1400"/>
+              <a:defRPr sz="1200"/>
             </a:lvl2pPr>
             <a:lvl3pPr marL="914400" indent="0">
               <a:buNone/>
-              <a:defRPr sz="1200"/>
+              <a:defRPr sz="1000"/>
             </a:lvl3pPr>
             <a:lvl4pPr marL="1371600" indent="0">
               <a:buNone/>
-              <a:defRPr sz="1000"/>
+              <a:defRPr sz="900"/>
             </a:lvl4pPr>
             <a:lvl5pPr marL="1828800" indent="0">
               <a:buNone/>
-              <a:defRPr sz="1000"/>
+              <a:defRPr sz="900"/>
             </a:lvl5pPr>
             <a:lvl6pPr marL="2286000" indent="0">
               <a:buNone/>
-              <a:defRPr sz="1000"/>
+              <a:defRPr sz="900"/>
             </a:lvl6pPr>
             <a:lvl7pPr marL="2743200" indent="0">
               <a:buNone/>
-              <a:defRPr sz="1000"/>
+              <a:defRPr sz="900"/>
             </a:lvl7pPr>
             <a:lvl8pPr marL="3200400" indent="0">
               <a:buNone/>
-              <a:defRPr sz="1000"/>
+              <a:defRPr sz="900"/>
             </a:lvl8pPr>
             <a:lvl9pPr marL="3657600" indent="0">
               <a:buNone/>
-              <a:defRPr sz="1000"/>
+              <a:defRPr sz="900"/>
             </a:lvl9pPr>
           </a:lstStyle>
           <a:p>
             <a:pPr lvl="0"/>
             <a:r>
-              <a:rPr kumimoji="1" lang="ja-JP" altLang="en-US"/>
+              <a:rPr lang="ja-JP" altLang="en-US"/>
               <a:t>マスター テキストの書式設定</a:t>
             </a:r>
           </a:p>
@@ -2904,13 +3240,7 @@
       </p:sp>
       <p:sp>
         <p:nvSpPr>
-          <p:cNvPr id="5" name="日付プレースホルダー 4">
-            <a:extLst>
-              <a:ext uri="{FF2B5EF4-FFF2-40B4-BE49-F238E27FC236}">
-                <a16:creationId xmlns:a16="http://schemas.microsoft.com/office/drawing/2014/main" id="{4AE2B5C0-C0D8-1C93-97D9-C833354C9118}"/>
-              </a:ext>
-            </a:extLst>
-          </p:cNvPr>
+          <p:cNvPr id="5" name="Date Placeholder 4"/>
           <p:cNvSpPr>
             <a:spLocks noGrp="1"/>
           </p:cNvSpPr>
@@ -2925,7 +3255,7 @@
           <a:p>
             <a:fld id="{C7A90A07-83FF-4437-A751-8C4BD7FD35BF}" type="datetimeFigureOut">
               <a:rPr kumimoji="1" lang="ja-JP" altLang="en-US" smtClean="0"/>
-              <a:t>2023/11/13</a:t>
+              <a:t>2023/11/20</a:t>
             </a:fld>
             <a:endParaRPr kumimoji="1" lang="ja-JP" altLang="en-US"/>
           </a:p>
@@ -2933,13 +3263,7 @@
       </p:sp>
       <p:sp>
         <p:nvSpPr>
-          <p:cNvPr id="6" name="フッター プレースホルダー 5">
-            <a:extLst>
-              <a:ext uri="{FF2B5EF4-FFF2-40B4-BE49-F238E27FC236}">
-                <a16:creationId xmlns:a16="http://schemas.microsoft.com/office/drawing/2014/main" id="{2AD5FD2B-1AAC-0998-9968-B287DF9FCA7B}"/>
-              </a:ext>
-            </a:extLst>
-          </p:cNvPr>
+          <p:cNvPr id="6" name="Footer Placeholder 5"/>
           <p:cNvSpPr>
             <a:spLocks noGrp="1"/>
           </p:cNvSpPr>
@@ -2958,13 +3282,7 @@
       </p:sp>
       <p:sp>
         <p:nvSpPr>
-          <p:cNvPr id="7" name="スライド番号プレースホルダー 6">
-            <a:extLst>
-              <a:ext uri="{FF2B5EF4-FFF2-40B4-BE49-F238E27FC236}">
-                <a16:creationId xmlns:a16="http://schemas.microsoft.com/office/drawing/2014/main" id="{2772FD33-914D-0CAF-0B2F-0B4CADD37ED3}"/>
-              </a:ext>
-            </a:extLst>
-          </p:cNvPr>
+          <p:cNvPr id="7" name="Slide Number Placeholder 6"/>
           <p:cNvSpPr>
             <a:spLocks noGrp="1"/>
           </p:cNvSpPr>
@@ -2988,7 +3306,7 @@
     </p:spTree>
     <p:extLst>
       <p:ext uri="{BB962C8B-B14F-4D97-AF65-F5344CB8AC3E}">
-        <p14:creationId xmlns:p14="http://schemas.microsoft.com/office/powerpoint/2010/main" val="683501461"/>
+        <p14:creationId xmlns:p14="http://schemas.microsoft.com/office/powerpoint/2010/main" val="158048704"/>
       </p:ext>
     </p:extLst>
   </p:cSld>
@@ -3022,51 +3340,116 @@
       </p:grpSpPr>
       <p:sp>
         <p:nvSpPr>
-          <p:cNvPr id="2" name="タイトル プレースホルダー 1">
-            <a:extLst>
-              <a:ext uri="{FF2B5EF4-FFF2-40B4-BE49-F238E27FC236}">
-                <a16:creationId xmlns:a16="http://schemas.microsoft.com/office/drawing/2014/main" id="{430F2396-32D0-1D66-94FF-E71C56FFCEC2}"/>
-              </a:ext>
-            </a:extLst>
-          </p:cNvPr>
-          <p:cNvSpPr>
-            <a:spLocks noGrp="1"/>
-          </p:cNvSpPr>
-          <p:nvPr>
-            <p:ph type="title"/>
-          </p:nvPr>
-        </p:nvSpPr>
-        <p:spPr>
-          <a:xfrm>
-            <a:off x="838200" y="365125"/>
-            <a:ext cx="10515600" cy="1325563"/>
+          <p:cNvPr id="7" name="Rectangle 6"/>
+          <p:cNvSpPr/>
+          <p:nvPr/>
+        </p:nvSpPr>
+        <p:spPr>
+          <a:xfrm>
+            <a:off x="1" y="6400800"/>
+            <a:ext cx="12192000" cy="457200"/>
           </a:xfrm>
           <a:prstGeom prst="rect">
             <a:avLst/>
           </a:prstGeom>
-        </p:spPr>
-        <p:txBody>
-          <a:bodyPr vert="horz" lIns="91440" tIns="45720" rIns="91440" bIns="45720" rtlCol="0" anchor="ctr">
+          <a:solidFill>
+            <a:schemeClr val="accent2"/>
+          </a:solidFill>
+          <a:ln>
+            <a:noFill/>
+          </a:ln>
+        </p:spPr>
+        <p:style>
+          <a:lnRef idx="2">
+            <a:schemeClr val="accent1">
+              <a:shade val="50000"/>
+            </a:schemeClr>
+          </a:lnRef>
+          <a:fillRef idx="1">
+            <a:schemeClr val="accent1"/>
+          </a:fillRef>
+          <a:effectRef idx="0">
+            <a:schemeClr val="accent1"/>
+          </a:effectRef>
+          <a:fontRef idx="minor">
+            <a:schemeClr val="lt1"/>
+          </a:fontRef>
+        </p:style>
+      </p:sp>
+      <p:sp>
+        <p:nvSpPr>
+          <p:cNvPr id="9" name="Rectangle 8"/>
+          <p:cNvSpPr/>
+          <p:nvPr/>
+        </p:nvSpPr>
+        <p:spPr>
+          <a:xfrm>
+            <a:off x="0" y="6334316"/>
+            <a:ext cx="12192001" cy="65998"/>
+          </a:xfrm>
+          <a:prstGeom prst="rect">
+            <a:avLst/>
+          </a:prstGeom>
+          <a:solidFill>
+            <a:schemeClr val="accent1"/>
+          </a:solidFill>
+          <a:ln>
+            <a:noFill/>
+          </a:ln>
+        </p:spPr>
+        <p:style>
+          <a:lnRef idx="2">
+            <a:schemeClr val="accent1">
+              <a:shade val="50000"/>
+            </a:schemeClr>
+          </a:lnRef>
+          <a:fillRef idx="1">
+            <a:schemeClr val="accent1"/>
+          </a:fillRef>
+          <a:effectRef idx="0">
+            <a:schemeClr val="accent1"/>
+          </a:effectRef>
+          <a:fontRef idx="minor">
+            <a:schemeClr val="lt1"/>
+          </a:fontRef>
+        </p:style>
+      </p:sp>
+      <p:sp>
+        <p:nvSpPr>
+          <p:cNvPr id="2" name="Title Placeholder 1"/>
+          <p:cNvSpPr>
+            <a:spLocks noGrp="1"/>
+          </p:cNvSpPr>
+          <p:nvPr>
+            <p:ph type="title"/>
+          </p:nvPr>
+        </p:nvSpPr>
+        <p:spPr>
+          <a:xfrm>
+            <a:off x="1097280" y="286603"/>
+            <a:ext cx="10058400" cy="1450757"/>
+          </a:xfrm>
+          <a:prstGeom prst="rect">
+            <a:avLst/>
+          </a:prstGeom>
+        </p:spPr>
+        <p:txBody>
+          <a:bodyPr vert="horz" lIns="91440" tIns="45720" rIns="91440" bIns="45720" rtlCol="0" anchor="b">
             <a:normAutofit/>
           </a:bodyPr>
           <a:lstStyle/>
           <a:p>
             <a:r>
-              <a:rPr kumimoji="1" lang="ja-JP" altLang="en-US"/>
+              <a:rPr lang="ja-JP" altLang="en-US"/>
               <a:t>マスター タイトルの書式設定</a:t>
             </a:r>
-          </a:p>
-        </p:txBody>
-      </p:sp>
-      <p:sp>
-        <p:nvSpPr>
-          <p:cNvPr id="3" name="テキスト プレースホルダー 2">
-            <a:extLst>
-              <a:ext uri="{FF2B5EF4-FFF2-40B4-BE49-F238E27FC236}">
-                <a16:creationId xmlns:a16="http://schemas.microsoft.com/office/drawing/2014/main" id="{64CB1445-A34B-8C3F-4B99-99C463E82BF5}"/>
-              </a:ext>
-            </a:extLst>
-          </p:cNvPr>
+            <a:endParaRPr lang="en-US" dirty="0"/>
+          </a:p>
+        </p:txBody>
+      </p:sp>
+      <p:sp>
+        <p:nvSpPr>
+          <p:cNvPr id="3" name="Text Placeholder 2"/>
           <p:cNvSpPr>
             <a:spLocks noGrp="1"/>
           </p:cNvSpPr>
@@ -3076,96 +3459,91 @@
         </p:nvSpPr>
         <p:spPr>
           <a:xfrm>
-            <a:off x="838200" y="1825625"/>
-            <a:ext cx="10515600" cy="4351338"/>
+            <a:off x="1097280" y="1845734"/>
+            <a:ext cx="10058400" cy="4023360"/>
           </a:xfrm>
           <a:prstGeom prst="rect">
             <a:avLst/>
           </a:prstGeom>
         </p:spPr>
         <p:txBody>
-          <a:bodyPr vert="horz" lIns="91440" tIns="45720" rIns="91440" bIns="45720" rtlCol="0">
+          <a:bodyPr vert="horz" lIns="0" tIns="45720" rIns="0" bIns="45720" rtlCol="0">
             <a:normAutofit/>
           </a:bodyPr>
           <a:lstStyle/>
           <a:p>
             <a:pPr lvl="0"/>
             <a:r>
-              <a:rPr kumimoji="1" lang="ja-JP" altLang="en-US"/>
+              <a:rPr lang="ja-JP" altLang="en-US"/>
               <a:t>マスター テキストの書式設定</a:t>
             </a:r>
           </a:p>
           <a:p>
             <a:pPr lvl="1"/>
             <a:r>
-              <a:rPr kumimoji="1" lang="ja-JP" altLang="en-US"/>
+              <a:rPr lang="ja-JP" altLang="en-US"/>
               <a:t>第 </a:t>
             </a:r>
             <a:r>
-              <a:rPr kumimoji="1" lang="en-US" altLang="ja-JP"/>
+              <a:rPr lang="en-US" altLang="ja-JP"/>
               <a:t>2 </a:t>
             </a:r>
             <a:r>
-              <a:rPr kumimoji="1" lang="ja-JP" altLang="en-US"/>
+              <a:rPr lang="ja-JP" altLang="en-US"/>
               <a:t>レベル</a:t>
             </a:r>
           </a:p>
           <a:p>
             <a:pPr lvl="2"/>
             <a:r>
-              <a:rPr kumimoji="1" lang="ja-JP" altLang="en-US"/>
+              <a:rPr lang="ja-JP" altLang="en-US"/>
               <a:t>第 </a:t>
             </a:r>
             <a:r>
-              <a:rPr kumimoji="1" lang="en-US" altLang="ja-JP"/>
+              <a:rPr lang="en-US" altLang="ja-JP"/>
               <a:t>3 </a:t>
             </a:r>
             <a:r>
-              <a:rPr kumimoji="1" lang="ja-JP" altLang="en-US"/>
+              <a:rPr lang="ja-JP" altLang="en-US"/>
               <a:t>レベル</a:t>
             </a:r>
           </a:p>
           <a:p>
             <a:pPr lvl="3"/>
             <a:r>
-              <a:rPr kumimoji="1" lang="ja-JP" altLang="en-US"/>
+              <a:rPr lang="ja-JP" altLang="en-US"/>
               <a:t>第 </a:t>
             </a:r>
             <a:r>
-              <a:rPr kumimoji="1" lang="en-US" altLang="ja-JP"/>
+              <a:rPr lang="en-US" altLang="ja-JP"/>
               <a:t>4 </a:t>
             </a:r>
             <a:r>
-              <a:rPr kumimoji="1" lang="ja-JP" altLang="en-US"/>
+              <a:rPr lang="ja-JP" altLang="en-US"/>
               <a:t>レベル</a:t>
             </a:r>
           </a:p>
           <a:p>
             <a:pPr lvl="4"/>
             <a:r>
-              <a:rPr kumimoji="1" lang="ja-JP" altLang="en-US"/>
+              <a:rPr lang="ja-JP" altLang="en-US"/>
               <a:t>第 </a:t>
             </a:r>
             <a:r>
-              <a:rPr kumimoji="1" lang="en-US" altLang="ja-JP"/>
+              <a:rPr lang="en-US" altLang="ja-JP"/>
               <a:t>5 </a:t>
             </a:r>
             <a:r>
-              <a:rPr kumimoji="1" lang="ja-JP" altLang="en-US"/>
+              <a:rPr lang="ja-JP" altLang="en-US"/>
               <a:t>レベル</a:t>
             </a:r>
-          </a:p>
-        </p:txBody>
-      </p:sp>
-      <p:sp>
-        <p:nvSpPr>
-          <p:cNvPr id="4" name="日付プレースホルダー 3">
-            <a:extLst>
-              <a:ext uri="{FF2B5EF4-FFF2-40B4-BE49-F238E27FC236}">
-                <a16:creationId xmlns:a16="http://schemas.microsoft.com/office/drawing/2014/main" id="{AC54C0E6-FE5D-03D8-1728-DD9F56233619}"/>
-              </a:ext>
-            </a:extLst>
-          </p:cNvPr>
+            <a:endParaRPr lang="en-US" dirty="0"/>
+          </a:p>
+        </p:txBody>
+      </p:sp>
+      <p:sp>
+        <p:nvSpPr>
+          <p:cNvPr id="4" name="Date Placeholder 3"/>
           <p:cNvSpPr>
             <a:spLocks noGrp="1"/>
           </p:cNvSpPr>
@@ -3175,8 +3553,8 @@
         </p:nvSpPr>
         <p:spPr>
           <a:xfrm>
-            <a:off x="838200" y="6356350"/>
-            <a:ext cx="2743200" cy="365125"/>
+            <a:off x="1097280" y="6459785"/>
+            <a:ext cx="2472271" cy="365125"/>
           </a:xfrm>
           <a:prstGeom prst="rect">
             <a:avLst/>
@@ -3186,11 +3564,9 @@
           <a:bodyPr vert="horz" lIns="91440" tIns="45720" rIns="91440" bIns="45720" rtlCol="0" anchor="ctr"/>
           <a:lstStyle>
             <a:lvl1pPr algn="l">
-              <a:defRPr sz="1200">
+              <a:defRPr sz="900">
                 <a:solidFill>
-                  <a:schemeClr val="tx1">
-                    <a:tint val="75000"/>
-                  </a:schemeClr>
+                  <a:srgbClr val="FFFFFF"/>
                 </a:solidFill>
               </a:defRPr>
             </a:lvl1pPr>
@@ -3198,7 +3574,7 @@
           <a:p>
             <a:fld id="{C7A90A07-83FF-4437-A751-8C4BD7FD35BF}" type="datetimeFigureOut">
               <a:rPr kumimoji="1" lang="ja-JP" altLang="en-US" smtClean="0"/>
-              <a:t>2023/11/13</a:t>
+              <a:t>2023/11/20</a:t>
             </a:fld>
             <a:endParaRPr kumimoji="1" lang="ja-JP" altLang="en-US"/>
           </a:p>
@@ -3206,13 +3582,7 @@
       </p:sp>
       <p:sp>
         <p:nvSpPr>
-          <p:cNvPr id="5" name="フッター プレースホルダー 4">
-            <a:extLst>
-              <a:ext uri="{FF2B5EF4-FFF2-40B4-BE49-F238E27FC236}">
-                <a16:creationId xmlns:a16="http://schemas.microsoft.com/office/drawing/2014/main" id="{34789671-BAEB-E25D-3ED1-2186A7B5FCBA}"/>
-              </a:ext>
-            </a:extLst>
-          </p:cNvPr>
+          <p:cNvPr id="5" name="Footer Placeholder 4"/>
           <p:cNvSpPr>
             <a:spLocks noGrp="1"/>
           </p:cNvSpPr>
@@ -3222,8 +3592,8 @@
         </p:nvSpPr>
         <p:spPr>
           <a:xfrm>
-            <a:off x="4038600" y="6356350"/>
-            <a:ext cx="4114800" cy="365125"/>
+            <a:off x="3686185" y="6459785"/>
+            <a:ext cx="4822804" cy="365125"/>
           </a:xfrm>
           <a:prstGeom prst="rect">
             <a:avLst/>
@@ -3233,11 +3603,9 @@
           <a:bodyPr vert="horz" lIns="91440" tIns="45720" rIns="91440" bIns="45720" rtlCol="0" anchor="ctr"/>
           <a:lstStyle>
             <a:lvl1pPr algn="ctr">
-              <a:defRPr sz="1200">
+              <a:defRPr sz="900" cap="all" baseline="0">
                 <a:solidFill>
-                  <a:schemeClr val="tx1">
-                    <a:tint val="75000"/>
-                  </a:schemeClr>
+                  <a:srgbClr val="FFFFFF"/>
                 </a:solidFill>
               </a:defRPr>
             </a:lvl1pPr>
@@ -3249,13 +3617,7 @@
       </p:sp>
       <p:sp>
         <p:nvSpPr>
-          <p:cNvPr id="6" name="スライド番号プレースホルダー 5">
-            <a:extLst>
-              <a:ext uri="{FF2B5EF4-FFF2-40B4-BE49-F238E27FC236}">
-                <a16:creationId xmlns:a16="http://schemas.microsoft.com/office/drawing/2014/main" id="{A5D398AD-6E2E-FB16-4E95-6D570F40ADAF}"/>
-              </a:ext>
-            </a:extLst>
-          </p:cNvPr>
+          <p:cNvPr id="6" name="Slide Number Placeholder 5"/>
           <p:cNvSpPr>
             <a:spLocks noGrp="1"/>
           </p:cNvSpPr>
@@ -3265,8 +3627,8 @@
         </p:nvSpPr>
         <p:spPr>
           <a:xfrm>
-            <a:off x="8610600" y="6356350"/>
-            <a:ext cx="2743200" cy="365125"/>
+            <a:off x="9900458" y="6459785"/>
+            <a:ext cx="1312025" cy="365125"/>
           </a:xfrm>
           <a:prstGeom prst="rect">
             <a:avLst/>
@@ -3276,11 +3638,9 @@
           <a:bodyPr vert="horz" lIns="91440" tIns="45720" rIns="91440" bIns="45720" rtlCol="0" anchor="ctr"/>
           <a:lstStyle>
             <a:lvl1pPr algn="r">
-              <a:defRPr sz="1200">
+              <a:defRPr sz="1050">
                 <a:solidFill>
-                  <a:schemeClr val="tx1">
-                    <a:tint val="75000"/>
-                  </a:schemeClr>
+                  <a:srgbClr val="FFFFFF"/>
                 </a:solidFill>
               </a:defRPr>
             </a:lvl1pPr>
@@ -3294,40 +3654,81 @@
           </a:p>
         </p:txBody>
       </p:sp>
+      <p:cxnSp>
+        <p:nvCxnSpPr>
+          <p:cNvPr id="10" name="Straight Connector 9"/>
+          <p:cNvCxnSpPr/>
+          <p:nvPr/>
+        </p:nvCxnSpPr>
+        <p:spPr>
+          <a:xfrm>
+            <a:off x="1193532" y="1737845"/>
+            <a:ext cx="9966960" cy="0"/>
+          </a:xfrm>
+          <a:prstGeom prst="line">
+            <a:avLst/>
+          </a:prstGeom>
+          <a:ln w="6350">
+            <a:solidFill>
+              <a:schemeClr val="tx1">
+                <a:lumMod val="50000"/>
+                <a:lumOff val="50000"/>
+              </a:schemeClr>
+            </a:solidFill>
+          </a:ln>
+        </p:spPr>
+        <p:style>
+          <a:lnRef idx="1">
+            <a:schemeClr val="accent1"/>
+          </a:lnRef>
+          <a:fillRef idx="0">
+            <a:schemeClr val="accent1"/>
+          </a:fillRef>
+          <a:effectRef idx="0">
+            <a:schemeClr val="accent1"/>
+          </a:effectRef>
+          <a:fontRef idx="minor">
+            <a:schemeClr val="tx1"/>
+          </a:fontRef>
+        </p:style>
+      </p:cxnSp>
     </p:spTree>
     <p:extLst>
       <p:ext uri="{BB962C8B-B14F-4D97-AF65-F5344CB8AC3E}">
-        <p14:creationId xmlns:p14="http://schemas.microsoft.com/office/powerpoint/2010/main" val="852494430"/>
+        <p14:creationId xmlns:p14="http://schemas.microsoft.com/office/powerpoint/2010/main" val="345805214"/>
       </p:ext>
     </p:extLst>
   </p:cSld>
   <p:clrMap bg1="lt1" tx1="dk1" bg2="lt2" tx2="dk2" accent1="accent1" accent2="accent2" accent3="accent3" accent4="accent4" accent5="accent5" accent6="accent6" hlink="hlink" folHlink="folHlink"/>
   <p:sldLayoutIdLst>
-    <p:sldLayoutId id="2147483649" r:id="rId1"/>
-    <p:sldLayoutId id="2147483650" r:id="rId2"/>
-    <p:sldLayoutId id="2147483651" r:id="rId3"/>
-    <p:sldLayoutId id="2147483652" r:id="rId4"/>
-    <p:sldLayoutId id="2147483653" r:id="rId5"/>
-    <p:sldLayoutId id="2147483654" r:id="rId6"/>
-    <p:sldLayoutId id="2147483655" r:id="rId7"/>
-    <p:sldLayoutId id="2147483656" r:id="rId8"/>
-    <p:sldLayoutId id="2147483657" r:id="rId9"/>
-    <p:sldLayoutId id="2147483658" r:id="rId10"/>
-    <p:sldLayoutId id="2147483659" r:id="rId11"/>
+    <p:sldLayoutId id="2147483673" r:id="rId1"/>
+    <p:sldLayoutId id="2147483674" r:id="rId2"/>
+    <p:sldLayoutId id="2147483675" r:id="rId3"/>
+    <p:sldLayoutId id="2147483676" r:id="rId4"/>
+    <p:sldLayoutId id="2147483677" r:id="rId5"/>
+    <p:sldLayoutId id="2147483678" r:id="rId6"/>
+    <p:sldLayoutId id="2147483679" r:id="rId7"/>
+    <p:sldLayoutId id="2147483680" r:id="rId8"/>
+    <p:sldLayoutId id="2147483681" r:id="rId9"/>
+    <p:sldLayoutId id="2147483682" r:id="rId10"/>
+    <p:sldLayoutId id="2147483683" r:id="rId11"/>
   </p:sldLayoutIdLst>
   <p:txStyles>
     <p:titleStyle>
       <a:lvl1pPr algn="l" defTabSz="914400" rtl="0" eaLnBrk="1" latinLnBrk="0" hangingPunct="1">
         <a:lnSpc>
-          <a:spcPct val="90000"/>
+          <a:spcPct val="85000"/>
         </a:lnSpc>
         <a:spcBef>
           <a:spcPct val="0"/>
         </a:spcBef>
         <a:buNone/>
-        <a:defRPr kumimoji="1" sz="4400" kern="1200">
+        <a:defRPr kumimoji="1" sz="4800" kern="1200" spc="-50" baseline="0">
           <a:solidFill>
-            <a:schemeClr val="tx1"/>
+            <a:schemeClr val="tx1">
+              <a:lumMod val="75000"/>
+              <a:lumOff val="25000"/>
+            </a:schemeClr>
           </a:solidFill>
           <a:latin typeface="+mj-lt"/>
           <a:ea typeface="+mj-ea"/>
@@ -3336,162 +3737,244 @@
       </a:lvl1pPr>
     </p:titleStyle>
     <p:bodyStyle>
-      <a:lvl1pPr marL="228600" indent="-228600" algn="l" defTabSz="914400" rtl="0" eaLnBrk="1" latinLnBrk="0" hangingPunct="1">
+      <a:lvl1pPr marL="91440" indent="-91440" algn="l" defTabSz="914400" rtl="0" eaLnBrk="1" latinLnBrk="0" hangingPunct="1">
         <a:lnSpc>
           <a:spcPct val="90000"/>
         </a:lnSpc>
         <a:spcBef>
-          <a:spcPts val="1000"/>
+          <a:spcPts val="1200"/>
         </a:spcBef>
-        <a:buFont typeface="Arial" panose="020B0604020202020204" pitchFamily="34" charset="0"/>
-        <a:buChar char="•"/>
-        <a:defRPr kumimoji="1" sz="2800" kern="1200">
+        <a:spcAft>
+          <a:spcPts val="200"/>
+        </a:spcAft>
+        <a:buClr>
+          <a:schemeClr val="accent1"/>
+        </a:buClr>
+        <a:buSzPct val="100000"/>
+        <a:buFont typeface="Calibri" panose="020F0502020204030204" pitchFamily="34" charset="0"/>
+        <a:buChar char=" "/>
+        <a:defRPr kumimoji="1" sz="2000" kern="1200">
           <a:solidFill>
-            <a:schemeClr val="tx1"/>
+            <a:schemeClr val="tx1">
+              <a:lumMod val="75000"/>
+              <a:lumOff val="25000"/>
+            </a:schemeClr>
           </a:solidFill>
           <a:latin typeface="+mn-lt"/>
           <a:ea typeface="+mn-ea"/>
           <a:cs typeface="+mn-cs"/>
         </a:defRPr>
       </a:lvl1pPr>
-      <a:lvl2pPr marL="685800" indent="-228600" algn="l" defTabSz="914400" rtl="0" eaLnBrk="1" latinLnBrk="0" hangingPunct="1">
+      <a:lvl2pPr marL="384048" indent="-182880" algn="l" defTabSz="914400" rtl="0" eaLnBrk="1" latinLnBrk="0" hangingPunct="1">
         <a:lnSpc>
           <a:spcPct val="90000"/>
         </a:lnSpc>
         <a:spcBef>
-          <a:spcPts val="500"/>
+          <a:spcPts val="200"/>
         </a:spcBef>
-        <a:buFont typeface="Arial" panose="020B0604020202020204" pitchFamily="34" charset="0"/>
-        <a:buChar char="•"/>
-        <a:defRPr kumimoji="1" sz="2400" kern="1200">
+        <a:spcAft>
+          <a:spcPts val="400"/>
+        </a:spcAft>
+        <a:buClr>
+          <a:schemeClr val="accent1"/>
+        </a:buClr>
+        <a:buFont typeface="Calibri" pitchFamily="34" charset="0"/>
+        <a:buChar char="◦"/>
+        <a:defRPr kumimoji="1" sz="1800" kern="1200">
           <a:solidFill>
-            <a:schemeClr val="tx1"/>
+            <a:schemeClr val="tx1">
+              <a:lumMod val="75000"/>
+              <a:lumOff val="25000"/>
+            </a:schemeClr>
           </a:solidFill>
           <a:latin typeface="+mn-lt"/>
           <a:ea typeface="+mn-ea"/>
           <a:cs typeface="+mn-cs"/>
         </a:defRPr>
       </a:lvl2pPr>
-      <a:lvl3pPr marL="1143000" indent="-228600" algn="l" defTabSz="914400" rtl="0" eaLnBrk="1" latinLnBrk="0" hangingPunct="1">
+      <a:lvl3pPr marL="566928" indent="-182880" algn="l" defTabSz="914400" rtl="0" eaLnBrk="1" latinLnBrk="0" hangingPunct="1">
         <a:lnSpc>
           <a:spcPct val="90000"/>
         </a:lnSpc>
         <a:spcBef>
-          <a:spcPts val="500"/>
+          <a:spcPts val="200"/>
         </a:spcBef>
-        <a:buFont typeface="Arial" panose="020B0604020202020204" pitchFamily="34" charset="0"/>
-        <a:buChar char="•"/>
-        <a:defRPr kumimoji="1" sz="2000" kern="1200">
+        <a:spcAft>
+          <a:spcPts val="400"/>
+        </a:spcAft>
+        <a:buClr>
+          <a:schemeClr val="accent1"/>
+        </a:buClr>
+        <a:buFont typeface="Calibri" pitchFamily="34" charset="0"/>
+        <a:buChar char="◦"/>
+        <a:defRPr kumimoji="1" sz="1400" kern="1200">
           <a:solidFill>
-            <a:schemeClr val="tx1"/>
+            <a:schemeClr val="tx1">
+              <a:lumMod val="75000"/>
+              <a:lumOff val="25000"/>
+            </a:schemeClr>
           </a:solidFill>
           <a:latin typeface="+mn-lt"/>
           <a:ea typeface="+mn-ea"/>
           <a:cs typeface="+mn-cs"/>
         </a:defRPr>
       </a:lvl3pPr>
-      <a:lvl4pPr marL="1600200" indent="-228600" algn="l" defTabSz="914400" rtl="0" eaLnBrk="1" latinLnBrk="0" hangingPunct="1">
+      <a:lvl4pPr marL="749808" indent="-182880" algn="l" defTabSz="914400" rtl="0" eaLnBrk="1" latinLnBrk="0" hangingPunct="1">
         <a:lnSpc>
           <a:spcPct val="90000"/>
         </a:lnSpc>
         <a:spcBef>
-          <a:spcPts val="500"/>
+          <a:spcPts val="200"/>
         </a:spcBef>
-        <a:buFont typeface="Arial" panose="020B0604020202020204" pitchFamily="34" charset="0"/>
-        <a:buChar char="•"/>
-        <a:defRPr kumimoji="1" sz="1800" kern="1200">
+        <a:spcAft>
+          <a:spcPts val="400"/>
+        </a:spcAft>
+        <a:buClr>
+          <a:schemeClr val="accent1"/>
+        </a:buClr>
+        <a:buFont typeface="Calibri" pitchFamily="34" charset="0"/>
+        <a:buChar char="◦"/>
+        <a:defRPr kumimoji="1" sz="1400" kern="1200">
           <a:solidFill>
-            <a:schemeClr val="tx1"/>
+            <a:schemeClr val="tx1">
+              <a:lumMod val="75000"/>
+              <a:lumOff val="25000"/>
+            </a:schemeClr>
           </a:solidFill>
           <a:latin typeface="+mn-lt"/>
           <a:ea typeface="+mn-ea"/>
           <a:cs typeface="+mn-cs"/>
         </a:defRPr>
       </a:lvl4pPr>
-      <a:lvl5pPr marL="2057400" indent="-228600" algn="l" defTabSz="914400" rtl="0" eaLnBrk="1" latinLnBrk="0" hangingPunct="1">
+      <a:lvl5pPr marL="932688" indent="-182880" algn="l" defTabSz="914400" rtl="0" eaLnBrk="1" latinLnBrk="0" hangingPunct="1">
         <a:lnSpc>
           <a:spcPct val="90000"/>
         </a:lnSpc>
         <a:spcBef>
-          <a:spcPts val="500"/>
+          <a:spcPts val="200"/>
         </a:spcBef>
-        <a:buFont typeface="Arial" panose="020B0604020202020204" pitchFamily="34" charset="0"/>
-        <a:buChar char="•"/>
-        <a:defRPr kumimoji="1" sz="1800" kern="1200">
+        <a:spcAft>
+          <a:spcPts val="400"/>
+        </a:spcAft>
+        <a:buClr>
+          <a:schemeClr val="accent1"/>
+        </a:buClr>
+        <a:buFont typeface="Calibri" pitchFamily="34" charset="0"/>
+        <a:buChar char="◦"/>
+        <a:defRPr kumimoji="1" sz="1400" kern="1200">
           <a:solidFill>
-            <a:schemeClr val="tx1"/>
+            <a:schemeClr val="tx1">
+              <a:lumMod val="75000"/>
+              <a:lumOff val="25000"/>
+            </a:schemeClr>
           </a:solidFill>
           <a:latin typeface="+mn-lt"/>
           <a:ea typeface="+mn-ea"/>
           <a:cs typeface="+mn-cs"/>
         </a:defRPr>
       </a:lvl5pPr>
-      <a:lvl6pPr marL="2514600" indent="-228600" algn="l" defTabSz="914400" rtl="0" eaLnBrk="1" latinLnBrk="0" hangingPunct="1">
+      <a:lvl6pPr marL="1100000" indent="-228600" algn="l" defTabSz="914400" rtl="0" eaLnBrk="1" latinLnBrk="0" hangingPunct="1">
         <a:lnSpc>
           <a:spcPct val="90000"/>
         </a:lnSpc>
         <a:spcBef>
-          <a:spcPts val="500"/>
+          <a:spcPts val="200"/>
         </a:spcBef>
-        <a:buFont typeface="Arial" panose="020B0604020202020204" pitchFamily="34" charset="0"/>
-        <a:buChar char="•"/>
-        <a:defRPr kumimoji="1" sz="1800" kern="1200">
+        <a:spcAft>
+          <a:spcPts val="400"/>
+        </a:spcAft>
+        <a:buClr>
+          <a:schemeClr val="accent1"/>
+        </a:buClr>
+        <a:buFont typeface="Calibri" pitchFamily="34" charset="0"/>
+        <a:buChar char="◦"/>
+        <a:defRPr kumimoji="1" sz="1400" kern="1200">
           <a:solidFill>
-            <a:schemeClr val="tx1"/>
+            <a:schemeClr val="tx1">
+              <a:lumMod val="75000"/>
+              <a:lumOff val="25000"/>
+            </a:schemeClr>
           </a:solidFill>
           <a:latin typeface="+mn-lt"/>
           <a:ea typeface="+mn-ea"/>
           <a:cs typeface="+mn-cs"/>
         </a:defRPr>
       </a:lvl6pPr>
-      <a:lvl7pPr marL="2971800" indent="-228600" algn="l" defTabSz="914400" rtl="0" eaLnBrk="1" latinLnBrk="0" hangingPunct="1">
+      <a:lvl7pPr marL="1300000" indent="-228600" algn="l" defTabSz="914400" rtl="0" eaLnBrk="1" latinLnBrk="0" hangingPunct="1">
         <a:lnSpc>
           <a:spcPct val="90000"/>
         </a:lnSpc>
         <a:spcBef>
-          <a:spcPts val="500"/>
+          <a:spcPts val="200"/>
         </a:spcBef>
-        <a:buFont typeface="Arial" panose="020B0604020202020204" pitchFamily="34" charset="0"/>
-        <a:buChar char="•"/>
-        <a:defRPr kumimoji="1" sz="1800" kern="1200">
+        <a:spcAft>
+          <a:spcPts val="400"/>
+        </a:spcAft>
+        <a:buClr>
+          <a:schemeClr val="accent1"/>
+        </a:buClr>
+        <a:buFont typeface="Calibri" pitchFamily="34" charset="0"/>
+        <a:buChar char="◦"/>
+        <a:defRPr kumimoji="1" sz="1400" kern="1200">
           <a:solidFill>
-            <a:schemeClr val="tx1"/>
+            <a:schemeClr val="tx1">
+              <a:lumMod val="75000"/>
+              <a:lumOff val="25000"/>
+            </a:schemeClr>
           </a:solidFill>
           <a:latin typeface="+mn-lt"/>
           <a:ea typeface="+mn-ea"/>
           <a:cs typeface="+mn-cs"/>
         </a:defRPr>
       </a:lvl7pPr>
-      <a:lvl8pPr marL="3429000" indent="-228600" algn="l" defTabSz="914400" rtl="0" eaLnBrk="1" latinLnBrk="0" hangingPunct="1">
+      <a:lvl8pPr marL="1500000" indent="-228600" algn="l" defTabSz="914400" rtl="0" eaLnBrk="1" latinLnBrk="0" hangingPunct="1">
         <a:lnSpc>
           <a:spcPct val="90000"/>
         </a:lnSpc>
         <a:spcBef>
-          <a:spcPts val="500"/>
+          <a:spcPts val="200"/>
         </a:spcBef>
-        <a:buFont typeface="Arial" panose="020B0604020202020204" pitchFamily="34" charset="0"/>
-        <a:buChar char="•"/>
-        <a:defRPr kumimoji="1" sz="1800" kern="1200">
+        <a:spcAft>
+          <a:spcPts val="400"/>
+        </a:spcAft>
+        <a:buClr>
+          <a:schemeClr val="accent1"/>
+        </a:buClr>
+        <a:buFont typeface="Calibri" pitchFamily="34" charset="0"/>
+        <a:buChar char="◦"/>
+        <a:defRPr kumimoji="1" sz="1400" kern="1200">
           <a:solidFill>
-            <a:schemeClr val="tx1"/>
+            <a:schemeClr val="tx1">
+              <a:lumMod val="75000"/>
+              <a:lumOff val="25000"/>
+            </a:schemeClr>
           </a:solidFill>
           <a:latin typeface="+mn-lt"/>
           <a:ea typeface="+mn-ea"/>
           <a:cs typeface="+mn-cs"/>
         </a:defRPr>
       </a:lvl8pPr>
-      <a:lvl9pPr marL="3886200" indent="-228600" algn="l" defTabSz="914400" rtl="0" eaLnBrk="1" latinLnBrk="0" hangingPunct="1">
+      <a:lvl9pPr marL="1700000" indent="-228600" algn="l" defTabSz="914400" rtl="0" eaLnBrk="1" latinLnBrk="0" hangingPunct="1">
         <a:lnSpc>
           <a:spcPct val="90000"/>
         </a:lnSpc>
         <a:spcBef>
-          <a:spcPts val="500"/>
+          <a:spcPts val="200"/>
         </a:spcBef>
-        <a:buFont typeface="Arial" panose="020B0604020202020204" pitchFamily="34" charset="0"/>
-        <a:buChar char="•"/>
-        <a:defRPr kumimoji="1" sz="1800" kern="1200">
+        <a:spcAft>
+          <a:spcPts val="400"/>
+        </a:spcAft>
+        <a:buClr>
+          <a:schemeClr val="accent1"/>
+        </a:buClr>
+        <a:buFont typeface="Calibri" pitchFamily="34" charset="0"/>
+        <a:buChar char="◦"/>
+        <a:defRPr kumimoji="1" sz="1400" kern="1200">
           <a:solidFill>
-            <a:schemeClr val="tx1"/>
+            <a:schemeClr val="tx1">
+              <a:lumMod val="75000"/>
+              <a:lumOff val="25000"/>
+            </a:schemeClr>
           </a:solidFill>
           <a:latin typeface="+mn-lt"/>
           <a:ea typeface="+mn-ea"/>
@@ -3501,7 +3984,7 @@
     </p:bodyStyle>
     <p:otherStyle>
       <a:defPPr>
-        <a:defRPr lang="ja-JP"/>
+        <a:defRPr lang="en-US"/>
       </a:defPPr>
       <a:lvl1pPr marL="0" algn="l" defTabSz="914400" rtl="0" eaLnBrk="1" latinLnBrk="0" hangingPunct="1">
         <a:defRPr kumimoji="1" sz="1800" kern="1200">
@@ -3689,8 +4172,8 @@
         </p:nvSpPr>
         <p:spPr>
           <a:xfrm>
-            <a:off x="6207669" y="702469"/>
-            <a:ext cx="5984331" cy="5632311"/>
+            <a:off x="5988184" y="702469"/>
+            <a:ext cx="5404108" cy="5632311"/>
           </a:xfrm>
           <a:prstGeom prst="rect">
             <a:avLst/>
@@ -3775,8 +4258,12 @@
               <a:rPr kumimoji="1" lang="en-US" altLang="ja-JP" dirty="0"/>
             </a:br>
             <a:r>
+              <a:rPr kumimoji="1" lang="ja-JP" altLang="en-US" sz="1600" dirty="0"/>
+              <a:t>という風にプレイヤーに特定の型を内包させることができる</a:t>
+            </a:r>
+            <a:r>
               <a:rPr kumimoji="1" lang="ja-JP" altLang="en-US" dirty="0"/>
-              <a:t>という風にプレイヤーに特定の型を内包させることができる。</a:t>
+              <a:t>。</a:t>
             </a:r>
             <a:br>
               <a:rPr kumimoji="1" lang="en-US" altLang="ja-JP" dirty="0"/>
@@ -3826,12 +4313,8 @@
               <a:rPr kumimoji="1" lang="en-US" altLang="ja-JP" dirty="0"/>
             </a:br>
             <a:r>
-              <a:rPr kumimoji="1" lang="en-US" altLang="ja-JP" dirty="0" err="1"/>
-              <a:t>Console.WriteLine</a:t>
-            </a:r>
-            <a:r>
               <a:rPr kumimoji="1" lang="en-US" altLang="ja-JP" dirty="0"/>
-              <a:t>(“</a:t>
+              <a:t>Console.WriteLine(“</a:t>
             </a:r>
             <a:r>
               <a:rPr kumimoji="1" lang="ja-JP" altLang="en-US" dirty="0"/>
@@ -4011,7 +4494,7 @@
         </p:blipFill>
         <p:spPr>
           <a:xfrm>
-            <a:off x="284647" y="698389"/>
+            <a:off x="284647" y="73703"/>
             <a:ext cx="6049219" cy="4829849"/>
           </a:xfrm>
           <a:prstGeom prst="rect">
@@ -4041,7 +4524,7 @@
         </p:blipFill>
         <p:spPr>
           <a:xfrm>
-            <a:off x="653143" y="5611437"/>
+            <a:off x="0" y="5056576"/>
             <a:ext cx="12192000" cy="1096347"/>
           </a:xfrm>
           <a:prstGeom prst="rect">
@@ -4049,6 +4532,190 @@
           </a:prstGeom>
         </p:spPr>
       </p:pic>
+      <p:sp>
+        <p:nvSpPr>
+          <p:cNvPr id="2" name="テキスト ボックス 1">
+            <a:extLst>
+              <a:ext uri="{FF2B5EF4-FFF2-40B4-BE49-F238E27FC236}">
+                <a16:creationId xmlns:a16="http://schemas.microsoft.com/office/drawing/2014/main" id="{ABACE847-D026-569E-FA4E-19743B87548E}"/>
+              </a:ext>
+            </a:extLst>
+          </p:cNvPr>
+          <p:cNvSpPr txBox="1"/>
+          <p:nvPr/>
+        </p:nvSpPr>
+        <p:spPr>
+          <a:xfrm>
+            <a:off x="6333866" y="949744"/>
+            <a:ext cx="5573487" cy="3077766"/>
+          </a:xfrm>
+          <a:prstGeom prst="rect">
+            <a:avLst/>
+          </a:prstGeom>
+          <a:noFill/>
+        </p:spPr>
+        <p:txBody>
+          <a:bodyPr wrap="square" rtlCol="0">
+            <a:spAutoFit/>
+          </a:bodyPr>
+          <a:lstStyle/>
+          <a:p>
+            <a:pPr algn="ctr"/>
+            <a:r>
+              <a:rPr kumimoji="1" lang="en-US" altLang="ja-JP" dirty="0"/>
+              <a:t>Java</a:t>
+            </a:r>
+            <a:r>
+              <a:rPr kumimoji="1" lang="ja-JP" altLang="en-US" dirty="0"/>
+              <a:t> </a:t>
+            </a:r>
+            <a:r>
+              <a:rPr kumimoji="1" lang="en-US" altLang="ja-JP" dirty="0"/>
+              <a:t>–</a:t>
+            </a:r>
+            <a:r>
+              <a:rPr kumimoji="1" lang="ja-JP" altLang="en-US" dirty="0"/>
+              <a:t> </a:t>
+            </a:r>
+            <a:r>
+              <a:rPr kumimoji="1" lang="en-US" altLang="ja-JP" dirty="0"/>
+              <a:t>Generics</a:t>
+            </a:r>
+          </a:p>
+          <a:p>
+            <a:endParaRPr lang="en-US" altLang="ja-JP" dirty="0"/>
+          </a:p>
+          <a:p>
+            <a:r>
+              <a:rPr lang="ja-JP" altLang="en-US" sz="1600" i="0" dirty="0">
+                <a:effectLst/>
+                <a:latin typeface="YakuHanJPs"/>
+              </a:rPr>
+              <a:t>任意の型を受け付けるクラス・メソッドに対して特定の型を割り当てて、型専用のクラスを生成する機能</a:t>
+            </a:r>
+          </a:p>
+          <a:p>
+            <a:endParaRPr lang="en-US" altLang="ja-JP" dirty="0"/>
+          </a:p>
+          <a:p>
+            <a:r>
+              <a:rPr kumimoji="1" lang="ja-JP" altLang="en-US" dirty="0"/>
+              <a:t>この例では２つの異なる型、</a:t>
+            </a:r>
+            <a:r>
+              <a:rPr kumimoji="1" lang="en-US" altLang="ja-JP" dirty="0"/>
+              <a:t>Integer</a:t>
+            </a:r>
+            <a:r>
+              <a:rPr kumimoji="1" lang="ja-JP" altLang="en-US" dirty="0"/>
+              <a:t>型と</a:t>
+            </a:r>
+            <a:r>
+              <a:rPr kumimoji="1" lang="en-US" altLang="ja-JP" dirty="0"/>
+              <a:t>String</a:t>
+            </a:r>
+            <a:r>
+              <a:rPr kumimoji="1" lang="ja-JP" altLang="en-US" dirty="0"/>
+              <a:t>型を生成し、それぞれに</a:t>
+            </a:r>
+            <a:r>
+              <a:rPr kumimoji="1" lang="en-US" altLang="ja-JP" dirty="0"/>
+              <a:t>21(</a:t>
+            </a:r>
+            <a:r>
+              <a:rPr lang="en-US" altLang="ja-JP" dirty="0"/>
+              <a:t>Integer</a:t>
+            </a:r>
+            <a:r>
+              <a:rPr lang="ja-JP" altLang="en-US" dirty="0"/>
+              <a:t>型</a:t>
+            </a:r>
+            <a:r>
+              <a:rPr lang="en-US" altLang="ja-JP" dirty="0"/>
+              <a:t>)</a:t>
+            </a:r>
+            <a:r>
+              <a:rPr lang="ja-JP" altLang="en-US" dirty="0"/>
+              <a:t>、</a:t>
+            </a:r>
+            <a:r>
+              <a:rPr lang="en-US" altLang="ja-JP" dirty="0"/>
+              <a:t>test(String</a:t>
+            </a:r>
+            <a:r>
+              <a:rPr lang="ja-JP" altLang="en-US" dirty="0"/>
+              <a:t>型</a:t>
+            </a:r>
+            <a:r>
+              <a:rPr lang="en-US" altLang="ja-JP" dirty="0"/>
+              <a:t>)</a:t>
+            </a:r>
+            <a:r>
+              <a:rPr lang="ja-JP" altLang="en-US" dirty="0"/>
+              <a:t>をコンストラクタに引き渡した。</a:t>
+            </a:r>
+            <a:br>
+              <a:rPr lang="en-US" altLang="ja-JP" dirty="0"/>
+            </a:br>
+            <a:br>
+              <a:rPr lang="en-US" altLang="ja-JP" dirty="0"/>
+            </a:br>
+            <a:r>
+              <a:rPr lang="ja-JP" altLang="en-US" dirty="0"/>
+              <a:t>そして</a:t>
+            </a:r>
+            <a:r>
+              <a:rPr lang="en-US" altLang="ja-JP" dirty="0" err="1"/>
+              <a:t>getT</a:t>
+            </a:r>
+            <a:r>
+              <a:rPr lang="en-US" altLang="ja-JP" dirty="0"/>
+              <a:t>()</a:t>
+            </a:r>
+            <a:r>
+              <a:rPr lang="ja-JP" altLang="en-US" dirty="0"/>
+              <a:t>を呼ぶことで型が違うのにそれぞれ出力されている。</a:t>
+            </a:r>
+            <a:endParaRPr kumimoji="1" lang="ja-JP" altLang="en-US" dirty="0"/>
+          </a:p>
+        </p:txBody>
+      </p:sp>
+      <p:sp>
+        <p:nvSpPr>
+          <p:cNvPr id="4" name="テキスト ボックス 3">
+            <a:extLst>
+              <a:ext uri="{FF2B5EF4-FFF2-40B4-BE49-F238E27FC236}">
+                <a16:creationId xmlns:a16="http://schemas.microsoft.com/office/drawing/2014/main" id="{F229E807-ECE8-6182-C5C1-1F1F8FFD4658}"/>
+              </a:ext>
+            </a:extLst>
+          </p:cNvPr>
+          <p:cNvSpPr txBox="1"/>
+          <p:nvPr/>
+        </p:nvSpPr>
+        <p:spPr>
+          <a:xfrm>
+            <a:off x="0" y="6334780"/>
+            <a:ext cx="5573487" cy="523220"/>
+          </a:xfrm>
+          <a:prstGeom prst="rect">
+            <a:avLst/>
+          </a:prstGeom>
+          <a:noFill/>
+        </p:spPr>
+        <p:txBody>
+          <a:bodyPr wrap="square" rtlCol="0">
+            <a:spAutoFit/>
+          </a:bodyPr>
+          <a:lstStyle/>
+          <a:p>
+            <a:r>
+              <a:rPr kumimoji="1" lang="en-US" altLang="ja-JP" sz="2800" dirty="0"/>
+              <a:t>Tips</a:t>
+            </a:r>
+            <a:endParaRPr kumimoji="1" lang="ja-JP" altLang="en-US" sz="2800" dirty="0"/>
+          </a:p>
+        </p:txBody>
+      </p:sp>
     </p:spTree>
     <p:extLst>
       <p:ext uri="{BB962C8B-B14F-4D97-AF65-F5344CB8AC3E}">
@@ -4063,54 +4730,54 @@
 </file>
 
 <file path=ppt/theme/theme1.xml><?xml version="1.0" encoding="utf-8"?>
-<a:theme xmlns:a="http://schemas.openxmlformats.org/drawingml/2006/main" name="Office テーマ">
+<a:theme xmlns:a="http://schemas.openxmlformats.org/drawingml/2006/main" name="レトロスペクト">
   <a:themeElements>
-    <a:clrScheme name="Office">
+    <a:clrScheme name="レトロスペクト">
       <a:dk1>
-        <a:sysClr val="windowText" lastClr="000000"/>
+        <a:srgbClr val="000000"/>
       </a:dk1>
       <a:lt1>
         <a:sysClr val="window" lastClr="FFFFFF"/>
       </a:lt1>
       <a:dk2>
-        <a:srgbClr val="44546A"/>
+        <a:srgbClr val="637052"/>
       </a:dk2>
       <a:lt2>
-        <a:srgbClr val="E7E6E6"/>
+        <a:srgbClr val="CCDDEA"/>
       </a:lt2>
       <a:accent1>
-        <a:srgbClr val="4472C4"/>
+        <a:srgbClr val="E48312"/>
       </a:accent1>
       <a:accent2>
-        <a:srgbClr val="ED7D31"/>
+        <a:srgbClr val="BD582C"/>
       </a:accent2>
       <a:accent3>
-        <a:srgbClr val="A5A5A5"/>
+        <a:srgbClr val="865640"/>
       </a:accent3>
       <a:accent4>
-        <a:srgbClr val="FFC000"/>
+        <a:srgbClr val="9B8357"/>
       </a:accent4>
       <a:accent5>
-        <a:srgbClr val="5B9BD5"/>
+        <a:srgbClr val="C2BC80"/>
       </a:accent5>
       <a:accent6>
-        <a:srgbClr val="70AD47"/>
+        <a:srgbClr val="94A088"/>
       </a:accent6>
       <a:hlink>
-        <a:srgbClr val="0563C1"/>
+        <a:srgbClr val="2998E3"/>
       </a:hlink>
       <a:folHlink>
-        <a:srgbClr val="954F72"/>
+        <a:srgbClr val="8C8C8C"/>
       </a:folHlink>
     </a:clrScheme>
-    <a:fontScheme name="Office">
+    <a:fontScheme name="レトロスペクト">
       <a:majorFont>
-        <a:latin typeface="游ゴシック Light" panose="020F0302020204030204"/>
+        <a:latin typeface="Calibri Light" panose="020F0302020204030204"/>
         <a:ea typeface=""/>
         <a:cs typeface=""/>
-        <a:font script="Jpan" typeface="游ゴシック Light"/>
+        <a:font script="Jpan" typeface="ＭＳ Ｐゴシック"/>
         <a:font script="Hang" typeface="맑은 고딕"/>
-        <a:font script="Hans" typeface="等线 Light"/>
+        <a:font script="Hans" typeface="宋体"/>
         <a:font script="Hant" typeface="新細明體"/>
         <a:font script="Arab" typeface="Times New Roman"/>
         <a:font script="Hebr" typeface="Times New Roman"/>
@@ -4138,31 +4805,14 @@
         <a:font script="Viet" typeface="Times New Roman"/>
         <a:font script="Uigh" typeface="Microsoft Uighur"/>
         <a:font script="Geor" typeface="Sylfaen"/>
-        <a:font script="Armn" typeface="Arial"/>
-        <a:font script="Bugi" typeface="Leelawadee UI"/>
-        <a:font script="Bopo" typeface="Microsoft JhengHei"/>
-        <a:font script="Java" typeface="Javanese Text"/>
-        <a:font script="Lisu" typeface="Segoe UI"/>
-        <a:font script="Mymr" typeface="Myanmar Text"/>
-        <a:font script="Nkoo" typeface="Ebrima"/>
-        <a:font script="Olck" typeface="Nirmala UI"/>
-        <a:font script="Osma" typeface="Ebrima"/>
-        <a:font script="Phag" typeface="Phagspa"/>
-        <a:font script="Syrn" typeface="Estrangelo Edessa"/>
-        <a:font script="Syrj" typeface="Estrangelo Edessa"/>
-        <a:font script="Syre" typeface="Estrangelo Edessa"/>
-        <a:font script="Sora" typeface="Nirmala UI"/>
-        <a:font script="Tale" typeface="Microsoft Tai Le"/>
-        <a:font script="Talu" typeface="Microsoft New Tai Lue"/>
-        <a:font script="Tfng" typeface="Ebrima"/>
       </a:majorFont>
       <a:minorFont>
-        <a:latin typeface="游ゴシック" panose="020F0502020204030204"/>
+        <a:latin typeface="Calibri" panose="020F0502020204030204"/>
         <a:ea typeface=""/>
         <a:cs typeface=""/>
-        <a:font script="Jpan" typeface="游ゴシック"/>
+        <a:font script="Jpan" typeface="ＭＳ Ｐゴシック"/>
         <a:font script="Hang" typeface="맑은 고딕"/>
-        <a:font script="Hans" typeface="等线"/>
+        <a:font script="Hans" typeface="宋体"/>
         <a:font script="Hant" typeface="新細明體"/>
         <a:font script="Arab" typeface="Arial"/>
         <a:font script="Hebr" typeface="Arial"/>
@@ -4190,26 +4840,9 @@
         <a:font script="Viet" typeface="Arial"/>
         <a:font script="Uigh" typeface="Microsoft Uighur"/>
         <a:font script="Geor" typeface="Sylfaen"/>
-        <a:font script="Armn" typeface="Arial"/>
-        <a:font script="Bugi" typeface="Leelawadee UI"/>
-        <a:font script="Bopo" typeface="Microsoft JhengHei"/>
-        <a:font script="Java" typeface="Javanese Text"/>
-        <a:font script="Lisu" typeface="Segoe UI"/>
-        <a:font script="Mymr" typeface="Myanmar Text"/>
-        <a:font script="Nkoo" typeface="Ebrima"/>
-        <a:font script="Olck" typeface="Nirmala UI"/>
-        <a:font script="Osma" typeface="Ebrima"/>
-        <a:font script="Phag" typeface="Phagspa"/>
-        <a:font script="Syrn" typeface="Estrangelo Edessa"/>
-        <a:font script="Syrj" typeface="Estrangelo Edessa"/>
-        <a:font script="Syre" typeface="Estrangelo Edessa"/>
-        <a:font script="Sora" typeface="Nirmala UI"/>
-        <a:font script="Tale" typeface="Microsoft Tai Le"/>
-        <a:font script="Talu" typeface="Microsoft New Tai Lue"/>
-        <a:font script="Tfng" typeface="Ebrima"/>
       </a:minorFont>
     </a:fontScheme>
-    <a:fmtScheme name="Office">
+    <a:fmtScheme name="レトロスペクト">
       <a:fillStyleLst>
         <a:solidFill>
           <a:schemeClr val="phClr"/>
@@ -4218,76 +4851,81 @@
           <a:gsLst>
             <a:gs pos="0">
               <a:schemeClr val="phClr">
-                <a:lumMod val="110000"/>
-                <a:satMod val="105000"/>
-                <a:tint val="67000"/>
+                <a:tint val="65000"/>
+                <a:shade val="92000"/>
+                <a:satMod val="130000"/>
               </a:schemeClr>
             </a:gs>
-            <a:gs pos="50000">
+            <a:gs pos="45000">
               <a:schemeClr val="phClr">
-                <a:lumMod val="105000"/>
-                <a:satMod val="103000"/>
-                <a:tint val="73000"/>
+                <a:tint val="60000"/>
+                <a:shade val="99000"/>
+                <a:satMod val="120000"/>
               </a:schemeClr>
             </a:gs>
             <a:gs pos="100000">
               <a:schemeClr val="phClr">
-                <a:lumMod val="105000"/>
-                <a:satMod val="109000"/>
-                <a:tint val="81000"/>
+                <a:tint val="55000"/>
+                <a:satMod val="140000"/>
               </a:schemeClr>
             </a:gs>
           </a:gsLst>
-          <a:lin ang="5400000" scaled="0"/>
+          <a:path path="circle">
+            <a:fillToRect l="100000" t="100000" r="100000" b="100000"/>
+          </a:path>
         </a:gradFill>
         <a:gradFill rotWithShape="1">
           <a:gsLst>
             <a:gs pos="0">
               <a:schemeClr val="phClr">
-                <a:satMod val="103000"/>
-                <a:lumMod val="102000"/>
-                <a:tint val="94000"/>
+                <a:shade val="85000"/>
+                <a:satMod val="130000"/>
               </a:schemeClr>
             </a:gs>
-            <a:gs pos="50000">
+            <a:gs pos="34000">
               <a:schemeClr val="phClr">
-                <a:satMod val="110000"/>
-                <a:lumMod val="100000"/>
-                <a:shade val="100000"/>
+                <a:shade val="87000"/>
+                <a:satMod val="125000"/>
+              </a:schemeClr>
+            </a:gs>
+            <a:gs pos="70000">
+              <a:schemeClr val="phClr">
+                <a:tint val="100000"/>
+                <a:shade val="90000"/>
+                <a:satMod val="130000"/>
               </a:schemeClr>
             </a:gs>
             <a:gs pos="100000">
               <a:schemeClr val="phClr">
-                <a:lumMod val="99000"/>
-                <a:satMod val="120000"/>
-                <a:shade val="78000"/>
+                <a:tint val="100000"/>
+                <a:shade val="100000"/>
+                <a:satMod val="110000"/>
               </a:schemeClr>
             </a:gs>
           </a:gsLst>
-          <a:lin ang="5400000" scaled="0"/>
+          <a:path path="circle">
+            <a:fillToRect l="100000" t="100000" r="100000" b="100000"/>
+          </a:path>
         </a:gradFill>
       </a:fillStyleLst>
       <a:lnStyleLst>
-        <a:ln w="6350" cap="flat" cmpd="sng" algn="ctr">
-          <a:solidFill>
-            <a:schemeClr val="phClr"/>
-          </a:solidFill>
-          <a:prstDash val="solid"/>
-          <a:miter lim="800000"/>
-        </a:ln>
         <a:ln w="12700" cap="flat" cmpd="sng" algn="ctr">
           <a:solidFill>
             <a:schemeClr val="phClr"/>
           </a:solidFill>
           <a:prstDash val="solid"/>
-          <a:miter lim="800000"/>
         </a:ln>
-        <a:ln w="19050" cap="flat" cmpd="sng" algn="ctr">
+        <a:ln w="15875" cap="flat" cmpd="sng" algn="ctr">
           <a:solidFill>
             <a:schemeClr val="phClr"/>
           </a:solidFill>
           <a:prstDash val="solid"/>
-          <a:miter lim="800000"/>
+        </a:ln>
+        <a:ln w="25400" cap="flat" cmpd="sng" algn="ctr">
+          <a:solidFill>
+            <a:schemeClr val="phClr"/>
+          </a:solidFill>
+          <a:prstDash val="solid"/>
         </a:ln>
       </a:lnStyleLst>
       <a:effectStyleLst>
@@ -4295,16 +4933,33 @@
           <a:effectLst/>
         </a:effectStyle>
         <a:effectStyle>
-          <a:effectLst/>
+          <a:effectLst>
+            <a:outerShdw blurRad="38100" dist="25400" dir="2700000" algn="br" rotWithShape="0">
+              <a:srgbClr val="000000">
+                <a:alpha val="60000"/>
+              </a:srgbClr>
+            </a:outerShdw>
+          </a:effectLst>
         </a:effectStyle>
         <a:effectStyle>
           <a:effectLst>
-            <a:outerShdw blurRad="57150" dist="19050" dir="5400000" algn="ctr" rotWithShape="0">
+            <a:outerShdw blurRad="44450" dist="25400" dir="2700000" algn="br" rotWithShape="0">
               <a:srgbClr val="000000">
-                <a:alpha val="63000"/>
+                <a:alpha val="60000"/>
               </a:srgbClr>
             </a:outerShdw>
           </a:effectLst>
+          <a:scene3d>
+            <a:camera prst="orthographicFront">
+              <a:rot lat="0" lon="0" rev="0"/>
+            </a:camera>
+            <a:lightRig rig="threePt" dir="t">
+              <a:rot lat="0" lon="0" rev="19800000"/>
+            </a:lightRig>
+          </a:scene3d>
+          <a:sp3d prstMaterial="flat">
+            <a:bevelT w="25400" h="31750"/>
+          </a:sp3d>
         </a:effectStyle>
       </a:effectStyleLst>
       <a:bgFillStyleLst>
@@ -4313,36 +4968,36 @@
         </a:solidFill>
         <a:solidFill>
           <a:schemeClr val="phClr">
-            <a:tint val="95000"/>
-            <a:satMod val="170000"/>
+            <a:tint val="90000"/>
+            <a:shade val="97000"/>
+            <a:satMod val="130000"/>
           </a:schemeClr>
         </a:solidFill>
         <a:gradFill rotWithShape="1">
           <a:gsLst>
             <a:gs pos="0">
               <a:schemeClr val="phClr">
-                <a:tint val="93000"/>
-                <a:satMod val="150000"/>
-                <a:shade val="98000"/>
-                <a:lumMod val="102000"/>
+                <a:tint val="96000"/>
+                <a:shade val="99000"/>
+                <a:satMod val="140000"/>
               </a:schemeClr>
             </a:gs>
-            <a:gs pos="50000">
+            <a:gs pos="65000">
               <a:schemeClr val="phClr">
-                <a:tint val="98000"/>
+                <a:tint val="100000"/>
+                <a:shade val="80000"/>
                 <a:satMod val="130000"/>
-                <a:shade val="90000"/>
-                <a:lumMod val="103000"/>
               </a:schemeClr>
             </a:gs>
             <a:gs pos="100000">
               <a:schemeClr val="phClr">
-                <a:shade val="63000"/>
+                <a:tint val="100000"/>
+                <a:shade val="48000"/>
                 <a:satMod val="120000"/>
               </a:schemeClr>
             </a:gs>
           </a:gsLst>
-          <a:lin ang="5400000" scaled="0"/>
+          <a:lin ang="16200000" scaled="0"/>
         </a:gradFill>
       </a:bgFillStyleLst>
     </a:fmtScheme>
@@ -4351,7 +5006,7 @@
   <a:extraClrSchemeLst/>
   <a:extLst>
     <a:ext uri="{05A4C25C-085E-4340-85A3-A5531E510DB2}">
-      <thm15:themeFamily xmlns:thm15="http://schemas.microsoft.com/office/thememl/2012/main" name="Office Theme" id="{62F939B6-93AF-4DB8-9C6B-D6C7DFDC589F}" vid="{4A3C46E8-61CC-4603-A589-7422A47A8E4A}"/>
+      <thm15:themeFamily xmlns:thm15="http://schemas.microsoft.com/office/thememl/2012/main" name="Retrospect" id="{5F128B03-DCCA-4EEB-AB3B-CF2899314A46}" vid="{3F1AAB62-24C6-49D2-8E01-B56FAC9A3DCD}"/>
     </a:ext>
   </a:extLst>
 </a:theme>
